--- a/Query_Writing/08_Inside_Transactions.pptx
+++ b/Query_Writing/08_Inside_Transactions.pptx
@@ -11,14 +11,14 @@
     <p:sldId id="1635" r:id="rId2"/>
     <p:sldId id="1612" r:id="rId3"/>
     <p:sldId id="374" r:id="rId4"/>
-    <p:sldId id="1590" r:id="rId5"/>
-    <p:sldId id="1591" r:id="rId6"/>
-    <p:sldId id="1598" r:id="rId7"/>
-    <p:sldId id="1592" r:id="rId8"/>
-    <p:sldId id="1594" r:id="rId9"/>
-    <p:sldId id="1595" r:id="rId10"/>
-    <p:sldId id="1593" r:id="rId11"/>
-    <p:sldId id="1596" r:id="rId12"/>
+    <p:sldId id="1593" r:id="rId5"/>
+    <p:sldId id="1590" r:id="rId6"/>
+    <p:sldId id="1591" r:id="rId7"/>
+    <p:sldId id="257" r:id="rId8"/>
+    <p:sldId id="1598" r:id="rId9"/>
+    <p:sldId id="1592" r:id="rId10"/>
+    <p:sldId id="1594" r:id="rId11"/>
+    <p:sldId id="1595" r:id="rId12"/>
     <p:sldId id="1599" r:id="rId13"/>
     <p:sldId id="1600" r:id="rId14"/>
     <p:sldId id="1653" r:id="rId15"/>
@@ -131,14 +131,14 @@
             <p14:sldId id="1635"/>
             <p14:sldId id="1612"/>
             <p14:sldId id="374"/>
+            <p14:sldId id="1593"/>
             <p14:sldId id="1590"/>
             <p14:sldId id="1591"/>
+            <p14:sldId id="257"/>
             <p14:sldId id="1598"/>
             <p14:sldId id="1592"/>
             <p14:sldId id="1594"/>
             <p14:sldId id="1595"/>
-            <p14:sldId id="1593"/>
-            <p14:sldId id="1596"/>
             <p14:sldId id="1599"/>
             <p14:sldId id="1600"/>
             <p14:sldId id="1653"/>
@@ -157,15 +157,6 @@
     </p:ext>
   </p:extLst>
 </p:presentation>
-</file>
-
-<file path=ppt/revisionInfo.xml><?xml version="1.0" encoding="utf-8"?>
-<p1510:revInfo xmlns:a="http://schemas.openxmlformats.org/drawingml/2006/main" xmlns:r="http://schemas.openxmlformats.org/officeDocument/2006/relationships" xmlns:p1510="http://schemas.microsoft.com/office/powerpoint/2015/10/main">
-  <p1510:revLst>
-    <p1510:client id="{B7865E0E-E809-4D8B-8EAE-79FF7CA04ADA}" v="10" dt="2020-10-25T13:52:52.363"/>
-    <p1510:client id="{C870F873-4142-4FE6-92E9-06DD85FBFB3B}" v="31" dt="2020-10-25T13:43:34.042"/>
-  </p1510:revLst>
-</p1510:revInfo>
 </file>
 
 <file path=ppt/diagrams/colors1.xml><?xml version="1.0" encoding="utf-8"?>
@@ -3032,7 +3023,7 @@
           <a:p>
             <a:fld id="{CFBA6064-FDE0-48E8-9405-22609F48ED19}" type="datetimeFigureOut">
               <a:rPr lang="en-US" smtClean="0"/>
-              <a:t>10/25/2020</a:t>
+              <a:t>4/19/2021</a:t>
             </a:fld>
             <a:endParaRPr lang="en-US"/>
           </a:p>
@@ -3343,6 +3334,650 @@
           <a:bodyPr/>
           <a:lstStyle/>
           <a:p>
+            <a:r>
+              <a:rPr lang="en-US" dirty="0"/>
+              <a:t>This section describes the role of the </a:t>
+            </a:r>
+            <a:r>
+              <a:rPr lang="en-US" b="1" dirty="0"/>
+              <a:t>write-ahead transaction log </a:t>
+            </a:r>
+            <a:r>
+              <a:rPr lang="en-US" dirty="0"/>
+              <a:t>in recording data modifications to disk. SQL Server uses a write-ahead logging (WAL) algorithm, </a:t>
+            </a:r>
+            <a:r>
+              <a:rPr lang="en-US" b="1" dirty="0"/>
+              <a:t>which guarantees that no data modifications are written to disk before the associated log record is written to disk</a:t>
+            </a:r>
+            <a:r>
+              <a:rPr lang="en-US" dirty="0"/>
+              <a:t>. </a:t>
+            </a:r>
+            <a:r>
+              <a:rPr lang="en-US" b="1" dirty="0"/>
+              <a:t>This maintains the ACID properties for a transaction</a:t>
+            </a:r>
+            <a:r>
+              <a:rPr lang="en-US" dirty="0"/>
+              <a:t>.</a:t>
+            </a:r>
+          </a:p>
+          <a:p>
+            <a:endParaRPr lang="en-US" dirty="0"/>
+          </a:p>
+          <a:p>
+            <a:r>
+              <a:rPr lang="en-US" dirty="0"/>
+              <a:t>To understand how the write-ahead log works, it is important for you to know how modified data is written to disk. SQL Server maintains a buffer cache into which it reads data pages when data must be retrieved. When a page is modified in the buffer cache, it is not immediately written back to disk; instead, the page is marked as dirty. A data page can have more than one logical write made before it is physically written to disk. For each logical write, a transaction log record is inserted in the log cache that records the modification. The log records must be written to disk before the associated dirty page is removed from the buffer cache and written to disk. The checkpoint process periodically scans the buffer cache for buffers with pages from a specified database and writes all dirty pages to disk. Checkpoints save time during a later recovery by creating a point at which all dirty pages are guaranteed to have been written to disk.</a:t>
+            </a:r>
+          </a:p>
+          <a:p>
+            <a:endParaRPr lang="en-US" dirty="0"/>
+          </a:p>
+          <a:p>
+            <a:r>
+              <a:rPr lang="en-US" dirty="0"/>
+              <a:t>Writing a modified data page from the buffer cache to disk is called flushing the page. SQL Server has logic that prevents a dirty page from being flushed before the associated log record is written. Log records are written to disk when the log buffers are flushed. This happens whenever a transaction commits or the log buffers become full.</a:t>
+            </a:r>
+          </a:p>
+          <a:p>
+            <a:endParaRPr lang="en-US" dirty="0"/>
+          </a:p>
+          <a:p>
+            <a:r>
+              <a:rPr lang="en-US" b="1" dirty="0"/>
+              <a:t>Key Points</a:t>
+            </a:r>
+            <a:r>
+              <a:rPr lang="en-US" dirty="0"/>
+              <a:t>:</a:t>
+            </a:r>
+          </a:p>
+          <a:p>
+            <a:pPr>
+              <a:spcAft>
+                <a:spcPts val="600"/>
+              </a:spcAft>
+            </a:pPr>
+            <a:r>
+              <a:rPr lang="en-US" dirty="0"/>
+              <a:t>SQL Server uses the buffer pool to minimize the amount of disk I/O that must be done against the data file. When a page is required for a read or write operation, the buffer pool is checked first. If the page is already in the buffer pool, the operation can be satisfied from memory only.</a:t>
+            </a:r>
+          </a:p>
+          <a:p>
+            <a:pPr>
+              <a:spcAft>
+                <a:spcPts val="600"/>
+              </a:spcAft>
+            </a:pPr>
+            <a:r>
+              <a:rPr lang="en-US" dirty="0"/>
+              <a:t>When a modification happens, the change is made to the data page in memory first, and then a log record is written to the transaction log file. The page will not be written out to disk until the CHECKPOINT process comes through and flushes changes out to the data file. If the SQL Server process is shut down unexpectedly and the memory space is lost, SQL Server uses the transaction log to bring the data file up to date with any changes that were committed before the crash but not persisted to disk. This is called recovery.</a:t>
+            </a:r>
+          </a:p>
+          <a:p>
+            <a:pPr>
+              <a:spcAft>
+                <a:spcPts val="600"/>
+              </a:spcAft>
+            </a:pPr>
+            <a:r>
+              <a:rPr lang="en-US" dirty="0"/>
+              <a:t>To optimize the I/O, SQL Server will attempt to gather pages together so that larger chunks of a file can be read or written in a single operation. For reads, SQL Server has a read ahead mechanism that will read contiguous pages from an object in a single request if needed by a query. For writes, SQL Server will gather together a chunk of contiguous pages that have been modified so they can be written in a single request.</a:t>
+            </a:r>
+          </a:p>
+          <a:p>
+            <a:endParaRPr lang="en-US" dirty="0"/>
+          </a:p>
+          <a:p>
+            <a:endParaRPr lang="en-US" dirty="0"/>
+          </a:p>
+          <a:p>
+            <a:pPr marL="0" marR="0" lvl="0" indent="0" algn="l" defTabSz="914400" rtl="0" eaLnBrk="1" fontAlgn="auto" latinLnBrk="0" hangingPunct="1">
+              <a:lnSpc>
+                <a:spcPct val="90000"/>
+              </a:lnSpc>
+              <a:spcBef>
+                <a:spcPts val="333"/>
+              </a:spcBef>
+              <a:spcAft>
+                <a:spcPts val="0"/>
+              </a:spcAft>
+              <a:buClrTx/>
+              <a:buSzTx/>
+              <a:buFontTx/>
+              <a:buNone/>
+              <a:tabLst/>
+              <a:defRPr/>
+            </a:pPr>
+            <a:r>
+              <a:rPr lang="en-US" b="1" dirty="0"/>
+              <a:t>Additional Reading</a:t>
+            </a:r>
+            <a:r>
+              <a:rPr lang="en-US" dirty="0"/>
+              <a:t>:</a:t>
+            </a:r>
+          </a:p>
+          <a:p>
+            <a:r>
+              <a:rPr lang="en-US" sz="882" kern="1200" baseline="0" dirty="0">
+                <a:solidFill>
+                  <a:schemeClr val="tx1"/>
+                </a:solidFill>
+                <a:effectLst/>
+                <a:latin typeface="+mn-lt"/>
+                <a:ea typeface="+mn-ea"/>
+                <a:cs typeface="+mn-cs"/>
+              </a:rPr>
+              <a:t>SQL Server Transaction Log Architecture and Management Guide</a:t>
+            </a:r>
+          </a:p>
+          <a:p>
+            <a:r>
+              <a:rPr lang="en-US" sz="882" i="1" kern="1200" baseline="0" dirty="0">
+                <a:solidFill>
+                  <a:schemeClr val="tx1"/>
+                </a:solidFill>
+                <a:effectLst/>
+                <a:latin typeface="+mn-lt"/>
+                <a:ea typeface="+mn-ea"/>
+                <a:cs typeface="+mn-cs"/>
+              </a:rPr>
+              <a:t>From &lt;</a:t>
+            </a:r>
+            <a:r>
+              <a:rPr lang="en-US" sz="882" i="1" kern="1200" baseline="0" dirty="0">
+                <a:solidFill>
+                  <a:schemeClr val="tx1"/>
+                </a:solidFill>
+                <a:effectLst/>
+                <a:latin typeface="+mn-lt"/>
+                <a:ea typeface="+mn-ea"/>
+                <a:cs typeface="+mn-cs"/>
+                <a:hlinkClick r:id="rId3"/>
+              </a:rPr>
+              <a:t>https://docs.microsoft.com/en-us/sql/relational-databases/sql-server-transaction-log-architecture-and-management-guide?view=sql-server-ver15</a:t>
+            </a:r>
+            <a:r>
+              <a:rPr lang="en-US" sz="882" i="1" kern="1200" baseline="0" dirty="0">
+                <a:solidFill>
+                  <a:schemeClr val="tx1"/>
+                </a:solidFill>
+                <a:effectLst/>
+                <a:latin typeface="+mn-lt"/>
+                <a:ea typeface="+mn-ea"/>
+                <a:cs typeface="+mn-cs"/>
+              </a:rPr>
+              <a:t>&gt; </a:t>
+            </a:r>
+            <a:endParaRPr lang="en-US" sz="882" kern="1200" baseline="0" dirty="0">
+              <a:solidFill>
+                <a:schemeClr val="tx1"/>
+              </a:solidFill>
+              <a:effectLst/>
+              <a:latin typeface="+mn-lt"/>
+              <a:ea typeface="+mn-ea"/>
+              <a:cs typeface="+mn-cs"/>
+            </a:endParaRPr>
+          </a:p>
+          <a:p>
+            <a:r>
+              <a:rPr lang="en-US" sz="882" i="1" kern="1200" baseline="0" dirty="0">
+                <a:solidFill>
+                  <a:schemeClr val="tx1"/>
+                </a:solidFill>
+                <a:effectLst/>
+                <a:latin typeface="+mn-lt"/>
+                <a:ea typeface="+mn-ea"/>
+                <a:cs typeface="+mn-cs"/>
+              </a:rPr>
+              <a:t> </a:t>
+            </a:r>
+            <a:endParaRPr lang="en-US" sz="882" kern="1200" baseline="0" dirty="0">
+              <a:solidFill>
+                <a:schemeClr val="tx1"/>
+              </a:solidFill>
+              <a:effectLst/>
+              <a:latin typeface="+mn-lt"/>
+              <a:ea typeface="+mn-ea"/>
+              <a:cs typeface="+mn-cs"/>
+            </a:endParaRPr>
+          </a:p>
+          <a:p>
+            <a:r>
+              <a:rPr lang="en-US" sz="882" kern="1200" baseline="0" dirty="0">
+                <a:solidFill>
+                  <a:schemeClr val="tx1"/>
+                </a:solidFill>
+                <a:effectLst/>
+                <a:latin typeface="+mn-lt"/>
+                <a:ea typeface="+mn-ea"/>
+                <a:cs typeface="+mn-cs"/>
+              </a:rPr>
+              <a:t>ACID properties</a:t>
+            </a:r>
+          </a:p>
+          <a:p>
+            <a:r>
+              <a:rPr lang="en-US" sz="882" i="1" kern="1200" baseline="0" dirty="0">
+                <a:solidFill>
+                  <a:schemeClr val="tx1"/>
+                </a:solidFill>
+                <a:effectLst/>
+                <a:latin typeface="+mn-lt"/>
+                <a:ea typeface="+mn-ea"/>
+                <a:cs typeface="+mn-cs"/>
+              </a:rPr>
+              <a:t>From &lt;</a:t>
+            </a:r>
+            <a:r>
+              <a:rPr lang="en-US" sz="882" i="1" kern="1200" baseline="0" dirty="0">
+                <a:solidFill>
+                  <a:schemeClr val="tx1"/>
+                </a:solidFill>
+                <a:effectLst/>
+                <a:latin typeface="+mn-lt"/>
+                <a:ea typeface="+mn-ea"/>
+                <a:cs typeface="+mn-cs"/>
+                <a:hlinkClick r:id="rId4"/>
+              </a:rPr>
+              <a:t>https://docs.microsoft.com/en-us/previous-versions/office/developer/server-technologies/aa480356(v=msdn.10)</a:t>
+            </a:r>
+            <a:r>
+              <a:rPr lang="en-US" sz="882" i="1" kern="1200" baseline="0" dirty="0">
+                <a:solidFill>
+                  <a:schemeClr val="tx1"/>
+                </a:solidFill>
+                <a:effectLst/>
+                <a:latin typeface="+mn-lt"/>
+                <a:ea typeface="+mn-ea"/>
+                <a:cs typeface="+mn-cs"/>
+              </a:rPr>
+              <a:t>&gt; </a:t>
+            </a:r>
+            <a:endParaRPr lang="en-US" sz="882" kern="1200" baseline="0" dirty="0">
+              <a:solidFill>
+                <a:schemeClr val="tx1"/>
+              </a:solidFill>
+              <a:effectLst/>
+              <a:latin typeface="+mn-lt"/>
+              <a:ea typeface="+mn-ea"/>
+              <a:cs typeface="+mn-cs"/>
+            </a:endParaRPr>
+          </a:p>
+          <a:p>
+            <a:r>
+              <a:rPr lang="en-US" sz="882" i="1" kern="1200" baseline="0" dirty="0">
+                <a:solidFill>
+                  <a:schemeClr val="tx1"/>
+                </a:solidFill>
+                <a:effectLst/>
+                <a:latin typeface="+mn-lt"/>
+                <a:ea typeface="+mn-ea"/>
+                <a:cs typeface="+mn-cs"/>
+              </a:rPr>
+              <a:t> </a:t>
+            </a:r>
+            <a:endParaRPr lang="en-US" sz="882" kern="1200" baseline="0" dirty="0">
+              <a:solidFill>
+                <a:schemeClr val="tx1"/>
+              </a:solidFill>
+              <a:effectLst/>
+              <a:latin typeface="+mn-lt"/>
+              <a:ea typeface="+mn-ea"/>
+              <a:cs typeface="+mn-cs"/>
+            </a:endParaRPr>
+          </a:p>
+          <a:p>
+            <a:r>
+              <a:rPr lang="en-US" sz="882" kern="1200" baseline="0" dirty="0">
+                <a:solidFill>
+                  <a:schemeClr val="tx1"/>
+                </a:solidFill>
+                <a:effectLst/>
+                <a:latin typeface="+mn-lt"/>
+                <a:ea typeface="+mn-ea"/>
+                <a:cs typeface="+mn-cs"/>
+              </a:rPr>
+              <a:t>Write-Ahead Transaction Log</a:t>
+            </a:r>
+          </a:p>
+          <a:p>
+            <a:r>
+              <a:rPr lang="en-US" sz="882" i="1" kern="1200" baseline="0" dirty="0">
+                <a:solidFill>
+                  <a:schemeClr val="tx1"/>
+                </a:solidFill>
+                <a:effectLst/>
+                <a:latin typeface="+mn-lt"/>
+                <a:ea typeface="+mn-ea"/>
+                <a:cs typeface="+mn-cs"/>
+              </a:rPr>
+              <a:t>From &lt;</a:t>
+            </a:r>
+            <a:r>
+              <a:rPr lang="en-US" sz="882" i="1" kern="1200" baseline="0" dirty="0">
+                <a:solidFill>
+                  <a:schemeClr val="tx1"/>
+                </a:solidFill>
+                <a:effectLst/>
+                <a:latin typeface="+mn-lt"/>
+                <a:ea typeface="+mn-ea"/>
+                <a:cs typeface="+mn-cs"/>
+                <a:hlinkClick r:id="rId5"/>
+              </a:rPr>
+              <a:t>https://docs.microsoft.com/en-us/sql/relational-databases/sql-server-transaction-log-architecture-and-management-guide?view=sql-server-ver15#WAL</a:t>
+            </a:r>
+            <a:r>
+              <a:rPr lang="en-US" sz="882" i="1" kern="1200" baseline="0" dirty="0">
+                <a:solidFill>
+                  <a:schemeClr val="tx1"/>
+                </a:solidFill>
+                <a:effectLst/>
+                <a:latin typeface="+mn-lt"/>
+                <a:ea typeface="+mn-ea"/>
+                <a:cs typeface="+mn-cs"/>
+              </a:rPr>
+              <a:t>&gt; </a:t>
+            </a:r>
+            <a:endParaRPr lang="en-US" sz="882" kern="1200" baseline="0" dirty="0">
+              <a:solidFill>
+                <a:schemeClr val="tx1"/>
+              </a:solidFill>
+              <a:effectLst/>
+              <a:latin typeface="+mn-lt"/>
+              <a:ea typeface="+mn-ea"/>
+              <a:cs typeface="+mn-cs"/>
+            </a:endParaRPr>
+          </a:p>
+          <a:p>
+            <a:r>
+              <a:rPr lang="en-US" sz="882" kern="1200" baseline="0" dirty="0">
+                <a:solidFill>
+                  <a:schemeClr val="tx1"/>
+                </a:solidFill>
+                <a:effectLst/>
+                <a:latin typeface="+mn-lt"/>
+                <a:ea typeface="+mn-ea"/>
+                <a:cs typeface="+mn-cs"/>
+              </a:rPr>
+              <a:t> </a:t>
+            </a:r>
+          </a:p>
+          <a:p>
+            <a:r>
+              <a:rPr lang="en-US" sz="882" kern="1200" baseline="0" dirty="0">
+                <a:solidFill>
+                  <a:schemeClr val="tx1"/>
+                </a:solidFill>
+                <a:effectLst/>
+                <a:latin typeface="+mn-lt"/>
+                <a:ea typeface="+mn-ea"/>
+                <a:cs typeface="+mn-cs"/>
+              </a:rPr>
+              <a:t>Writing Pages</a:t>
+            </a:r>
+          </a:p>
+          <a:p>
+            <a:r>
+              <a:rPr lang="en-US" sz="882" i="1" kern="1200" baseline="0" dirty="0">
+                <a:solidFill>
+                  <a:schemeClr val="tx1"/>
+                </a:solidFill>
+                <a:effectLst/>
+                <a:latin typeface="+mn-lt"/>
+                <a:ea typeface="+mn-ea"/>
+                <a:cs typeface="+mn-cs"/>
+              </a:rPr>
+              <a:t>From &lt;</a:t>
+            </a:r>
+            <a:r>
+              <a:rPr lang="en-US" sz="882" i="1" kern="1200" baseline="0" dirty="0">
+                <a:solidFill>
+                  <a:schemeClr val="tx1"/>
+                </a:solidFill>
+                <a:effectLst/>
+                <a:latin typeface="+mn-lt"/>
+                <a:ea typeface="+mn-ea"/>
+                <a:cs typeface="+mn-cs"/>
+                <a:hlinkClick r:id="rId6"/>
+              </a:rPr>
+              <a:t>https://docs.microsoft.com/en-us/sql/relational-databases/writing-pages?view=sql-server-ver15</a:t>
+            </a:r>
+            <a:r>
+              <a:rPr lang="en-US" sz="882" i="1" kern="1200" baseline="0" dirty="0">
+                <a:solidFill>
+                  <a:schemeClr val="tx1"/>
+                </a:solidFill>
+                <a:effectLst/>
+                <a:latin typeface="+mn-lt"/>
+                <a:ea typeface="+mn-ea"/>
+                <a:cs typeface="+mn-cs"/>
+              </a:rPr>
+              <a:t>&gt; </a:t>
+            </a:r>
+            <a:endParaRPr lang="en-US" sz="882" kern="1200" baseline="0" dirty="0">
+              <a:solidFill>
+                <a:schemeClr val="tx1"/>
+              </a:solidFill>
+              <a:effectLst/>
+              <a:latin typeface="+mn-lt"/>
+              <a:ea typeface="+mn-ea"/>
+              <a:cs typeface="+mn-cs"/>
+            </a:endParaRPr>
+          </a:p>
+          <a:p>
+            <a:r>
+              <a:rPr lang="en-US" sz="882" i="1" kern="1200" baseline="0" dirty="0">
+                <a:solidFill>
+                  <a:schemeClr val="tx1"/>
+                </a:solidFill>
+                <a:effectLst/>
+                <a:latin typeface="+mn-lt"/>
+                <a:ea typeface="+mn-ea"/>
+                <a:cs typeface="+mn-cs"/>
+              </a:rPr>
+              <a:t> </a:t>
+            </a:r>
+            <a:endParaRPr lang="en-US" sz="882" kern="1200" baseline="0" dirty="0">
+              <a:solidFill>
+                <a:schemeClr val="tx1"/>
+              </a:solidFill>
+              <a:effectLst/>
+              <a:latin typeface="+mn-lt"/>
+              <a:ea typeface="+mn-ea"/>
+              <a:cs typeface="+mn-cs"/>
+            </a:endParaRPr>
+          </a:p>
+          <a:p>
+            <a:r>
+              <a:rPr lang="en-US" sz="882" kern="1200" baseline="0" dirty="0">
+                <a:solidFill>
+                  <a:schemeClr val="tx1"/>
+                </a:solidFill>
+                <a:effectLst/>
+                <a:latin typeface="+mn-lt"/>
+                <a:ea typeface="+mn-ea"/>
+                <a:cs typeface="+mn-cs"/>
+              </a:rPr>
+              <a:t>Analyzing I/O Characteristics and Sizing Storage Systems for SQL Server Database Applications </a:t>
+            </a:r>
+          </a:p>
+          <a:p>
+            <a:r>
+              <a:rPr lang="en-US" sz="882" i="1" kern="1200" baseline="0" dirty="0">
+                <a:solidFill>
+                  <a:schemeClr val="tx1"/>
+                </a:solidFill>
+                <a:effectLst/>
+                <a:latin typeface="+mn-lt"/>
+                <a:ea typeface="+mn-ea"/>
+                <a:cs typeface="+mn-cs"/>
+              </a:rPr>
+              <a:t>From &lt;</a:t>
+            </a:r>
+            <a:r>
+              <a:rPr lang="en-US" sz="882" i="1" kern="1200" baseline="0" dirty="0">
+                <a:solidFill>
+                  <a:schemeClr val="tx1"/>
+                </a:solidFill>
+                <a:effectLst/>
+                <a:latin typeface="+mn-lt"/>
+                <a:ea typeface="+mn-ea"/>
+                <a:cs typeface="+mn-cs"/>
+                <a:hlinkClick r:id="rId7"/>
+              </a:rPr>
+              <a:t>https://docs.microsoft.com/en-us/previous-versions/sql/sql-server-2008/ee410782(v=sql.100)</a:t>
+            </a:r>
+            <a:r>
+              <a:rPr lang="en-US" sz="882" i="1" kern="1200" baseline="0" dirty="0">
+                <a:solidFill>
+                  <a:schemeClr val="tx1"/>
+                </a:solidFill>
+                <a:effectLst/>
+                <a:latin typeface="+mn-lt"/>
+                <a:ea typeface="+mn-ea"/>
+                <a:cs typeface="+mn-cs"/>
+              </a:rPr>
+              <a:t>&gt; </a:t>
+            </a:r>
+            <a:endParaRPr lang="en-US" sz="882" kern="1200" baseline="0" dirty="0">
+              <a:solidFill>
+                <a:schemeClr val="tx1"/>
+              </a:solidFill>
+              <a:effectLst/>
+              <a:latin typeface="+mn-lt"/>
+              <a:ea typeface="+mn-ea"/>
+              <a:cs typeface="+mn-cs"/>
+            </a:endParaRPr>
+          </a:p>
+          <a:p>
+            <a:endParaRPr lang="en-US" dirty="0"/>
+          </a:p>
+        </p:txBody>
+      </p:sp>
+      <p:sp>
+        <p:nvSpPr>
+          <p:cNvPr id="4" name="Footer Placeholder 3"/>
+          <p:cNvSpPr>
+            <a:spLocks noGrp="1"/>
+          </p:cNvSpPr>
+          <p:nvPr>
+            <p:ph type="ftr" sz="quarter" idx="4"/>
+          </p:nvPr>
+        </p:nvSpPr>
+        <p:spPr/>
+        <p:txBody>
+          <a:bodyPr/>
+          <a:lstStyle/>
+          <a:p>
+            <a:r>
+              <a:rPr lang="en-US" noProof="0" dirty="0">
+                <a:gradFill>
+                  <a:gsLst>
+                    <a:gs pos="0">
+                      <a:prstClr val="black"/>
+                    </a:gs>
+                    <a:gs pos="100000">
+                      <a:prstClr val="black"/>
+                    </a:gs>
+                  </a:gsLst>
+                  <a:lin ang="5400000" scaled="0"/>
+                </a:gradFill>
+                <a:latin typeface="Segoe UI" pitchFamily="34" charset="0"/>
+                <a:ea typeface="Segoe UI" pitchFamily="34" charset="0"/>
+                <a:cs typeface="Segoe UI" pitchFamily="34" charset="0"/>
+              </a:rPr>
+              <a:t>© Microsoft Corporation. All rights reserved. MICROSOFT MAKES NO WARRANTIES, EXPRESS, IMPLIED OR STATUTORY, AS TO THE INFORMATION IN THIS PRESENTATION.</a:t>
+            </a:r>
+          </a:p>
+          <a:p>
+            <a:endParaRPr lang="en-US" noProof="0" dirty="0"/>
+          </a:p>
+        </p:txBody>
+      </p:sp>
+      <p:sp>
+        <p:nvSpPr>
+          <p:cNvPr id="5" name="Slide Number Placeholder 4"/>
+          <p:cNvSpPr>
+            <a:spLocks noGrp="1"/>
+          </p:cNvSpPr>
+          <p:nvPr>
+            <p:ph type="sldNum" sz="quarter" idx="5"/>
+          </p:nvPr>
+        </p:nvSpPr>
+        <p:spPr/>
+        <p:txBody>
+          <a:bodyPr/>
+          <a:lstStyle/>
+          <a:p>
+            <a:fld id="{2910A2D9-F064-48EF-99CB-A51108C1AB40}" type="slidenum">
+              <a:rPr lang="en-US" noProof="0" smtClean="0"/>
+              <a:t>7</a:t>
+            </a:fld>
+            <a:endParaRPr lang="en-US" noProof="0" dirty="0"/>
+          </a:p>
+        </p:txBody>
+      </p:sp>
+    </p:spTree>
+    <p:extLst>
+      <p:ext uri="{BB962C8B-B14F-4D97-AF65-F5344CB8AC3E}">
+        <p14:creationId xmlns:p14="http://schemas.microsoft.com/office/powerpoint/2010/main" val="2414625897"/>
+      </p:ext>
+    </p:extLst>
+  </p:cSld>
+  <p:clrMapOvr>
+    <a:masterClrMapping/>
+  </p:clrMapOvr>
+</p:notes>
+</file>
+
+<file path=ppt/notesSlides/notesSlide2.xml><?xml version="1.0" encoding="utf-8"?>
+<p:notes xmlns:a="http://schemas.openxmlformats.org/drawingml/2006/main" xmlns:r="http://schemas.openxmlformats.org/officeDocument/2006/relationships" xmlns:p="http://schemas.openxmlformats.org/presentationml/2006/main">
+  <p:cSld>
+    <p:spTree>
+      <p:nvGrpSpPr>
+        <p:cNvPr id="1" name=""/>
+        <p:cNvGrpSpPr/>
+        <p:nvPr/>
+      </p:nvGrpSpPr>
+      <p:grpSpPr>
+        <a:xfrm>
+          <a:off x="0" y="0"/>
+          <a:ext cx="0" cy="0"/>
+          <a:chOff x="0" y="0"/>
+          <a:chExt cx="0" cy="0"/>
+        </a:xfrm>
+      </p:grpSpPr>
+      <p:sp>
+        <p:nvSpPr>
+          <p:cNvPr id="2" name="Slide Image Placeholder 1"/>
+          <p:cNvSpPr>
+            <a:spLocks noGrp="1" noRot="1" noChangeAspect="1"/>
+          </p:cNvSpPr>
+          <p:nvPr>
+            <p:ph type="sldImg"/>
+          </p:nvPr>
+        </p:nvSpPr>
+        <p:spPr/>
+      </p:sp>
+      <p:sp>
+        <p:nvSpPr>
+          <p:cNvPr id="3" name="Notes Placeholder 2"/>
+          <p:cNvSpPr>
+            <a:spLocks noGrp="1"/>
+          </p:cNvSpPr>
+          <p:nvPr>
+            <p:ph type="body" idx="1"/>
+          </p:nvPr>
+        </p:nvSpPr>
+        <p:spPr/>
+        <p:txBody>
+          <a:bodyPr/>
+          <a:lstStyle/>
+          <a:p>
             <a:pPr marL="0" marR="0" lvl="0" indent="0" algn="l" defTabSz="932742" rtl="0" eaLnBrk="1" fontAlgn="auto" latinLnBrk="0" hangingPunct="1">
               <a:lnSpc>
                 <a:spcPct val="90000"/>
@@ -4013,98 +4648,6 @@
 
 <file path=ppt/slideLayouts/slideLayout15.xml><?xml version="1.0" encoding="utf-8"?>
 <p:sldLayout xmlns:a="http://schemas.openxmlformats.org/drawingml/2006/main" xmlns:r="http://schemas.openxmlformats.org/officeDocument/2006/relationships" xmlns:p="http://schemas.openxmlformats.org/presentationml/2006/main" userDrawn="1">
-  <p:cSld name="9_Title and Content">
-    <p:spTree>
-      <p:nvGrpSpPr>
-        <p:cNvPr id="1" name=""/>
-        <p:cNvGrpSpPr/>
-        <p:nvPr/>
-      </p:nvGrpSpPr>
-      <p:grpSpPr>
-        <a:xfrm>
-          <a:off x="0" y="0"/>
-          <a:ext cx="0" cy="0"/>
-          <a:chOff x="0" y="0"/>
-          <a:chExt cx="0" cy="0"/>
-        </a:xfrm>
-      </p:grpSpPr>
-      <p:sp>
-        <p:nvSpPr>
-          <p:cNvPr id="4" name="Text Placeholder 3"/>
-          <p:cNvSpPr>
-            <a:spLocks noGrp="1"/>
-          </p:cNvSpPr>
-          <p:nvPr>
-            <p:ph type="body" sz="quarter" idx="10"/>
-          </p:nvPr>
-        </p:nvSpPr>
-        <p:spPr>
-          <a:xfrm>
-            <a:off x="269240" y="1189177"/>
-            <a:ext cx="11653523" cy="1828193"/>
-          </a:xfrm>
-        </p:spPr>
-        <p:txBody>
-          <a:bodyPr>
-            <a:spAutoFit/>
-          </a:bodyPr>
-          <a:lstStyle/>
-          <a:p>
-            <a:pPr lvl="0"/>
-            <a:r>
-              <a:rPr lang="en-US"/>
-              <a:t>Click to edit Master text styles</a:t>
-            </a:r>
-          </a:p>
-          <a:p>
-            <a:pPr lvl="1"/>
-            <a:r>
-              <a:rPr lang="en-US"/>
-              <a:t>Second level</a:t>
-            </a:r>
-          </a:p>
-          <a:p>
-            <a:pPr lvl="2"/>
-            <a:r>
-              <a:rPr lang="en-US"/>
-              <a:t>Third level</a:t>
-            </a:r>
-          </a:p>
-          <a:p>
-            <a:pPr lvl="3"/>
-            <a:r>
-              <a:rPr lang="en-US"/>
-              <a:t>Fourth level</a:t>
-            </a:r>
-          </a:p>
-          <a:p>
-            <a:pPr lvl="4"/>
-            <a:r>
-              <a:rPr lang="en-US"/>
-              <a:t>Fifth level</a:t>
-            </a:r>
-            <a:endParaRPr lang="en-US" dirty="0"/>
-          </a:p>
-        </p:txBody>
-      </p:sp>
-    </p:spTree>
-    <p:extLst>
-      <p:ext uri="{BB962C8B-B14F-4D97-AF65-F5344CB8AC3E}">
-        <p14:creationId xmlns:p14="http://schemas.microsoft.com/office/powerpoint/2010/main" val="2718168504"/>
-      </p:ext>
-    </p:extLst>
-  </p:cSld>
-  <p:clrMapOvr>
-    <a:masterClrMapping/>
-  </p:clrMapOvr>
-  <p:transition>
-    <p:fade/>
-  </p:transition>
-</p:sldLayout>
-</file>
-
-<file path=ppt/slideLayouts/slideLayout16.xml><?xml version="1.0" encoding="utf-8"?>
-<p:sldLayout xmlns:a="http://schemas.openxmlformats.org/drawingml/2006/main" xmlns:r="http://schemas.openxmlformats.org/officeDocument/2006/relationships" xmlns:p="http://schemas.openxmlformats.org/presentationml/2006/main" userDrawn="1">
   <p:cSld name="10_Title and Content">
     <p:spTree>
       <p:nvGrpSpPr>
@@ -4195,7 +4738,7 @@
 </p:sldLayout>
 </file>
 
-<file path=ppt/slideLayouts/slideLayout17.xml><?xml version="1.0" encoding="utf-8"?>
+<file path=ppt/slideLayouts/slideLayout16.xml><?xml version="1.0" encoding="utf-8"?>
 <p:sldLayout xmlns:a="http://schemas.openxmlformats.org/drawingml/2006/main" xmlns:r="http://schemas.openxmlformats.org/officeDocument/2006/relationships" xmlns:p="http://schemas.openxmlformats.org/presentationml/2006/main" userDrawn="1">
   <p:cSld name="11_Title and Content">
     <p:spTree>
@@ -4284,6 +4827,193 @@
   <p:transition>
     <p:fade/>
   </p:transition>
+</p:sldLayout>
+</file>
+
+<file path=ppt/slideLayouts/slideLayout17.xml><?xml version="1.0" encoding="utf-8"?>
+<p:sldLayout xmlns:a="http://schemas.openxmlformats.org/drawingml/2006/main" xmlns:r="http://schemas.openxmlformats.org/officeDocument/2006/relationships" xmlns:p="http://schemas.openxmlformats.org/presentationml/2006/main" preserve="1" userDrawn="1">
+  <p:cSld name="9_Title and Content">
+    <p:spTree>
+      <p:nvGrpSpPr>
+        <p:cNvPr id="1" name=""/>
+        <p:cNvGrpSpPr/>
+        <p:nvPr/>
+      </p:nvGrpSpPr>
+      <p:grpSpPr>
+        <a:xfrm>
+          <a:off x="0" y="0"/>
+          <a:ext cx="0" cy="0"/>
+          <a:chOff x="0" y="0"/>
+          <a:chExt cx="0" cy="0"/>
+        </a:xfrm>
+      </p:grpSpPr>
+      <p:sp>
+        <p:nvSpPr>
+          <p:cNvPr id="2" name="1 Title">
+            <a:extLst>
+              <a:ext uri="{FF2B5EF4-FFF2-40B4-BE49-F238E27FC236}">
+                <a16:creationId xmlns:a16="http://schemas.microsoft.com/office/drawing/2014/main" id="{BA75DCF9-2114-4543-8491-DC0390D875DB}"/>
+              </a:ext>
+            </a:extLst>
+          </p:cNvPr>
+          <p:cNvSpPr>
+            <a:spLocks noGrp="1"/>
+          </p:cNvSpPr>
+          <p:nvPr>
+            <p:ph type="title"/>
+          </p:nvPr>
+        </p:nvSpPr>
+        <p:spPr>
+          <a:xfrm>
+            <a:off x="655638" y="320040"/>
+            <a:ext cx="10880725" cy="461665"/>
+          </a:xfrm>
+          <a:solidFill>
+            <a:schemeClr val="bg1"/>
+          </a:solidFill>
+        </p:spPr>
+        <p:txBody>
+          <a:bodyPr/>
+          <a:lstStyle>
+            <a:lvl1pPr>
+              <a:defRPr/>
+            </a:lvl1pPr>
+          </a:lstStyle>
+          <a:p>
+            <a:r>
+              <a:rPr lang="en-US" noProof="0"/>
+              <a:t>Click to edit Master title style</a:t>
+            </a:r>
+          </a:p>
+        </p:txBody>
+      </p:sp>
+      <p:sp>
+        <p:nvSpPr>
+          <p:cNvPr id="7" name="3 Content Placeholder">
+            <a:extLst>
+              <a:ext uri="{FF2B5EF4-FFF2-40B4-BE49-F238E27FC236}">
+                <a16:creationId xmlns:a16="http://schemas.microsoft.com/office/drawing/2014/main" id="{67FFA91E-2F74-4D40-9DCA-2240811B5980}"/>
+              </a:ext>
+              <a:ext uri="{C183D7F6-B498-43B3-948B-1728B52AA6E4}">
+                <adec:decorative xmlns:adec="http://schemas.microsoft.com/office/drawing/2017/decorative" val="0"/>
+              </a:ext>
+            </a:extLst>
+          </p:cNvPr>
+          <p:cNvSpPr>
+            <a:spLocks noGrp="1"/>
+          </p:cNvSpPr>
+          <p:nvPr>
+            <p:ph sz="quarter" idx="13"/>
+          </p:nvPr>
+        </p:nvSpPr>
+        <p:spPr>
+          <a:xfrm>
+            <a:off x="655638" y="1408114"/>
+            <a:ext cx="10880726" cy="4819650"/>
+          </a:xfrm>
+          <a:prstGeom prst="rect">
+            <a:avLst/>
+          </a:prstGeom>
+        </p:spPr>
+        <p:txBody>
+          <a:bodyPr/>
+          <a:lstStyle>
+            <a:lvl1pPr>
+              <a:defRPr sz="2400"/>
+            </a:lvl1pPr>
+            <a:lvl5pPr>
+              <a:defRPr/>
+            </a:lvl5pPr>
+          </a:lstStyle>
+          <a:p>
+            <a:pPr lvl="0"/>
+            <a:r>
+              <a:rPr lang="en-US" noProof="0"/>
+              <a:t>Click to edit Master text styles</a:t>
+            </a:r>
+          </a:p>
+          <a:p>
+            <a:pPr lvl="1"/>
+            <a:r>
+              <a:rPr lang="en-US" noProof="0"/>
+              <a:t>Second level</a:t>
+            </a:r>
+          </a:p>
+          <a:p>
+            <a:pPr lvl="2"/>
+            <a:r>
+              <a:rPr lang="en-US" noProof="0"/>
+              <a:t>Third level</a:t>
+            </a:r>
+          </a:p>
+          <a:p>
+            <a:pPr lvl="3"/>
+            <a:r>
+              <a:rPr lang="en-US" noProof="0"/>
+              <a:t>Fourth level</a:t>
+            </a:r>
+          </a:p>
+          <a:p>
+            <a:pPr lvl="4"/>
+            <a:r>
+              <a:rPr lang="en-US" noProof="0"/>
+              <a:t>Fifth level</a:t>
+            </a:r>
+          </a:p>
+        </p:txBody>
+      </p:sp>
+    </p:spTree>
+    <p:extLst>
+      <p:ext uri="{BB962C8B-B14F-4D97-AF65-F5344CB8AC3E}">
+        <p14:creationId xmlns:p14="http://schemas.microsoft.com/office/powerpoint/2010/main" val="1394302068"/>
+      </p:ext>
+    </p:extLst>
+  </p:cSld>
+  <p:clrMapOvr>
+    <a:masterClrMapping/>
+  </p:clrMapOvr>
+  <p:hf sldNum="0" hdr="0" ftr="0" dt="0"/>
+  <p:extLst>
+    <p:ext uri="{DCECCB84-F9BA-43D5-87BE-67443E8EF086}">
+      <p15:sldGuideLst xmlns:p15="http://schemas.microsoft.com/office/powerpoint/2012/main">
+        <p15:guide id="1" orient="horz" pos="880">
+          <p15:clr>
+            <a:srgbClr val="547EBF"/>
+          </p15:clr>
+        </p15:guide>
+        <p15:guide id="2" orient="horz" pos="3923">
+          <p15:clr>
+            <a:srgbClr val="547EBF"/>
+          </p15:clr>
+        </p15:guide>
+        <p15:guide id="3" orient="horz" pos="789">
+          <p15:clr>
+            <a:srgbClr val="547EBF"/>
+          </p15:clr>
+        </p15:guide>
+        <p15:guide id="4" orient="horz" pos="202">
+          <p15:clr>
+            <a:srgbClr val="547EBF"/>
+          </p15:clr>
+        </p15:guide>
+        <p15:guide id="5" orient="horz" pos="495">
+          <p15:clr>
+            <a:srgbClr val="547EBF"/>
+          </p15:clr>
+        </p15:guide>
+        <p15:guide id="6" pos="384">
+          <p15:clr>
+            <a:srgbClr val="547EBF"/>
+          </p15:clr>
+        </p15:guide>
+        <p15:guide id="7" pos="7267">
+          <p15:clr>
+            <a:srgbClr val="547EBF"/>
+          </p15:clr>
+        </p15:guide>
+      </p15:sldGuideLst>
+    </p:ext>
+  </p:extLst>
 </p:sldLayout>
 </file>
 
@@ -4322,7 +5052,14 @@
           <a:prstGeom prst="rect">
             <a:avLst/>
           </a:prstGeom>
-          <a:noFill/>
+          <a:solidFill>
+            <a:schemeClr val="tx1"/>
+          </a:solidFill>
+          <a:ln>
+            <a:solidFill>
+              <a:schemeClr val="tx1"/>
+            </a:solidFill>
+          </a:ln>
         </p:spPr>
         <p:txBody>
           <a:bodyPr lIns="146304" tIns="91440" rIns="146304" bIns="91440" anchor="t" anchorCtr="0"/>
@@ -4409,7 +5146,14 @@
           <a:prstGeom prst="rect">
             <a:avLst/>
           </a:prstGeom>
-          <a:noFill/>
+          <a:solidFill>
+            <a:schemeClr val="tx1"/>
+          </a:solidFill>
+          <a:ln>
+            <a:solidFill>
+              <a:schemeClr val="tx1"/>
+            </a:solidFill>
+          </a:ln>
         </p:spPr>
         <p:txBody>
           <a:bodyPr lIns="146284" tIns="91427" rIns="146284" bIns="91427" anchor="t" anchorCtr="0"/>
@@ -4474,11 +5218,11 @@
             <a:avLst/>
           </a:prstGeom>
           <a:solidFill>
-            <a:srgbClr val="080808"/>
+            <a:schemeClr val="tx1"/>
           </a:solidFill>
           <a:ln>
             <a:solidFill>
-              <a:srgbClr val="080808"/>
+              <a:schemeClr val="tx1"/>
             </a:solidFill>
           </a:ln>
         </p:spPr>
@@ -4528,11 +5272,11 @@
             <a:avLst/>
           </a:prstGeom>
           <a:solidFill>
-            <a:srgbClr val="080808"/>
+            <a:schemeClr val="tx1"/>
           </a:solidFill>
           <a:ln>
             <a:solidFill>
-              <a:srgbClr val="080808"/>
+              <a:schemeClr val="tx1"/>
             </a:solidFill>
           </a:ln>
         </p:spPr>
@@ -4582,11 +5326,11 @@
             <a:avLst/>
           </a:prstGeom>
           <a:solidFill>
-            <a:srgbClr val="080808"/>
+            <a:schemeClr val="tx1"/>
           </a:solidFill>
           <a:ln>
             <a:solidFill>
-              <a:srgbClr val="080808"/>
+              <a:schemeClr val="tx1"/>
             </a:solidFill>
           </a:ln>
         </p:spPr>
@@ -5501,9 +6245,9 @@
     <p:sldLayoutId id="2147483747" r:id="rId12"/>
     <p:sldLayoutId id="2147483748" r:id="rId13"/>
     <p:sldLayoutId id="2147483749" r:id="rId14"/>
-    <p:sldLayoutId id="2147483750" r:id="rId15"/>
-    <p:sldLayoutId id="2147483751" r:id="rId16"/>
-    <p:sldLayoutId id="2147483752" r:id="rId17"/>
+    <p:sldLayoutId id="2147483751" r:id="rId15"/>
+    <p:sldLayoutId id="2147483752" r:id="rId16"/>
+    <p:sldLayoutId id="2147483753" r:id="rId17"/>
   </p:sldLayoutIdLst>
   <p:txStyles>
     <p:titleStyle>
@@ -5959,17 +6703,17 @@
                 <a:ea typeface="+mj-ea"/>
                 <a:cs typeface="Segoe UI Light"/>
               </a:rPr>
-              <a:t>Transactions must pass the ACID test</a:t>
+              <a:t>Explicit Transactions without Error Handling</a:t>
             </a:r>
           </a:p>
         </p:txBody>
       </p:sp>
       <p:sp>
         <p:nvSpPr>
-          <p:cNvPr id="4" name="Rounded Rectangle 3">
+          <p:cNvPr id="23" name="Rounded Rectangle 4">
             <a:extLst>
               <a:ext uri="{FF2B5EF4-FFF2-40B4-BE49-F238E27FC236}">
-                <a16:creationId xmlns:a16="http://schemas.microsoft.com/office/drawing/2014/main" id="{60145C88-8088-46AA-BEC9-FA0BA2785AF4}"/>
+                <a16:creationId xmlns:a16="http://schemas.microsoft.com/office/drawing/2014/main" id="{6045F979-96E8-465C-9089-0AB4E5C7480A}"/>
               </a:ext>
             </a:extLst>
           </p:cNvPr>
@@ -5978,24 +6722,15 @@
         </p:nvSpPr>
         <p:spPr>
           <a:xfrm>
-            <a:off x="1763280" y="1116349"/>
-            <a:ext cx="8665440" cy="5005039"/>
+            <a:off x="2016957" y="1252200"/>
+            <a:ext cx="3875888" cy="4760893"/>
           </a:xfrm>
           <a:prstGeom prst="roundRect">
             <a:avLst/>
           </a:prstGeom>
           <a:solidFill>
-            <a:schemeClr val="accent4">
-              <a:lumMod val="75000"/>
-            </a:schemeClr>
+            <a:schemeClr val="bg1"/>
           </a:solidFill>
-          <a:ln>
-            <a:solidFill>
-              <a:schemeClr val="accent4">
-                <a:lumMod val="75000"/>
-              </a:schemeClr>
-            </a:solidFill>
-          </a:ln>
         </p:spPr>
         <p:style>
           <a:lnRef idx="2">
@@ -6017,8 +6752,10 @@
           <a:bodyPr rtlCol="0" anchor="ctr"/>
           <a:lstStyle/>
           <a:p>
-            <a:pPr algn="ctr"/>
-            <a:endParaRPr lang="en-US" sz="1765">
+            <a:pPr algn="ctr" defTabSz="896386">
+              <a:defRPr/>
+            </a:pPr>
+            <a:endParaRPr lang="en-US" sz="1765" kern="0">
               <a:solidFill>
                 <a:prstClr val="white"/>
               </a:solidFill>
@@ -6026,12 +6763,212 @@
           </a:p>
         </p:txBody>
       </p:sp>
+      <p:cxnSp>
+        <p:nvCxnSpPr>
+          <p:cNvPr id="24" name="Straight Connector 23">
+            <a:extLst>
+              <a:ext uri="{FF2B5EF4-FFF2-40B4-BE49-F238E27FC236}">
+                <a16:creationId xmlns:a16="http://schemas.microsoft.com/office/drawing/2014/main" id="{AA08B2FC-AD99-412A-8B99-13BFB6B1FFB7}"/>
+              </a:ext>
+            </a:extLst>
+          </p:cNvPr>
+          <p:cNvCxnSpPr/>
+          <p:nvPr/>
+        </p:nvCxnSpPr>
+        <p:spPr>
+          <a:xfrm>
+            <a:off x="2025576" y="4086044"/>
+            <a:ext cx="3875888" cy="0"/>
+          </a:xfrm>
+          <a:prstGeom prst="line">
+            <a:avLst/>
+          </a:prstGeom>
+        </p:spPr>
+        <p:style>
+          <a:lnRef idx="1">
+            <a:schemeClr val="accent1"/>
+          </a:lnRef>
+          <a:fillRef idx="0">
+            <a:schemeClr val="accent1"/>
+          </a:fillRef>
+          <a:effectRef idx="0">
+            <a:schemeClr val="accent1"/>
+          </a:effectRef>
+          <a:fontRef idx="minor">
+            <a:schemeClr val="tx1"/>
+          </a:fontRef>
+        </p:style>
+      </p:cxnSp>
       <p:sp>
         <p:nvSpPr>
-          <p:cNvPr id="5" name="Rectangle 4">
+          <p:cNvPr id="25" name="TextBox 24">
             <a:extLst>
               <a:ext uri="{FF2B5EF4-FFF2-40B4-BE49-F238E27FC236}">
-                <a16:creationId xmlns:a16="http://schemas.microsoft.com/office/drawing/2014/main" id="{273D5F73-55E9-4532-B29C-5A92E60051AC}"/>
+                <a16:creationId xmlns:a16="http://schemas.microsoft.com/office/drawing/2014/main" id="{13CE9517-9D9B-4EF9-9956-A4D3CCF5DF4E}"/>
+              </a:ext>
+            </a:extLst>
+          </p:cNvPr>
+          <p:cNvSpPr txBox="1"/>
+          <p:nvPr/>
+        </p:nvSpPr>
+        <p:spPr>
+          <a:xfrm>
+            <a:off x="3286891" y="4016176"/>
+            <a:ext cx="2241062" cy="362072"/>
+          </a:xfrm>
+          <a:prstGeom prst="rect">
+            <a:avLst/>
+          </a:prstGeom>
+          <a:noFill/>
+        </p:spPr>
+        <p:txBody>
+          <a:bodyPr wrap="square" rtlCol="0">
+            <a:spAutoFit/>
+          </a:bodyPr>
+          <a:lstStyle/>
+          <a:p>
+            <a:pPr defTabSz="896386">
+              <a:defRPr/>
+            </a:pPr>
+            <a:r>
+              <a:rPr lang="en-US" sz="1765" kern="0" dirty="0">
+                <a:solidFill>
+                  <a:prstClr val="black"/>
+                </a:solidFill>
+              </a:rPr>
+              <a:t>Checkpoint</a:t>
+            </a:r>
+          </a:p>
+        </p:txBody>
+      </p:sp>
+      <p:pic>
+        <p:nvPicPr>
+          <p:cNvPr id="26" name="Picture 25">
+            <a:extLst>
+              <a:ext uri="{FF2B5EF4-FFF2-40B4-BE49-F238E27FC236}">
+                <a16:creationId xmlns:a16="http://schemas.microsoft.com/office/drawing/2014/main" id="{E76CE5DE-9175-4A0D-AA13-DFC75ABEA540}"/>
+              </a:ext>
+            </a:extLst>
+          </p:cNvPr>
+          <p:cNvPicPr>
+            <a:picLocks noChangeAspect="1"/>
+          </p:cNvPicPr>
+          <p:nvPr/>
+        </p:nvPicPr>
+        <p:blipFill>
+          <a:blip r:embed="rId2">
+            <a:extLst>
+              <a:ext uri="{28A0092B-C50C-407E-A947-70E740481C1C}">
+                <a14:useLocalDpi xmlns:a14="http://schemas.microsoft.com/office/drawing/2010/main" val="0"/>
+              </a:ext>
+            </a:extLst>
+          </a:blip>
+          <a:stretch>
+            <a:fillRect/>
+          </a:stretch>
+        </p:blipFill>
+        <p:spPr>
+          <a:xfrm>
+            <a:off x="2293268" y="1580652"/>
+            <a:ext cx="3458792" cy="2316720"/>
+          </a:xfrm>
+          <a:prstGeom prst="rect">
+            <a:avLst/>
+          </a:prstGeom>
+        </p:spPr>
+      </p:pic>
+      <p:cxnSp>
+        <p:nvCxnSpPr>
+          <p:cNvPr id="27" name="Straight Arrow Connector 26">
+            <a:extLst>
+              <a:ext uri="{FF2B5EF4-FFF2-40B4-BE49-F238E27FC236}">
+                <a16:creationId xmlns:a16="http://schemas.microsoft.com/office/drawing/2014/main" id="{1E3083D0-3652-41DB-8012-AE72C2E85BE4}"/>
+              </a:ext>
+            </a:extLst>
+          </p:cNvPr>
+          <p:cNvCxnSpPr>
+            <a:cxnSpLocks/>
+          </p:cNvCxnSpPr>
+          <p:nvPr/>
+        </p:nvCxnSpPr>
+        <p:spPr>
+          <a:xfrm flipH="1">
+            <a:off x="6033630" y="3362080"/>
+            <a:ext cx="1129150" cy="665028"/>
+          </a:xfrm>
+          <a:prstGeom prst="straightConnector1">
+            <a:avLst/>
+          </a:prstGeom>
+          <a:ln w="57150">
+            <a:solidFill>
+              <a:schemeClr val="accent3"/>
+            </a:solidFill>
+            <a:tailEnd type="triangle"/>
+          </a:ln>
+        </p:spPr>
+        <p:style>
+          <a:lnRef idx="1">
+            <a:schemeClr val="accent1"/>
+          </a:lnRef>
+          <a:fillRef idx="0">
+            <a:schemeClr val="accent1"/>
+          </a:fillRef>
+          <a:effectRef idx="0">
+            <a:schemeClr val="accent1"/>
+          </a:effectRef>
+          <a:fontRef idx="minor">
+            <a:schemeClr val="tx1"/>
+          </a:fontRef>
+        </p:style>
+      </p:cxnSp>
+      <p:sp>
+        <p:nvSpPr>
+          <p:cNvPr id="28" name="TextBox 27">
+            <a:extLst>
+              <a:ext uri="{FF2B5EF4-FFF2-40B4-BE49-F238E27FC236}">
+                <a16:creationId xmlns:a16="http://schemas.microsoft.com/office/drawing/2014/main" id="{960248DA-60BE-4045-A469-93936EC3CE52}"/>
+              </a:ext>
+            </a:extLst>
+          </p:cNvPr>
+          <p:cNvSpPr txBox="1"/>
+          <p:nvPr/>
+        </p:nvSpPr>
+        <p:spPr>
+          <a:xfrm rot="16200000">
+            <a:off x="576562" y="3306024"/>
+            <a:ext cx="2407725" cy="362072"/>
+          </a:xfrm>
+          <a:prstGeom prst="rect">
+            <a:avLst/>
+          </a:prstGeom>
+          <a:noFill/>
+        </p:spPr>
+        <p:txBody>
+          <a:bodyPr wrap="square" rtlCol="0">
+            <a:spAutoFit/>
+          </a:bodyPr>
+          <a:lstStyle/>
+          <a:p>
+            <a:pPr defTabSz="896386">
+              <a:defRPr/>
+            </a:pPr>
+            <a:r>
+              <a:rPr lang="en-US" sz="1765" kern="0" dirty="0">
+                <a:solidFill>
+                  <a:prstClr val="black"/>
+                </a:solidFill>
+              </a:rPr>
+              <a:t>AdventureWorks.ldf</a:t>
+            </a:r>
+          </a:p>
+        </p:txBody>
+      </p:sp>
+      <p:sp>
+        <p:nvSpPr>
+          <p:cNvPr id="29" name="Rounded Rectangle 11">
+            <a:extLst>
+              <a:ext uri="{FF2B5EF4-FFF2-40B4-BE49-F238E27FC236}">
+                <a16:creationId xmlns:a16="http://schemas.microsoft.com/office/drawing/2014/main" id="{EE8E66C1-EDF1-43B9-918A-702C5E358934}"/>
               </a:ext>
             </a:extLst>
           </p:cNvPr>
@@ -6040,440 +6977,294 @@
         </p:nvSpPr>
         <p:spPr>
           <a:xfrm>
-            <a:off x="1981641" y="1629708"/>
-            <a:ext cx="8211480" cy="693970"/>
+            <a:off x="7291012" y="1814378"/>
+            <a:ext cx="2838679" cy="2983249"/>
+          </a:xfrm>
+          <a:prstGeom prst="roundRect">
+            <a:avLst/>
+          </a:prstGeom>
+          <a:solidFill>
+            <a:schemeClr val="bg1"/>
+          </a:solidFill>
+        </p:spPr>
+        <p:style>
+          <a:lnRef idx="2">
+            <a:schemeClr val="accent1">
+              <a:shade val="50000"/>
+            </a:schemeClr>
+          </a:lnRef>
+          <a:fillRef idx="1">
+            <a:schemeClr val="accent1"/>
+          </a:fillRef>
+          <a:effectRef idx="0">
+            <a:schemeClr val="accent1"/>
+          </a:effectRef>
+          <a:fontRef idx="minor">
+            <a:schemeClr val="lt1"/>
+          </a:fontRef>
+        </p:style>
+        <p:txBody>
+          <a:bodyPr rtlCol="0" anchor="ctr"/>
+          <a:lstStyle/>
+          <a:p>
+            <a:pPr algn="ctr" defTabSz="896386">
+              <a:defRPr/>
+            </a:pPr>
+            <a:endParaRPr lang="en-US" sz="1765" kern="0">
+              <a:solidFill>
+                <a:prstClr val="white"/>
+              </a:solidFill>
+            </a:endParaRPr>
+          </a:p>
+        </p:txBody>
+      </p:sp>
+      <p:sp>
+        <p:nvSpPr>
+          <p:cNvPr id="30" name="TextBox 29">
+            <a:extLst>
+              <a:ext uri="{FF2B5EF4-FFF2-40B4-BE49-F238E27FC236}">
+                <a16:creationId xmlns:a16="http://schemas.microsoft.com/office/drawing/2014/main" id="{AA0C2E33-AB69-48DF-AB3F-D30642E63B5E}"/>
+              </a:ext>
+            </a:extLst>
+          </p:cNvPr>
+          <p:cNvSpPr txBox="1"/>
+          <p:nvPr/>
+        </p:nvSpPr>
+        <p:spPr>
+          <a:xfrm>
+            <a:off x="7562150" y="4234399"/>
+            <a:ext cx="2301294" cy="362072"/>
           </a:xfrm>
           <a:prstGeom prst="rect">
             <a:avLst/>
           </a:prstGeom>
-          <a:solidFill>
-            <a:schemeClr val="accent4">
-              <a:lumMod val="20000"/>
-              <a:lumOff val="80000"/>
-            </a:schemeClr>
-          </a:solidFill>
+          <a:noFill/>
         </p:spPr>
-        <p:style>
-          <a:lnRef idx="1">
-            <a:schemeClr val="accent1"/>
-          </a:lnRef>
-          <a:fillRef idx="2">
-            <a:schemeClr val="accent1"/>
-          </a:fillRef>
-          <a:effectRef idx="1">
-            <a:schemeClr val="accent1"/>
-          </a:effectRef>
-          <a:fontRef idx="minor">
-            <a:schemeClr val="dk1"/>
-          </a:fontRef>
-        </p:style>
         <p:txBody>
-          <a:bodyPr wrap="square" lIns="89642" tIns="44821" rIns="89642" bIns="44821">
+          <a:bodyPr wrap="square" rtlCol="0">
             <a:spAutoFit/>
           </a:bodyPr>
           <a:lstStyle/>
           <a:p>
-            <a:r>
-              <a:rPr lang="en-US" sz="3921" b="1" dirty="0">
-                <a:ln w="1905"/>
+            <a:pPr defTabSz="896386">
+              <a:defRPr/>
+            </a:pPr>
+            <a:r>
+              <a:rPr lang="en-US" sz="1765" kern="0" dirty="0">
                 <a:solidFill>
-                  <a:srgbClr val="1F497D">
-                    <a:lumMod val="75000"/>
-                  </a:srgbClr>
+                  <a:sysClr val="windowText" lastClr="000000"/>
                 </a:solidFill>
-                <a:effectLst>
-                  <a:innerShdw blurRad="69850" dist="43180" dir="5400000">
-                    <a:srgbClr val="000000">
-                      <a:alpha val="65000"/>
-                    </a:srgbClr>
-                  </a:innerShdw>
-                </a:effectLst>
-                <a:latin typeface="Arial Black" pitchFamily="34" charset="0"/>
               </a:rPr>
-              <a:t>A</a:t>
-            </a:r>
-            <a:r>
-              <a:rPr lang="en-US" sz="3921" b="1" dirty="0">
-                <a:ln w="1905"/>
-                <a:solidFill>
-                  <a:srgbClr val="1F497D">
-                    <a:lumMod val="60000"/>
-                    <a:lumOff val="40000"/>
-                  </a:srgbClr>
-                </a:solidFill>
-                <a:effectLst>
-                  <a:innerShdw blurRad="69850" dist="43180" dir="5400000">
-                    <a:srgbClr val="000000">
-                      <a:alpha val="65000"/>
-                    </a:srgbClr>
-                  </a:innerShdw>
-                </a:effectLst>
-                <a:latin typeface="Arial Black" pitchFamily="34" charset="0"/>
-              </a:rPr>
-              <a:t>tomicity – </a:t>
-            </a:r>
-            <a:r>
-              <a:rPr lang="en-US" sz="3921" b="1" dirty="0">
-                <a:ln w="1905"/>
-                <a:solidFill>
-                  <a:prstClr val="black"/>
-                </a:solidFill>
-                <a:effectLst>
-                  <a:innerShdw blurRad="69850" dist="43180" dir="5400000">
-                    <a:srgbClr val="000000">
-                      <a:alpha val="65000"/>
-                    </a:srgbClr>
-                  </a:innerShdw>
-                </a:effectLst>
-                <a:latin typeface="Arial Black" pitchFamily="34" charset="0"/>
-              </a:rPr>
-              <a:t>All or Nothing</a:t>
-            </a:r>
-            <a:r>
-              <a:rPr lang="en-US" sz="3921" b="1" dirty="0">
-                <a:ln w="1905"/>
-                <a:solidFill>
-                  <a:srgbClr val="1F497D">
-                    <a:lumMod val="60000"/>
-                    <a:lumOff val="40000"/>
-                  </a:srgbClr>
-                </a:solidFill>
-                <a:effectLst>
-                  <a:innerShdw blurRad="69850" dist="43180" dir="5400000">
-                    <a:srgbClr val="000000">
-                      <a:alpha val="65000"/>
-                    </a:srgbClr>
-                  </a:innerShdw>
-                </a:effectLst>
-                <a:latin typeface="Arial Black" pitchFamily="34" charset="0"/>
-              </a:rPr>
-              <a:t> </a:t>
+              <a:t>AdventureWorks.mdf</a:t>
             </a:r>
           </a:p>
         </p:txBody>
       </p:sp>
-      <p:sp>
-        <p:nvSpPr>
-          <p:cNvPr id="6" name="Rectangle 5">
+      <p:grpSp>
+        <p:nvGrpSpPr>
+          <p:cNvPr id="31" name="Group 30">
             <a:extLst>
               <a:ext uri="{FF2B5EF4-FFF2-40B4-BE49-F238E27FC236}">
-                <a16:creationId xmlns:a16="http://schemas.microsoft.com/office/drawing/2014/main" id="{C75951E2-3F7E-4D07-9E18-2B810C04F3AC}"/>
+                <a16:creationId xmlns:a16="http://schemas.microsoft.com/office/drawing/2014/main" id="{892413F9-B350-4720-BAE9-DAE3642D5853}"/>
               </a:ext>
             </a:extLst>
           </p:cNvPr>
-          <p:cNvSpPr/>
+          <p:cNvGrpSpPr/>
           <p:nvPr/>
-        </p:nvSpPr>
-        <p:spPr>
+        </p:nvGrpSpPr>
+        <p:grpSpPr>
           <a:xfrm>
-            <a:off x="1964402" y="2671505"/>
-            <a:ext cx="8228720" cy="693970"/>
+            <a:off x="7851278" y="2100939"/>
+            <a:ext cx="1718148" cy="2030645"/>
+            <a:chOff x="4963829" y="4298078"/>
+            <a:chExt cx="1393773" cy="1547244"/>
           </a:xfrm>
-          <a:prstGeom prst="rect">
-            <a:avLst/>
-          </a:prstGeom>
-          <a:solidFill>
-            <a:schemeClr val="accent4">
-              <a:lumMod val="20000"/>
-              <a:lumOff val="80000"/>
-            </a:schemeClr>
-          </a:solidFill>
-        </p:spPr>
-        <p:style>
-          <a:lnRef idx="1">
-            <a:schemeClr val="accent1"/>
-          </a:lnRef>
-          <a:fillRef idx="2">
-            <a:schemeClr val="accent1"/>
-          </a:fillRef>
-          <a:effectRef idx="1">
-            <a:schemeClr val="accent1"/>
-          </a:effectRef>
-          <a:fontRef idx="minor">
-            <a:schemeClr val="dk1"/>
-          </a:fontRef>
-        </p:style>
-        <p:txBody>
-          <a:bodyPr wrap="square" lIns="89642" tIns="44821" rIns="89642" bIns="44821">
-            <a:spAutoFit/>
-          </a:bodyPr>
-          <a:lstStyle/>
-          <a:p>
-            <a:r>
-              <a:rPr lang="en-US" sz="3921" b="1" dirty="0">
-                <a:ln w="1905"/>
-                <a:solidFill>
-                  <a:srgbClr val="1F497D">
-                    <a:lumMod val="75000"/>
-                  </a:srgbClr>
-                </a:solidFill>
-                <a:effectLst>
-                  <a:innerShdw blurRad="69850" dist="43180" dir="5400000">
-                    <a:srgbClr val="000000">
-                      <a:alpha val="65000"/>
-                    </a:srgbClr>
-                  </a:innerShdw>
-                </a:effectLst>
-                <a:latin typeface="Arial Black" pitchFamily="34" charset="0"/>
-              </a:rPr>
-              <a:t>C</a:t>
-            </a:r>
-            <a:r>
-              <a:rPr lang="en-US" sz="3921" b="1" dirty="0">
-                <a:ln w="1905"/>
-                <a:solidFill>
-                  <a:srgbClr val="1F497D">
-                    <a:lumMod val="60000"/>
-                    <a:lumOff val="40000"/>
-                  </a:srgbClr>
-                </a:solidFill>
-                <a:effectLst>
-                  <a:innerShdw blurRad="69850" dist="43180" dir="5400000">
-                    <a:srgbClr val="000000">
-                      <a:alpha val="65000"/>
-                    </a:srgbClr>
-                  </a:innerShdw>
-                </a:effectLst>
-                <a:latin typeface="Arial Black" pitchFamily="34" charset="0"/>
-              </a:rPr>
-              <a:t>onsistent – </a:t>
-            </a:r>
-            <a:r>
-              <a:rPr lang="en-US" sz="3921" b="1" dirty="0">
-                <a:ln w="1905"/>
-                <a:solidFill>
-                  <a:prstClr val="black"/>
-                </a:solidFill>
-                <a:effectLst>
-                  <a:innerShdw blurRad="69850" dist="43180" dir="5400000">
-                    <a:srgbClr val="000000">
-                      <a:alpha val="65000"/>
-                    </a:srgbClr>
-                  </a:innerShdw>
-                </a:effectLst>
-                <a:latin typeface="Arial Black" pitchFamily="34" charset="0"/>
-              </a:rPr>
-              <a:t>Only valid data</a:t>
-            </a:r>
-          </a:p>
-        </p:txBody>
-      </p:sp>
-      <p:sp>
-        <p:nvSpPr>
-          <p:cNvPr id="7" name="Rectangle 6">
-            <a:extLst>
-              <a:ext uri="{FF2B5EF4-FFF2-40B4-BE49-F238E27FC236}">
-                <a16:creationId xmlns:a16="http://schemas.microsoft.com/office/drawing/2014/main" id="{BF48C84F-C769-4D43-85B8-4A0D05606662}"/>
-              </a:ext>
-            </a:extLst>
-          </p:cNvPr>
-          <p:cNvSpPr/>
-          <p:nvPr/>
-        </p:nvSpPr>
-        <p:spPr>
-          <a:xfrm>
-            <a:off x="1975894" y="3713302"/>
-            <a:ext cx="8217227" cy="693970"/>
-          </a:xfrm>
-          <a:prstGeom prst="rect">
-            <a:avLst/>
-          </a:prstGeom>
-          <a:solidFill>
-            <a:schemeClr val="accent4">
-              <a:lumMod val="20000"/>
-              <a:lumOff val="80000"/>
-            </a:schemeClr>
-          </a:solidFill>
-        </p:spPr>
-        <p:style>
-          <a:lnRef idx="1">
-            <a:schemeClr val="accent1"/>
-          </a:lnRef>
-          <a:fillRef idx="2">
-            <a:schemeClr val="accent1"/>
-          </a:fillRef>
-          <a:effectRef idx="1">
-            <a:schemeClr val="accent1"/>
-          </a:effectRef>
-          <a:fontRef idx="minor">
-            <a:schemeClr val="dk1"/>
-          </a:fontRef>
-        </p:style>
-        <p:txBody>
-          <a:bodyPr wrap="square" lIns="89642" tIns="44821" rIns="89642" bIns="44821">
-            <a:spAutoFit/>
-          </a:bodyPr>
-          <a:lstStyle/>
-          <a:p>
-            <a:r>
-              <a:rPr lang="en-US" sz="3921" b="1" dirty="0">
-                <a:ln w="1905"/>
-                <a:solidFill>
-                  <a:srgbClr val="1F497D">
-                    <a:lumMod val="75000"/>
-                  </a:srgbClr>
-                </a:solidFill>
-                <a:effectLst>
-                  <a:innerShdw blurRad="69850" dist="43180" dir="5400000">
-                    <a:srgbClr val="000000">
-                      <a:alpha val="65000"/>
-                    </a:srgbClr>
-                  </a:innerShdw>
-                </a:effectLst>
-                <a:latin typeface="Arial Black" pitchFamily="34" charset="0"/>
-              </a:rPr>
-              <a:t>I</a:t>
-            </a:r>
-            <a:r>
-              <a:rPr lang="en-US" sz="3921" b="1" dirty="0">
-                <a:ln w="1905"/>
-                <a:solidFill>
-                  <a:srgbClr val="1F497D">
-                    <a:lumMod val="60000"/>
-                    <a:lumOff val="40000"/>
-                  </a:srgbClr>
-                </a:solidFill>
-                <a:effectLst>
-                  <a:innerShdw blurRad="69850" dist="43180" dir="5400000">
-                    <a:srgbClr val="000000">
-                      <a:alpha val="65000"/>
-                    </a:srgbClr>
-                  </a:innerShdw>
-                </a:effectLst>
-                <a:latin typeface="Arial Black" pitchFamily="34" charset="0"/>
-              </a:rPr>
-              <a:t>solated – </a:t>
-            </a:r>
-            <a:r>
-              <a:rPr lang="en-US" sz="3921" b="1" dirty="0">
-                <a:ln w="1905"/>
-                <a:solidFill>
-                  <a:prstClr val="black"/>
-                </a:solidFill>
-                <a:effectLst>
-                  <a:innerShdw blurRad="69850" dist="43180" dir="5400000">
-                    <a:srgbClr val="000000">
-                      <a:alpha val="65000"/>
-                    </a:srgbClr>
-                  </a:innerShdw>
-                </a:effectLst>
-                <a:latin typeface="Arial Black" pitchFamily="34" charset="0"/>
-              </a:rPr>
-              <a:t>No interference</a:t>
-            </a:r>
-          </a:p>
-        </p:txBody>
-      </p:sp>
-      <p:sp>
-        <p:nvSpPr>
-          <p:cNvPr id="8" name="Rectangle 7">
-            <a:extLst>
-              <a:ext uri="{FF2B5EF4-FFF2-40B4-BE49-F238E27FC236}">
-                <a16:creationId xmlns:a16="http://schemas.microsoft.com/office/drawing/2014/main" id="{55C5566C-BE71-4115-A522-E3751A454DE3}"/>
-              </a:ext>
-            </a:extLst>
-          </p:cNvPr>
-          <p:cNvSpPr/>
-          <p:nvPr/>
-        </p:nvSpPr>
-        <p:spPr>
-          <a:xfrm>
-            <a:off x="1987386" y="4755098"/>
-            <a:ext cx="8217227" cy="693970"/>
-          </a:xfrm>
-          <a:prstGeom prst="rect">
-            <a:avLst/>
-          </a:prstGeom>
-          <a:solidFill>
-            <a:schemeClr val="accent4">
-              <a:lumMod val="20000"/>
-              <a:lumOff val="80000"/>
-            </a:schemeClr>
-          </a:solidFill>
-        </p:spPr>
-        <p:style>
-          <a:lnRef idx="1">
-            <a:schemeClr val="accent1"/>
-          </a:lnRef>
-          <a:fillRef idx="2">
-            <a:schemeClr val="accent1"/>
-          </a:fillRef>
-          <a:effectRef idx="1">
-            <a:schemeClr val="accent1"/>
-          </a:effectRef>
-          <a:fontRef idx="minor">
-            <a:schemeClr val="dk1"/>
-          </a:fontRef>
-        </p:style>
-        <p:txBody>
-          <a:bodyPr wrap="square" lIns="89642" tIns="44821" rIns="89642" bIns="44821">
-            <a:spAutoFit/>
-          </a:bodyPr>
-          <a:lstStyle/>
-          <a:p>
-            <a:r>
-              <a:rPr lang="en-US" sz="3921" b="1" dirty="0">
-                <a:ln w="1905"/>
-                <a:solidFill>
-                  <a:srgbClr val="1F497D">
-                    <a:lumMod val="75000"/>
-                  </a:srgbClr>
-                </a:solidFill>
-                <a:effectLst>
-                  <a:innerShdw blurRad="69850" dist="43180" dir="5400000">
-                    <a:srgbClr val="000000">
-                      <a:alpha val="65000"/>
-                    </a:srgbClr>
-                  </a:innerShdw>
-                </a:effectLst>
-                <a:latin typeface="Arial Black" pitchFamily="34" charset="0"/>
-              </a:rPr>
-              <a:t>D</a:t>
-            </a:r>
-            <a:r>
-              <a:rPr lang="en-US" sz="3921" b="1" dirty="0">
-                <a:ln w="1905"/>
-                <a:solidFill>
-                  <a:srgbClr val="1F497D">
-                    <a:lumMod val="60000"/>
-                    <a:lumOff val="40000"/>
-                  </a:srgbClr>
-                </a:solidFill>
-                <a:effectLst>
-                  <a:innerShdw blurRad="69850" dist="43180" dir="5400000">
-                    <a:srgbClr val="000000">
-                      <a:alpha val="65000"/>
-                    </a:srgbClr>
-                  </a:innerShdw>
-                </a:effectLst>
-                <a:latin typeface="Arial Black" pitchFamily="34" charset="0"/>
-              </a:rPr>
-              <a:t>urable – </a:t>
-            </a:r>
-            <a:r>
-              <a:rPr lang="en-US" sz="3921" b="1" dirty="0">
-                <a:ln w="1905"/>
-                <a:solidFill>
-                  <a:prstClr val="black"/>
-                </a:solidFill>
-                <a:effectLst>
-                  <a:innerShdw blurRad="69850" dist="43180" dir="5400000">
-                    <a:srgbClr val="000000">
-                      <a:alpha val="65000"/>
-                    </a:srgbClr>
-                  </a:innerShdw>
-                </a:effectLst>
-                <a:latin typeface="Arial Black" pitchFamily="34" charset="0"/>
-              </a:rPr>
-              <a:t>Data is recoverable</a:t>
-            </a:r>
-          </a:p>
-        </p:txBody>
-      </p:sp>
+        </p:grpSpPr>
+        <p:sp>
+          <p:nvSpPr>
+            <p:cNvPr id="32" name="Cylinder 31">
+              <a:extLst>
+                <a:ext uri="{FF2B5EF4-FFF2-40B4-BE49-F238E27FC236}">
+                  <a16:creationId xmlns:a16="http://schemas.microsoft.com/office/drawing/2014/main" id="{70715B26-39A4-4BBF-AA9D-76070428DF44}"/>
+                </a:ext>
+              </a:extLst>
+            </p:cNvPr>
+            <p:cNvSpPr/>
+            <p:nvPr/>
+          </p:nvSpPr>
+          <p:spPr>
+            <a:xfrm>
+              <a:off x="4963829" y="5232674"/>
+              <a:ext cx="1393771" cy="612648"/>
+            </a:xfrm>
+            <a:prstGeom prst="can">
+              <a:avLst>
+                <a:gd name="adj" fmla="val 30417"/>
+              </a:avLst>
+            </a:prstGeom>
+            <a:solidFill>
+              <a:schemeClr val="accent4">
+                <a:lumMod val="75000"/>
+              </a:schemeClr>
+            </a:solidFill>
+            <a:ln>
+              <a:solidFill>
+                <a:schemeClr val="accent4">
+                  <a:lumMod val="50000"/>
+                </a:schemeClr>
+              </a:solidFill>
+            </a:ln>
+          </p:spPr>
+          <p:style>
+            <a:lnRef idx="2">
+              <a:schemeClr val="accent1">
+                <a:shade val="50000"/>
+              </a:schemeClr>
+            </a:lnRef>
+            <a:fillRef idx="1">
+              <a:schemeClr val="accent1"/>
+            </a:fillRef>
+            <a:effectRef idx="0">
+              <a:schemeClr val="accent1"/>
+            </a:effectRef>
+            <a:fontRef idx="minor">
+              <a:schemeClr val="lt1"/>
+            </a:fontRef>
+          </p:style>
+          <p:txBody>
+            <a:bodyPr rtlCol="0" anchor="ctr"/>
+            <a:lstStyle/>
+            <a:p>
+              <a:pPr algn="ctr"/>
+              <a:endParaRPr lang="en-US" sz="1765"/>
+            </a:p>
+          </p:txBody>
+        </p:sp>
+        <p:sp>
+          <p:nvSpPr>
+            <p:cNvPr id="33" name="Cylinder 32">
+              <a:extLst>
+                <a:ext uri="{FF2B5EF4-FFF2-40B4-BE49-F238E27FC236}">
+                  <a16:creationId xmlns:a16="http://schemas.microsoft.com/office/drawing/2014/main" id="{D22BFC22-C55F-4DDB-99DA-A129C648A7CA}"/>
+                </a:ext>
+              </a:extLst>
+            </p:cNvPr>
+            <p:cNvSpPr/>
+            <p:nvPr/>
+          </p:nvSpPr>
+          <p:spPr>
+            <a:xfrm>
+              <a:off x="4963830" y="4763793"/>
+              <a:ext cx="1393771" cy="612648"/>
+            </a:xfrm>
+            <a:prstGeom prst="can">
+              <a:avLst>
+                <a:gd name="adj" fmla="val 30417"/>
+              </a:avLst>
+            </a:prstGeom>
+            <a:solidFill>
+              <a:schemeClr val="accent4">
+                <a:lumMod val="75000"/>
+              </a:schemeClr>
+            </a:solidFill>
+            <a:ln>
+              <a:solidFill>
+                <a:schemeClr val="accent4">
+                  <a:lumMod val="50000"/>
+                </a:schemeClr>
+              </a:solidFill>
+            </a:ln>
+          </p:spPr>
+          <p:style>
+            <a:lnRef idx="2">
+              <a:schemeClr val="accent1">
+                <a:shade val="50000"/>
+              </a:schemeClr>
+            </a:lnRef>
+            <a:fillRef idx="1">
+              <a:schemeClr val="accent1"/>
+            </a:fillRef>
+            <a:effectRef idx="0">
+              <a:schemeClr val="accent1"/>
+            </a:effectRef>
+            <a:fontRef idx="minor">
+              <a:schemeClr val="lt1"/>
+            </a:fontRef>
+          </p:style>
+          <p:txBody>
+            <a:bodyPr rtlCol="0" anchor="ctr"/>
+            <a:lstStyle/>
+            <a:p>
+              <a:pPr algn="ctr"/>
+              <a:endParaRPr lang="en-US" sz="1765"/>
+            </a:p>
+          </p:txBody>
+        </p:sp>
+        <p:sp>
+          <p:nvSpPr>
+            <p:cNvPr id="34" name="Cylinder 33">
+              <a:extLst>
+                <a:ext uri="{FF2B5EF4-FFF2-40B4-BE49-F238E27FC236}">
+                  <a16:creationId xmlns:a16="http://schemas.microsoft.com/office/drawing/2014/main" id="{8400CF7C-4CCF-406F-9DFC-8F21141D4CBB}"/>
+                </a:ext>
+              </a:extLst>
+            </p:cNvPr>
+            <p:cNvSpPr/>
+            <p:nvPr/>
+          </p:nvSpPr>
+          <p:spPr>
+            <a:xfrm>
+              <a:off x="4963831" y="4298078"/>
+              <a:ext cx="1393771" cy="612648"/>
+            </a:xfrm>
+            <a:prstGeom prst="can">
+              <a:avLst>
+                <a:gd name="adj" fmla="val 30417"/>
+              </a:avLst>
+            </a:prstGeom>
+            <a:solidFill>
+              <a:schemeClr val="accent4">
+                <a:lumMod val="75000"/>
+              </a:schemeClr>
+            </a:solidFill>
+            <a:ln>
+              <a:solidFill>
+                <a:schemeClr val="accent4">
+                  <a:lumMod val="50000"/>
+                </a:schemeClr>
+              </a:solidFill>
+            </a:ln>
+          </p:spPr>
+          <p:style>
+            <a:lnRef idx="2">
+              <a:schemeClr val="accent1">
+                <a:shade val="50000"/>
+              </a:schemeClr>
+            </a:lnRef>
+            <a:fillRef idx="1">
+              <a:schemeClr val="accent1"/>
+            </a:fillRef>
+            <a:effectRef idx="0">
+              <a:schemeClr val="accent1"/>
+            </a:effectRef>
+            <a:fontRef idx="minor">
+              <a:schemeClr val="lt1"/>
+            </a:fontRef>
+          </p:style>
+          <p:txBody>
+            <a:bodyPr rtlCol="0" anchor="ctr"/>
+            <a:lstStyle/>
+            <a:p>
+              <a:pPr algn="ctr"/>
+              <a:endParaRPr lang="en-US" sz="1765"/>
+            </a:p>
+          </p:txBody>
+        </p:sp>
+      </p:grpSp>
     </p:spTree>
     <p:extLst>
       <p:ext uri="{BB962C8B-B14F-4D97-AF65-F5344CB8AC3E}">
-        <p14:creationId xmlns:p14="http://schemas.microsoft.com/office/powerpoint/2010/main" val="2639720021"/>
+        <p14:creationId xmlns:p14="http://schemas.microsoft.com/office/powerpoint/2010/main" val="3720537775"/>
       </p:ext>
     </p:extLst>
   </p:cSld>
@@ -6563,7 +7354,7 @@
               <a:defRPr/>
             </a:pPr>
             <a:r>
-              <a:rPr lang="en-US" sz="4400" spc="0" dirty="0">
+              <a:rPr lang="en-US" sz="3600" spc="0" dirty="0">
                 <a:ln>
                   <a:noFill/>
                 </a:ln>
@@ -6575,87 +7366,17 @@
                 <a:ea typeface="+mj-ea"/>
                 <a:cs typeface="Segoe UI Light"/>
               </a:rPr>
-              <a:t>How Data is Modified in SQL Server</a:t>
+              <a:t>Explicit Transactions with Error Handling</a:t>
             </a:r>
           </a:p>
         </p:txBody>
       </p:sp>
       <p:sp>
         <p:nvSpPr>
-          <p:cNvPr id="58" name="TextBox 57">
+          <p:cNvPr id="15" name="Rounded Rectangle 4">
             <a:extLst>
               <a:ext uri="{FF2B5EF4-FFF2-40B4-BE49-F238E27FC236}">
-                <a16:creationId xmlns:a16="http://schemas.microsoft.com/office/drawing/2014/main" id="{97FD692F-8A78-4420-8970-85BBF0809C5E}"/>
-              </a:ext>
-            </a:extLst>
-          </p:cNvPr>
-          <p:cNvSpPr txBox="1"/>
-          <p:nvPr/>
-        </p:nvSpPr>
-        <p:spPr>
-          <a:xfrm>
-            <a:off x="8857362" y="1828177"/>
-            <a:ext cx="2694382" cy="633625"/>
-          </a:xfrm>
-          <a:prstGeom prst="rect">
-            <a:avLst/>
-          </a:prstGeom>
-          <a:noFill/>
-        </p:spPr>
-        <p:txBody>
-          <a:bodyPr wrap="square" rtlCol="0">
-            <a:spAutoFit/>
-          </a:bodyPr>
-          <a:lstStyle/>
-          <a:p>
-            <a:r>
-              <a:rPr lang="en-US" sz="1765" dirty="0"/>
-              <a:t>3. Modification is written to transaction log.</a:t>
-            </a:r>
-          </a:p>
-        </p:txBody>
-      </p:sp>
-      <p:sp>
-        <p:nvSpPr>
-          <p:cNvPr id="59" name="TextBox 58">
-            <a:extLst>
-              <a:ext uri="{FF2B5EF4-FFF2-40B4-BE49-F238E27FC236}">
-                <a16:creationId xmlns:a16="http://schemas.microsoft.com/office/drawing/2014/main" id="{5B4F7AF6-118A-4F9B-B23B-E93572D80CAD}"/>
-              </a:ext>
-            </a:extLst>
-          </p:cNvPr>
-          <p:cNvSpPr txBox="1"/>
-          <p:nvPr/>
-        </p:nvSpPr>
-        <p:spPr>
-          <a:xfrm>
-            <a:off x="9013699" y="4907598"/>
-            <a:ext cx="2925686" cy="905179"/>
-          </a:xfrm>
-          <a:prstGeom prst="rect">
-            <a:avLst/>
-          </a:prstGeom>
-          <a:noFill/>
-        </p:spPr>
-        <p:txBody>
-          <a:bodyPr wrap="square" rtlCol="0">
-            <a:spAutoFit/>
-          </a:bodyPr>
-          <a:lstStyle/>
-          <a:p>
-            <a:r>
-              <a:rPr lang="en-US" sz="1765" dirty="0"/>
-              <a:t>5. At checkpoint, dirty data pages are written to the database file.</a:t>
-            </a:r>
-          </a:p>
-        </p:txBody>
-      </p:sp>
-      <p:sp>
-        <p:nvSpPr>
-          <p:cNvPr id="60" name="Rounded Rectangle 8">
-            <a:extLst>
-              <a:ext uri="{FF2B5EF4-FFF2-40B4-BE49-F238E27FC236}">
-                <a16:creationId xmlns:a16="http://schemas.microsoft.com/office/drawing/2014/main" id="{3E3AB6AB-7514-4EC5-8140-0427942730EA}"/>
+                <a16:creationId xmlns:a16="http://schemas.microsoft.com/office/drawing/2014/main" id="{5CBFC64E-AA2D-4C83-B8F4-063840E4C7B4}"/>
               </a:ext>
             </a:extLst>
           </p:cNvPr>
@@ -6664,8 +7385,8 @@
         </p:nvSpPr>
         <p:spPr>
           <a:xfrm>
-            <a:off x="395286" y="1452349"/>
-            <a:ext cx="4853853" cy="1387300"/>
+            <a:off x="2016957" y="1230336"/>
+            <a:ext cx="3875888" cy="4881145"/>
           </a:xfrm>
           <a:prstGeom prst="roundRect">
             <a:avLst/>
@@ -6673,13 +7394,6 @@
           <a:solidFill>
             <a:schemeClr val="bg1"/>
           </a:solidFill>
-          <a:ln>
-            <a:solidFill>
-              <a:schemeClr val="accent4">
-                <a:lumMod val="50000"/>
-              </a:schemeClr>
-            </a:solidFill>
-          </a:ln>
         </p:spPr>
         <p:style>
           <a:lnRef idx="2">
@@ -6701,8 +7415,10 @@
           <a:bodyPr rtlCol="0" anchor="ctr"/>
           <a:lstStyle/>
           <a:p>
-            <a:pPr algn="ctr"/>
-            <a:endParaRPr lang="en-US" sz="1765">
+            <a:pPr algn="ctr" defTabSz="896386">
+              <a:defRPr/>
+            </a:pPr>
+            <a:endParaRPr lang="en-US" sz="1765" kern="0">
               <a:solidFill>
                 <a:prstClr val="white"/>
               </a:solidFill>
@@ -6710,117 +7426,12 @@
           </a:p>
         </p:txBody>
       </p:sp>
-      <p:sp>
-        <p:nvSpPr>
-          <p:cNvPr id="61" name="TextBox 60">
+      <p:cxnSp>
+        <p:nvCxnSpPr>
+          <p:cNvPr id="16" name="Straight Connector 15">
             <a:extLst>
               <a:ext uri="{FF2B5EF4-FFF2-40B4-BE49-F238E27FC236}">
-                <a16:creationId xmlns:a16="http://schemas.microsoft.com/office/drawing/2014/main" id="{39046C76-72A5-4E46-8BEC-6DB983222A89}"/>
-              </a:ext>
-            </a:extLst>
-          </p:cNvPr>
-          <p:cNvSpPr txBox="1"/>
-          <p:nvPr/>
-        </p:nvSpPr>
-        <p:spPr>
-          <a:xfrm>
-            <a:off x="960008" y="3147986"/>
-            <a:ext cx="3082023" cy="633625"/>
-          </a:xfrm>
-          <a:prstGeom prst="rect">
-            <a:avLst/>
-          </a:prstGeom>
-          <a:noFill/>
-        </p:spPr>
-        <p:txBody>
-          <a:bodyPr wrap="square" rtlCol="0">
-            <a:spAutoFit/>
-          </a:bodyPr>
-          <a:lstStyle/>
-          <a:p>
-            <a:r>
-              <a:rPr lang="en-US" sz="1765" dirty="0"/>
-              <a:t>1. Data modification is sent to buffer cache in memory.</a:t>
-            </a:r>
-          </a:p>
-        </p:txBody>
-      </p:sp>
-      <p:sp>
-        <p:nvSpPr>
-          <p:cNvPr id="62" name="TextBox 61">
-            <a:extLst>
-              <a:ext uri="{FF2B5EF4-FFF2-40B4-BE49-F238E27FC236}">
-                <a16:creationId xmlns:a16="http://schemas.microsoft.com/office/drawing/2014/main" id="{0A8D0631-D0A2-4CC5-B772-3000196C7B42}"/>
-              </a:ext>
-            </a:extLst>
-          </p:cNvPr>
-          <p:cNvSpPr txBox="1"/>
-          <p:nvPr/>
-        </p:nvSpPr>
-        <p:spPr>
-          <a:xfrm>
-            <a:off x="960008" y="4377718"/>
-            <a:ext cx="3082023" cy="905179"/>
-          </a:xfrm>
-          <a:prstGeom prst="rect">
-            <a:avLst/>
-          </a:prstGeom>
-          <a:noFill/>
-        </p:spPr>
-        <p:txBody>
-          <a:bodyPr wrap="square" rtlCol="0">
-            <a:spAutoFit/>
-          </a:bodyPr>
-          <a:lstStyle/>
-          <a:p>
-            <a:r>
-              <a:rPr lang="en-US" sz="1765" dirty="0"/>
-              <a:t>2. Data pages are located or read into the buffer cache and then modified.</a:t>
-            </a:r>
-          </a:p>
-        </p:txBody>
-      </p:sp>
-      <p:sp>
-        <p:nvSpPr>
-          <p:cNvPr id="63" name="TextBox 62">
-            <a:extLst>
-              <a:ext uri="{FF2B5EF4-FFF2-40B4-BE49-F238E27FC236}">
-                <a16:creationId xmlns:a16="http://schemas.microsoft.com/office/drawing/2014/main" id="{D411FE31-781D-4C6C-AA6B-F078CC7D116B}"/>
-              </a:ext>
-            </a:extLst>
-          </p:cNvPr>
-          <p:cNvSpPr txBox="1"/>
-          <p:nvPr/>
-        </p:nvSpPr>
-        <p:spPr>
-          <a:xfrm>
-            <a:off x="8857362" y="3209482"/>
-            <a:ext cx="3082023" cy="633625"/>
-          </a:xfrm>
-          <a:prstGeom prst="rect">
-            <a:avLst/>
-          </a:prstGeom>
-          <a:noFill/>
-        </p:spPr>
-        <p:txBody>
-          <a:bodyPr wrap="square" rtlCol="0">
-            <a:spAutoFit/>
-          </a:bodyPr>
-          <a:lstStyle/>
-          <a:p>
-            <a:r>
-              <a:rPr lang="en-US" sz="1765" dirty="0"/>
-              <a:t>4. Checkpoint looks for committed transactions.</a:t>
-            </a:r>
-          </a:p>
-        </p:txBody>
-      </p:sp>
-      <p:cxnSp>
-        <p:nvCxnSpPr>
-          <p:cNvPr id="64" name="Straight Arrow Connector 63">
-            <a:extLst>
-              <a:ext uri="{FF2B5EF4-FFF2-40B4-BE49-F238E27FC236}">
-                <a16:creationId xmlns:a16="http://schemas.microsoft.com/office/drawing/2014/main" id="{DB5FA3A5-4826-4B2D-BA10-B90C0E8F43E2}"/>
+                <a16:creationId xmlns:a16="http://schemas.microsoft.com/office/drawing/2014/main" id="{0A13EF78-4ACE-4182-AB7A-B9D61F359F9D}"/>
               </a:ext>
             </a:extLst>
           </p:cNvPr>
@@ -6829,18 +7440,12 @@
         </p:nvCxnSpPr>
         <p:spPr>
           <a:xfrm>
-            <a:off x="4471640" y="2935664"/>
-            <a:ext cx="0" cy="1056106"/>
+            <a:off x="2025576" y="5046746"/>
+            <a:ext cx="3875888" cy="0"/>
           </a:xfrm>
-          <a:prstGeom prst="straightConnector1">
+          <a:prstGeom prst="line">
             <a:avLst/>
           </a:prstGeom>
-          <a:ln w="57150">
-            <a:solidFill>
-              <a:schemeClr val="accent3"/>
-            </a:solidFill>
-            <a:tailEnd type="triangle"/>
-          </a:ln>
         </p:spPr>
         <p:style>
           <a:lnRef idx="1">
@@ -6857,100 +7462,145 @@
           </a:fontRef>
         </p:style>
       </p:cxnSp>
-      <p:cxnSp>
-        <p:nvCxnSpPr>
-          <p:cNvPr id="65" name="Straight Arrow Connector 64">
+      <p:sp>
+        <p:nvSpPr>
+          <p:cNvPr id="17" name="TextBox 16">
             <a:extLst>
               <a:ext uri="{FF2B5EF4-FFF2-40B4-BE49-F238E27FC236}">
-                <a16:creationId xmlns:a16="http://schemas.microsoft.com/office/drawing/2014/main" id="{498BBDE9-E1A5-47E7-B590-B9AFD7A52F65}"/>
+                <a16:creationId xmlns:a16="http://schemas.microsoft.com/office/drawing/2014/main" id="{946E1395-1842-4A73-915D-186B719CAE94}"/>
               </a:ext>
             </a:extLst>
           </p:cNvPr>
-          <p:cNvCxnSpPr>
-            <a:cxnSpLocks/>
-          </p:cNvCxnSpPr>
+          <p:cNvSpPr txBox="1"/>
           <p:nvPr/>
-        </p:nvCxnSpPr>
+        </p:nvSpPr>
         <p:spPr>
-          <a:xfrm flipV="1">
-            <a:off x="5526761" y="2618631"/>
-            <a:ext cx="1391494" cy="923860"/>
+          <a:xfrm>
+            <a:off x="3286891" y="4976878"/>
+            <a:ext cx="2241062" cy="362072"/>
           </a:xfrm>
-          <a:prstGeom prst="straightConnector1">
+          <a:prstGeom prst="rect">
             <a:avLst/>
           </a:prstGeom>
-          <a:ln w="57150">
-            <a:solidFill>
-              <a:schemeClr val="accent3"/>
-            </a:solidFill>
-            <a:tailEnd type="triangle"/>
-          </a:ln>
+          <a:noFill/>
+        </p:spPr>
+        <p:txBody>
+          <a:bodyPr wrap="square" rtlCol="0">
+            <a:spAutoFit/>
+          </a:bodyPr>
+          <a:lstStyle/>
+          <a:p>
+            <a:pPr defTabSz="896386">
+              <a:defRPr/>
+            </a:pPr>
+            <a:r>
+              <a:rPr lang="en-US" sz="1765" kern="0" dirty="0">
+                <a:solidFill>
+                  <a:prstClr val="black"/>
+                </a:solidFill>
+              </a:rPr>
+              <a:t>Checkpoint</a:t>
+            </a:r>
+          </a:p>
+        </p:txBody>
+      </p:sp>
+      <p:pic>
+        <p:nvPicPr>
+          <p:cNvPr id="18" name="Picture 17">
+            <a:extLst>
+              <a:ext uri="{FF2B5EF4-FFF2-40B4-BE49-F238E27FC236}">
+                <a16:creationId xmlns:a16="http://schemas.microsoft.com/office/drawing/2014/main" id="{C8EC7E8B-0ACE-404D-B2C7-440F47255E20}"/>
+              </a:ext>
+            </a:extLst>
+          </p:cNvPr>
+          <p:cNvPicPr>
+            <a:picLocks noChangeAspect="1"/>
+          </p:cNvPicPr>
+          <p:nvPr/>
+        </p:nvPicPr>
+        <p:blipFill>
+          <a:blip r:embed="rId2" cstate="print">
+            <a:extLst>
+              <a:ext uri="{28A0092B-C50C-407E-A947-70E740481C1C}">
+                <a14:useLocalDpi xmlns:a14="http://schemas.microsoft.com/office/drawing/2010/main" val="0"/>
+              </a:ext>
+            </a:extLst>
+          </a:blip>
+          <a:stretch>
+            <a:fillRect/>
+          </a:stretch>
+        </p:blipFill>
+        <p:spPr>
+          <a:xfrm>
+            <a:off x="2166362" y="1510907"/>
+            <a:ext cx="3603854" cy="3366700"/>
+          </a:xfrm>
+          <a:prstGeom prst="rect">
+            <a:avLst/>
+          </a:prstGeom>
+        </p:spPr>
+      </p:pic>
+      <p:sp>
+        <p:nvSpPr>
+          <p:cNvPr id="19" name="Rounded Rectangle 11">
+            <a:extLst>
+              <a:ext uri="{FF2B5EF4-FFF2-40B4-BE49-F238E27FC236}">
+                <a16:creationId xmlns:a16="http://schemas.microsoft.com/office/drawing/2014/main" id="{EBC3280F-83D3-4C68-9AEA-4CBC71910C7A}"/>
+              </a:ext>
+            </a:extLst>
+          </p:cNvPr>
+          <p:cNvSpPr/>
+          <p:nvPr/>
+        </p:nvSpPr>
+        <p:spPr>
+          <a:xfrm>
+            <a:off x="7291012" y="1814378"/>
+            <a:ext cx="2838679" cy="2983249"/>
+          </a:xfrm>
+          <a:prstGeom prst="roundRect">
+            <a:avLst/>
+          </a:prstGeom>
+          <a:solidFill>
+            <a:schemeClr val="bg1"/>
+          </a:solidFill>
         </p:spPr>
         <p:style>
-          <a:lnRef idx="1">
-            <a:schemeClr val="accent1"/>
+          <a:lnRef idx="2">
+            <a:schemeClr val="accent1">
+              <a:shade val="50000"/>
+            </a:schemeClr>
           </a:lnRef>
-          <a:fillRef idx="0">
+          <a:fillRef idx="1">
             <a:schemeClr val="accent1"/>
           </a:fillRef>
           <a:effectRef idx="0">
             <a:schemeClr val="accent1"/>
           </a:effectRef>
           <a:fontRef idx="minor">
-            <a:schemeClr val="tx1"/>
+            <a:schemeClr val="lt1"/>
           </a:fontRef>
         </p:style>
-      </p:cxnSp>
+        <p:txBody>
+          <a:bodyPr rtlCol="0" anchor="ctr"/>
+          <a:lstStyle/>
+          <a:p>
+            <a:pPr algn="ctr" defTabSz="896386">
+              <a:defRPr/>
+            </a:pPr>
+            <a:endParaRPr lang="en-US" sz="1765" kern="0">
+              <a:solidFill>
+                <a:prstClr val="white"/>
+              </a:solidFill>
+            </a:endParaRPr>
+          </a:p>
+        </p:txBody>
+      </p:sp>
       <p:cxnSp>
         <p:nvCxnSpPr>
-          <p:cNvPr id="66" name="Straight Arrow Connector 65">
+          <p:cNvPr id="20" name="Straight Arrow Connector 19">
             <a:extLst>
               <a:ext uri="{FF2B5EF4-FFF2-40B4-BE49-F238E27FC236}">
-                <a16:creationId xmlns:a16="http://schemas.microsoft.com/office/drawing/2014/main" id="{EE68CCE3-D585-447E-9151-EF8B6A870BC9}"/>
-              </a:ext>
-            </a:extLst>
-          </p:cNvPr>
-          <p:cNvCxnSpPr>
-            <a:cxnSpLocks/>
-          </p:cNvCxnSpPr>
-          <p:nvPr/>
-        </p:nvCxnSpPr>
-        <p:spPr>
-          <a:xfrm>
-            <a:off x="5713367" y="5279215"/>
-            <a:ext cx="1483107" cy="3682"/>
-          </a:xfrm>
-          <a:prstGeom prst="straightConnector1">
-            <a:avLst/>
-          </a:prstGeom>
-          <a:ln w="57150">
-            <a:solidFill>
-              <a:schemeClr val="accent3"/>
-            </a:solidFill>
-            <a:tailEnd type="triangle"/>
-          </a:ln>
-        </p:spPr>
-        <p:style>
-          <a:lnRef idx="1">
-            <a:schemeClr val="accent1"/>
-          </a:lnRef>
-          <a:fillRef idx="0">
-            <a:schemeClr val="accent1"/>
-          </a:fillRef>
-          <a:effectRef idx="0">
-            <a:schemeClr val="accent1"/>
-          </a:effectRef>
-          <a:fontRef idx="minor">
-            <a:schemeClr val="tx1"/>
-          </a:fontRef>
-        </p:style>
-      </p:cxnSp>
-      <p:cxnSp>
-        <p:nvCxnSpPr>
-          <p:cNvPr id="67" name="Straight Arrow Connector 66">
-            <a:extLst>
-              <a:ext uri="{FF2B5EF4-FFF2-40B4-BE49-F238E27FC236}">
-                <a16:creationId xmlns:a16="http://schemas.microsoft.com/office/drawing/2014/main" id="{119ECE10-48F9-4CE2-BDF8-5816CB841A79}"/>
+                <a16:creationId xmlns:a16="http://schemas.microsoft.com/office/drawing/2014/main" id="{0FF5237F-921F-4C9C-8DE2-EC36DABA549B}"/>
               </a:ext>
             </a:extLst>
           </p:cNvPr>
@@ -6961,52 +7611,8 @@
         </p:nvCxnSpPr>
         <p:spPr>
           <a:xfrm flipH="1">
-            <a:off x="5713368" y="4720843"/>
-            <a:ext cx="1392879" cy="0"/>
-          </a:xfrm>
-          <a:prstGeom prst="straightConnector1">
-            <a:avLst/>
-          </a:prstGeom>
-          <a:ln w="57150">
-            <a:solidFill>
-              <a:schemeClr val="accent3"/>
-            </a:solidFill>
-            <a:tailEnd type="triangle"/>
-          </a:ln>
-        </p:spPr>
-        <p:style>
-          <a:lnRef idx="1">
-            <a:schemeClr val="accent1"/>
-          </a:lnRef>
-          <a:fillRef idx="0">
-            <a:schemeClr val="accent1"/>
-          </a:fillRef>
-          <a:effectRef idx="0">
-            <a:schemeClr val="accent1"/>
-          </a:effectRef>
-          <a:fontRef idx="minor">
-            <a:schemeClr val="tx1"/>
-          </a:fontRef>
-        </p:style>
-      </p:cxnSp>
-      <p:cxnSp>
-        <p:nvCxnSpPr>
-          <p:cNvPr id="68" name="Straight Arrow Connector 67">
-            <a:extLst>
-              <a:ext uri="{FF2B5EF4-FFF2-40B4-BE49-F238E27FC236}">
-                <a16:creationId xmlns:a16="http://schemas.microsoft.com/office/drawing/2014/main" id="{1C90E9A0-0CD3-40D0-B1C7-AC5747FD82F8}"/>
-              </a:ext>
-            </a:extLst>
-          </p:cNvPr>
-          <p:cNvCxnSpPr>
-            <a:cxnSpLocks/>
-          </p:cNvCxnSpPr>
-          <p:nvPr/>
-        </p:nvCxnSpPr>
-        <p:spPr>
-          <a:xfrm flipV="1">
-            <a:off x="8008457" y="2991884"/>
-            <a:ext cx="0" cy="1204612"/>
+            <a:off x="6041353" y="4311850"/>
+            <a:ext cx="1129150" cy="665028"/>
           </a:xfrm>
           <a:prstGeom prst="straightConnector1">
             <a:avLst/>
@@ -7035,20 +7641,20 @@
       </p:cxnSp>
       <p:sp>
         <p:nvSpPr>
-          <p:cNvPr id="69" name="Rectangle 68">
+          <p:cNvPr id="21" name="TextBox 20">
             <a:extLst>
               <a:ext uri="{FF2B5EF4-FFF2-40B4-BE49-F238E27FC236}">
-                <a16:creationId xmlns:a16="http://schemas.microsoft.com/office/drawing/2014/main" id="{E2024C43-70EF-41AC-AAE7-86A6A010CDA4}"/>
+                <a16:creationId xmlns:a16="http://schemas.microsoft.com/office/drawing/2014/main" id="{89D248C8-40BD-4390-92DC-BC785206730F}"/>
               </a:ext>
             </a:extLst>
           </p:cNvPr>
-          <p:cNvSpPr/>
+          <p:cNvSpPr txBox="1"/>
           <p:nvPr/>
         </p:nvSpPr>
         <p:spPr>
-          <a:xfrm>
-            <a:off x="4511150" y="3237421"/>
-            <a:ext cx="344471" cy="452590"/>
+          <a:xfrm rot="16200000">
+            <a:off x="576562" y="3306024"/>
+            <a:ext cx="2407725" cy="362072"/>
           </a:xfrm>
           <a:prstGeom prst="rect">
             <a:avLst/>
@@ -7056,44 +7662,41 @@
           <a:noFill/>
         </p:spPr>
         <p:txBody>
-          <a:bodyPr wrap="none" lIns="89642" tIns="44821" rIns="89642" bIns="44821">
+          <a:bodyPr wrap="square" rtlCol="0">
             <a:spAutoFit/>
           </a:bodyPr>
           <a:lstStyle/>
           <a:p>
-            <a:pPr algn="ctr"/>
-            <a:r>
-              <a:rPr lang="en-US" sz="2353" dirty="0">
-                <a:ln w="0"/>
-                <a:effectLst>
-                  <a:outerShdw blurRad="38100" dist="25400" dir="5400000" algn="ctr" rotWithShape="0">
-                    <a:srgbClr val="6E747A">
-                      <a:alpha val="43000"/>
-                    </a:srgbClr>
-                  </a:outerShdw>
-                </a:effectLst>
+            <a:pPr defTabSz="896386">
+              <a:defRPr/>
+            </a:pPr>
+            <a:r>
+              <a:rPr lang="en-US" sz="1765" kern="0" dirty="0">
+                <a:solidFill>
+                  <a:prstClr val="black"/>
+                </a:solidFill>
               </a:rPr>
-              <a:t>1</a:t>
+              <a:t>AdventureWorks.ldf</a:t>
             </a:r>
           </a:p>
         </p:txBody>
       </p:sp>
       <p:sp>
         <p:nvSpPr>
-          <p:cNvPr id="70" name="Rectangle 69">
+          <p:cNvPr id="22" name="TextBox 21">
             <a:extLst>
               <a:ext uri="{FF2B5EF4-FFF2-40B4-BE49-F238E27FC236}">
-                <a16:creationId xmlns:a16="http://schemas.microsoft.com/office/drawing/2014/main" id="{9BF38990-69D1-44C7-B442-FF34FA9F5A34}"/>
+                <a16:creationId xmlns:a16="http://schemas.microsoft.com/office/drawing/2014/main" id="{477EFC1C-2721-4D15-A926-55543A11F849}"/>
               </a:ext>
             </a:extLst>
           </p:cNvPr>
-          <p:cNvSpPr/>
+          <p:cNvSpPr txBox="1"/>
           <p:nvPr/>
         </p:nvSpPr>
         <p:spPr>
           <a:xfrm>
-            <a:off x="6282685" y="4273210"/>
-            <a:ext cx="344471" cy="452590"/>
+            <a:off x="7562150" y="4234399"/>
+            <a:ext cx="2301294" cy="362072"/>
           </a:xfrm>
           <a:prstGeom prst="rect">
             <a:avLst/>
@@ -7101,199 +7704,31 @@
           <a:noFill/>
         </p:spPr>
         <p:txBody>
-          <a:bodyPr wrap="none" lIns="89642" tIns="44821" rIns="89642" bIns="44821">
+          <a:bodyPr wrap="square" rtlCol="0">
             <a:spAutoFit/>
           </a:bodyPr>
           <a:lstStyle/>
           <a:p>
-            <a:pPr algn="ctr"/>
-            <a:r>
-              <a:rPr lang="en-US" sz="2353" dirty="0">
-                <a:ln w="0"/>
-                <a:effectLst>
-                  <a:outerShdw blurRad="38100" dist="25400" dir="5400000" algn="ctr" rotWithShape="0">
-                    <a:srgbClr val="6E747A">
-                      <a:alpha val="43000"/>
-                    </a:srgbClr>
-                  </a:outerShdw>
-                </a:effectLst>
+            <a:pPr defTabSz="896386">
+              <a:defRPr/>
+            </a:pPr>
+            <a:r>
+              <a:rPr lang="en-US" sz="1765" kern="0" dirty="0">
+                <a:solidFill>
+                  <a:sysClr val="windowText" lastClr="000000"/>
+                </a:solidFill>
               </a:rPr>
-              <a:t>2</a:t>
+              <a:t>AdventureWorks.mdf</a:t>
             </a:r>
           </a:p>
         </p:txBody>
       </p:sp>
-      <p:sp>
-        <p:nvSpPr>
-          <p:cNvPr id="71" name="Rectangle 70">
+      <p:grpSp>
+        <p:nvGrpSpPr>
+          <p:cNvPr id="35" name="Group 34">
             <a:extLst>
               <a:ext uri="{FF2B5EF4-FFF2-40B4-BE49-F238E27FC236}">
-                <a16:creationId xmlns:a16="http://schemas.microsoft.com/office/drawing/2014/main" id="{540164E2-FDAB-4E39-BD51-01D0BA549317}"/>
-              </a:ext>
-            </a:extLst>
-          </p:cNvPr>
-          <p:cNvSpPr/>
-          <p:nvPr/>
-        </p:nvSpPr>
-        <p:spPr>
-          <a:xfrm>
-            <a:off x="5955222" y="2613675"/>
-            <a:ext cx="344471" cy="452590"/>
-          </a:xfrm>
-          <a:prstGeom prst="rect">
-            <a:avLst/>
-          </a:prstGeom>
-          <a:noFill/>
-        </p:spPr>
-        <p:txBody>
-          <a:bodyPr wrap="none" lIns="89642" tIns="44821" rIns="89642" bIns="44821">
-            <a:spAutoFit/>
-          </a:bodyPr>
-          <a:lstStyle/>
-          <a:p>
-            <a:pPr algn="ctr"/>
-            <a:r>
-              <a:rPr lang="en-US" sz="2353" dirty="0">
-                <a:ln w="0"/>
-                <a:effectLst>
-                  <a:outerShdw blurRad="38100" dist="25400" dir="5400000" algn="ctr" rotWithShape="0">
-                    <a:srgbClr val="6E747A">
-                      <a:alpha val="43000"/>
-                    </a:srgbClr>
-                  </a:outerShdw>
-                </a:effectLst>
-              </a:rPr>
-              <a:t>3</a:t>
-            </a:r>
-          </a:p>
-        </p:txBody>
-      </p:sp>
-      <p:sp>
-        <p:nvSpPr>
-          <p:cNvPr id="72" name="Rectangle 71">
-            <a:extLst>
-              <a:ext uri="{FF2B5EF4-FFF2-40B4-BE49-F238E27FC236}">
-                <a16:creationId xmlns:a16="http://schemas.microsoft.com/office/drawing/2014/main" id="{3E243660-F2B1-4C28-AF89-891F017712E4}"/>
-              </a:ext>
-            </a:extLst>
-          </p:cNvPr>
-          <p:cNvSpPr/>
-          <p:nvPr/>
-        </p:nvSpPr>
-        <p:spPr>
-          <a:xfrm>
-            <a:off x="8088439" y="3463715"/>
-            <a:ext cx="344471" cy="452590"/>
-          </a:xfrm>
-          <a:prstGeom prst="rect">
-            <a:avLst/>
-          </a:prstGeom>
-          <a:noFill/>
-        </p:spPr>
-        <p:txBody>
-          <a:bodyPr wrap="none" lIns="89642" tIns="44821" rIns="89642" bIns="44821">
-            <a:spAutoFit/>
-          </a:bodyPr>
-          <a:lstStyle/>
-          <a:p>
-            <a:pPr algn="ctr"/>
-            <a:r>
-              <a:rPr lang="en-US" sz="2353" dirty="0">
-                <a:ln w="0"/>
-                <a:effectLst>
-                  <a:outerShdw blurRad="38100" dist="25400" dir="5400000" algn="ctr" rotWithShape="0">
-                    <a:srgbClr val="6E747A">
-                      <a:alpha val="43000"/>
-                    </a:srgbClr>
-                  </a:outerShdw>
-                </a:effectLst>
-              </a:rPr>
-              <a:t>4</a:t>
-            </a:r>
-          </a:p>
-        </p:txBody>
-      </p:sp>
-      <p:sp>
-        <p:nvSpPr>
-          <p:cNvPr id="73" name="Rectangle 72">
-            <a:extLst>
-              <a:ext uri="{FF2B5EF4-FFF2-40B4-BE49-F238E27FC236}">
-                <a16:creationId xmlns:a16="http://schemas.microsoft.com/office/drawing/2014/main" id="{5FDD54A7-3FC3-4852-A422-6B8B7A8CE6B2}"/>
-              </a:ext>
-            </a:extLst>
-          </p:cNvPr>
-          <p:cNvSpPr/>
-          <p:nvPr/>
-        </p:nvSpPr>
-        <p:spPr>
-          <a:xfrm>
-            <a:off x="6240335" y="5383724"/>
-            <a:ext cx="344471" cy="452590"/>
-          </a:xfrm>
-          <a:prstGeom prst="rect">
-            <a:avLst/>
-          </a:prstGeom>
-          <a:noFill/>
-        </p:spPr>
-        <p:txBody>
-          <a:bodyPr wrap="none" lIns="89642" tIns="44821" rIns="89642" bIns="44821">
-            <a:spAutoFit/>
-          </a:bodyPr>
-          <a:lstStyle/>
-          <a:p>
-            <a:pPr algn="ctr"/>
-            <a:r>
-              <a:rPr lang="en-US" sz="2353" dirty="0">
-                <a:ln w="0"/>
-                <a:effectLst>
-                  <a:outerShdw blurRad="38100" dist="25400" dir="5400000" algn="ctr" rotWithShape="0">
-                    <a:srgbClr val="6E747A">
-                      <a:alpha val="43000"/>
-                    </a:srgbClr>
-                  </a:outerShdw>
-                </a:effectLst>
-              </a:rPr>
-              <a:t>5</a:t>
-            </a:r>
-          </a:p>
-        </p:txBody>
-      </p:sp>
-      <p:pic>
-        <p:nvPicPr>
-          <p:cNvPr id="74" name="Picture 73">
-            <a:extLst>
-              <a:ext uri="{FF2B5EF4-FFF2-40B4-BE49-F238E27FC236}">
-                <a16:creationId xmlns:a16="http://schemas.microsoft.com/office/drawing/2014/main" id="{5B190236-FC8A-4BFF-A5CE-20DDFF833FD2}"/>
-              </a:ext>
-            </a:extLst>
-          </p:cNvPr>
-          <p:cNvPicPr>
-            <a:picLocks noChangeAspect="1"/>
-          </p:cNvPicPr>
-          <p:nvPr/>
-        </p:nvPicPr>
-        <p:blipFill>
-          <a:blip r:embed="rId2"/>
-          <a:stretch>
-            <a:fillRect/>
-          </a:stretch>
-        </p:blipFill>
-        <p:spPr>
-          <a:xfrm>
-            <a:off x="779864" y="1560033"/>
-            <a:ext cx="4075757" cy="1185895"/>
-          </a:xfrm>
-          <a:prstGeom prst="rect">
-            <a:avLst/>
-          </a:prstGeom>
-        </p:spPr>
-      </p:pic>
-      <p:grpSp>
-        <p:nvGrpSpPr>
-          <p:cNvPr id="75" name="Group 74">
-            <a:extLst>
-              <a:ext uri="{FF2B5EF4-FFF2-40B4-BE49-F238E27FC236}">
-                <a16:creationId xmlns:a16="http://schemas.microsoft.com/office/drawing/2014/main" id="{2F179FAC-6605-4BF0-AE83-AFA925758DD9}"/>
+                <a16:creationId xmlns:a16="http://schemas.microsoft.com/office/drawing/2014/main" id="{E2BBC193-B27E-4118-B456-720A69DD5435}"/>
               </a:ext>
             </a:extLst>
           </p:cNvPr>
@@ -7302,18 +7737,18 @@
         </p:nvGrpSpPr>
         <p:grpSpPr>
           <a:xfrm>
-            <a:off x="7335964" y="4419456"/>
-            <a:ext cx="1366374" cy="1516828"/>
+            <a:off x="7851278" y="2100939"/>
+            <a:ext cx="1718148" cy="2030645"/>
             <a:chOff x="4963829" y="4298078"/>
             <a:chExt cx="1393773" cy="1547244"/>
           </a:xfrm>
         </p:grpSpPr>
         <p:sp>
           <p:nvSpPr>
-            <p:cNvPr id="76" name="Cylinder 75">
+            <p:cNvPr id="36" name="Cylinder 35">
               <a:extLst>
                 <a:ext uri="{FF2B5EF4-FFF2-40B4-BE49-F238E27FC236}">
-                  <a16:creationId xmlns:a16="http://schemas.microsoft.com/office/drawing/2014/main" id="{FE714E02-6227-40A7-82B0-5ED4F043C542}"/>
+                  <a16:creationId xmlns:a16="http://schemas.microsoft.com/office/drawing/2014/main" id="{62638C69-627F-4B5B-8188-56879E44F19D}"/>
                 </a:ext>
               </a:extLst>
             </p:cNvPr>
@@ -7370,10 +7805,10 @@
         </p:sp>
         <p:sp>
           <p:nvSpPr>
-            <p:cNvPr id="77" name="Cylinder 76">
+            <p:cNvPr id="37" name="Cylinder 36">
               <a:extLst>
                 <a:ext uri="{FF2B5EF4-FFF2-40B4-BE49-F238E27FC236}">
-                  <a16:creationId xmlns:a16="http://schemas.microsoft.com/office/drawing/2014/main" id="{FCA0C50F-C1D1-47C7-B5EE-F658C1CD5DDE}"/>
+                  <a16:creationId xmlns:a16="http://schemas.microsoft.com/office/drawing/2014/main" id="{5893E6CA-A0CE-455C-8F27-AE7F6BE5DF04}"/>
                 </a:ext>
               </a:extLst>
             </p:cNvPr>
@@ -7430,10 +7865,10 @@
         </p:sp>
         <p:sp>
           <p:nvSpPr>
-            <p:cNvPr id="78" name="Cylinder 77">
+            <p:cNvPr id="38" name="Cylinder 37">
               <a:extLst>
                 <a:ext uri="{FF2B5EF4-FFF2-40B4-BE49-F238E27FC236}">
-                  <a16:creationId xmlns:a16="http://schemas.microsoft.com/office/drawing/2014/main" id="{32411212-54ED-4B19-BA24-A7CD7D20039F}"/>
+                  <a16:creationId xmlns:a16="http://schemas.microsoft.com/office/drawing/2014/main" id="{5F751915-1B41-431F-9E80-EFDE3E32F50E}"/>
                 </a:ext>
               </a:extLst>
             </p:cNvPr>
@@ -7489,1322 +7924,10 @@
           </p:txBody>
         </p:sp>
       </p:grpSp>
-      <p:sp>
-        <p:nvSpPr>
-          <p:cNvPr id="79" name="Scroll: Vertical 78">
-            <a:extLst>
-              <a:ext uri="{FF2B5EF4-FFF2-40B4-BE49-F238E27FC236}">
-                <a16:creationId xmlns:a16="http://schemas.microsoft.com/office/drawing/2014/main" id="{F660F6EA-60E1-4AE7-A097-0177BD1778D7}"/>
-              </a:ext>
-            </a:extLst>
-          </p:cNvPr>
-          <p:cNvSpPr/>
-          <p:nvPr/>
-        </p:nvSpPr>
-        <p:spPr>
-          <a:xfrm rot="10800000">
-            <a:off x="7106247" y="1191324"/>
-            <a:ext cx="1610507" cy="1648325"/>
-          </a:xfrm>
-          <a:prstGeom prst="verticalScroll">
-            <a:avLst/>
-          </a:prstGeom>
-          <a:solidFill>
-            <a:schemeClr val="bg1"/>
-          </a:solidFill>
-          <a:ln>
-            <a:solidFill>
-              <a:schemeClr val="accent4">
-                <a:lumMod val="50000"/>
-              </a:schemeClr>
-            </a:solidFill>
-          </a:ln>
-        </p:spPr>
-        <p:style>
-          <a:lnRef idx="2">
-            <a:schemeClr val="accent1">
-              <a:shade val="50000"/>
-            </a:schemeClr>
-          </a:lnRef>
-          <a:fillRef idx="1">
-            <a:schemeClr val="accent1"/>
-          </a:fillRef>
-          <a:effectRef idx="0">
-            <a:schemeClr val="accent1"/>
-          </a:effectRef>
-          <a:fontRef idx="minor">
-            <a:schemeClr val="lt1"/>
-          </a:fontRef>
-        </p:style>
-        <p:txBody>
-          <a:bodyPr rtlCol="0" anchor="ctr"/>
-          <a:lstStyle/>
-          <a:p>
-            <a:pPr algn="ctr"/>
-            <a:endParaRPr lang="en-US" sz="1765"/>
-          </a:p>
-        </p:txBody>
-      </p:sp>
-      <p:cxnSp>
-        <p:nvCxnSpPr>
-          <p:cNvPr id="80" name="Straight Connector 79">
-            <a:extLst>
-              <a:ext uri="{FF2B5EF4-FFF2-40B4-BE49-F238E27FC236}">
-                <a16:creationId xmlns:a16="http://schemas.microsoft.com/office/drawing/2014/main" id="{B98F946D-E246-4364-9608-8C4336488C19}"/>
-              </a:ext>
-            </a:extLst>
-          </p:cNvPr>
-          <p:cNvCxnSpPr>
-            <a:cxnSpLocks/>
-          </p:cNvCxnSpPr>
-          <p:nvPr/>
-        </p:nvCxnSpPr>
-        <p:spPr>
-          <a:xfrm>
-            <a:off x="7399548" y="1452349"/>
-            <a:ext cx="1023902" cy="0"/>
-          </a:xfrm>
-          <a:prstGeom prst="line">
-            <a:avLst/>
-          </a:prstGeom>
-          <a:ln w="38100">
-            <a:solidFill>
-              <a:schemeClr val="accent4">
-                <a:lumMod val="75000"/>
-              </a:schemeClr>
-            </a:solidFill>
-          </a:ln>
-        </p:spPr>
-        <p:style>
-          <a:lnRef idx="1">
-            <a:schemeClr val="accent1"/>
-          </a:lnRef>
-          <a:fillRef idx="0">
-            <a:schemeClr val="accent1"/>
-          </a:fillRef>
-          <a:effectRef idx="0">
-            <a:schemeClr val="accent1"/>
-          </a:effectRef>
-          <a:fontRef idx="minor">
-            <a:schemeClr val="tx1"/>
-          </a:fontRef>
-        </p:style>
-      </p:cxnSp>
-      <p:cxnSp>
-        <p:nvCxnSpPr>
-          <p:cNvPr id="81" name="Straight Connector 80">
-            <a:extLst>
-              <a:ext uri="{FF2B5EF4-FFF2-40B4-BE49-F238E27FC236}">
-                <a16:creationId xmlns:a16="http://schemas.microsoft.com/office/drawing/2014/main" id="{A991520D-E461-4F6A-9036-7C4A7D1B251B}"/>
-              </a:ext>
-            </a:extLst>
-          </p:cNvPr>
-          <p:cNvCxnSpPr>
-            <a:cxnSpLocks/>
-          </p:cNvCxnSpPr>
-          <p:nvPr/>
-        </p:nvCxnSpPr>
-        <p:spPr>
-          <a:xfrm>
-            <a:off x="7399548" y="1620591"/>
-            <a:ext cx="1023902" cy="0"/>
-          </a:xfrm>
-          <a:prstGeom prst="line">
-            <a:avLst/>
-          </a:prstGeom>
-          <a:ln w="38100">
-            <a:solidFill>
-              <a:schemeClr val="accent4">
-                <a:lumMod val="75000"/>
-              </a:schemeClr>
-            </a:solidFill>
-          </a:ln>
-        </p:spPr>
-        <p:style>
-          <a:lnRef idx="1">
-            <a:schemeClr val="accent1"/>
-          </a:lnRef>
-          <a:fillRef idx="0">
-            <a:schemeClr val="accent1"/>
-          </a:fillRef>
-          <a:effectRef idx="0">
-            <a:schemeClr val="accent1"/>
-          </a:effectRef>
-          <a:fontRef idx="minor">
-            <a:schemeClr val="tx1"/>
-          </a:fontRef>
-        </p:style>
-      </p:cxnSp>
-      <p:cxnSp>
-        <p:nvCxnSpPr>
-          <p:cNvPr id="82" name="Straight Connector 81">
-            <a:extLst>
-              <a:ext uri="{FF2B5EF4-FFF2-40B4-BE49-F238E27FC236}">
-                <a16:creationId xmlns:a16="http://schemas.microsoft.com/office/drawing/2014/main" id="{B81A5035-53A1-4971-BDDA-EC87107E87F5}"/>
-              </a:ext>
-            </a:extLst>
-          </p:cNvPr>
-          <p:cNvCxnSpPr>
-            <a:cxnSpLocks/>
-          </p:cNvCxnSpPr>
-          <p:nvPr/>
-        </p:nvCxnSpPr>
-        <p:spPr>
-          <a:xfrm>
-            <a:off x="7399548" y="1788834"/>
-            <a:ext cx="1023902" cy="0"/>
-          </a:xfrm>
-          <a:prstGeom prst="line">
-            <a:avLst/>
-          </a:prstGeom>
-          <a:ln w="38100">
-            <a:solidFill>
-              <a:schemeClr val="accent4">
-                <a:lumMod val="75000"/>
-              </a:schemeClr>
-            </a:solidFill>
-          </a:ln>
-        </p:spPr>
-        <p:style>
-          <a:lnRef idx="1">
-            <a:schemeClr val="accent1"/>
-          </a:lnRef>
-          <a:fillRef idx="0">
-            <a:schemeClr val="accent1"/>
-          </a:fillRef>
-          <a:effectRef idx="0">
-            <a:schemeClr val="accent1"/>
-          </a:effectRef>
-          <a:fontRef idx="minor">
-            <a:schemeClr val="tx1"/>
-          </a:fontRef>
-        </p:style>
-      </p:cxnSp>
-      <p:cxnSp>
-        <p:nvCxnSpPr>
-          <p:cNvPr id="83" name="Straight Connector 82">
-            <a:extLst>
-              <a:ext uri="{FF2B5EF4-FFF2-40B4-BE49-F238E27FC236}">
-                <a16:creationId xmlns:a16="http://schemas.microsoft.com/office/drawing/2014/main" id="{BB1F27D2-590A-4F1B-99C7-203192E59689}"/>
-              </a:ext>
-            </a:extLst>
-          </p:cNvPr>
-          <p:cNvCxnSpPr>
-            <a:cxnSpLocks/>
-          </p:cNvCxnSpPr>
-          <p:nvPr/>
-        </p:nvCxnSpPr>
-        <p:spPr>
-          <a:xfrm>
-            <a:off x="7399548" y="1957076"/>
-            <a:ext cx="1023902" cy="0"/>
-          </a:xfrm>
-          <a:prstGeom prst="line">
-            <a:avLst/>
-          </a:prstGeom>
-          <a:ln w="38100">
-            <a:solidFill>
-              <a:schemeClr val="accent4">
-                <a:lumMod val="75000"/>
-              </a:schemeClr>
-            </a:solidFill>
-          </a:ln>
-        </p:spPr>
-        <p:style>
-          <a:lnRef idx="1">
-            <a:schemeClr val="accent1"/>
-          </a:lnRef>
-          <a:fillRef idx="0">
-            <a:schemeClr val="accent1"/>
-          </a:fillRef>
-          <a:effectRef idx="0">
-            <a:schemeClr val="accent1"/>
-          </a:effectRef>
-          <a:fontRef idx="minor">
-            <a:schemeClr val="tx1"/>
-          </a:fontRef>
-        </p:style>
-      </p:cxnSp>
-      <p:cxnSp>
-        <p:nvCxnSpPr>
-          <p:cNvPr id="84" name="Straight Connector 83">
-            <a:extLst>
-              <a:ext uri="{FF2B5EF4-FFF2-40B4-BE49-F238E27FC236}">
-                <a16:creationId xmlns:a16="http://schemas.microsoft.com/office/drawing/2014/main" id="{314B1183-A8BD-4661-BAE5-2EC4073B035E}"/>
-              </a:ext>
-            </a:extLst>
-          </p:cNvPr>
-          <p:cNvCxnSpPr>
-            <a:cxnSpLocks/>
-          </p:cNvCxnSpPr>
-          <p:nvPr/>
-        </p:nvCxnSpPr>
-        <p:spPr>
-          <a:xfrm>
-            <a:off x="7399548" y="2125319"/>
-            <a:ext cx="1023902" cy="0"/>
-          </a:xfrm>
-          <a:prstGeom prst="line">
-            <a:avLst/>
-          </a:prstGeom>
-          <a:ln w="38100">
-            <a:solidFill>
-              <a:schemeClr val="accent4">
-                <a:lumMod val="75000"/>
-              </a:schemeClr>
-            </a:solidFill>
-          </a:ln>
-        </p:spPr>
-        <p:style>
-          <a:lnRef idx="1">
-            <a:schemeClr val="accent1"/>
-          </a:lnRef>
-          <a:fillRef idx="0">
-            <a:schemeClr val="accent1"/>
-          </a:fillRef>
-          <a:effectRef idx="0">
-            <a:schemeClr val="accent1"/>
-          </a:effectRef>
-          <a:fontRef idx="minor">
-            <a:schemeClr val="tx1"/>
-          </a:fontRef>
-        </p:style>
-      </p:cxnSp>
-      <p:cxnSp>
-        <p:nvCxnSpPr>
-          <p:cNvPr id="85" name="Straight Connector 84">
-            <a:extLst>
-              <a:ext uri="{FF2B5EF4-FFF2-40B4-BE49-F238E27FC236}">
-                <a16:creationId xmlns:a16="http://schemas.microsoft.com/office/drawing/2014/main" id="{43FE48E4-5FED-439C-930A-9945327DD57E}"/>
-              </a:ext>
-            </a:extLst>
-          </p:cNvPr>
-          <p:cNvCxnSpPr>
-            <a:cxnSpLocks/>
-          </p:cNvCxnSpPr>
-          <p:nvPr/>
-        </p:nvCxnSpPr>
-        <p:spPr>
-          <a:xfrm>
-            <a:off x="7399548" y="2461801"/>
-            <a:ext cx="1023902" cy="0"/>
-          </a:xfrm>
-          <a:prstGeom prst="line">
-            <a:avLst/>
-          </a:prstGeom>
-          <a:ln w="38100">
-            <a:solidFill>
-              <a:schemeClr val="accent4">
-                <a:lumMod val="75000"/>
-              </a:schemeClr>
-            </a:solidFill>
-          </a:ln>
-        </p:spPr>
-        <p:style>
-          <a:lnRef idx="1">
-            <a:schemeClr val="accent1"/>
-          </a:lnRef>
-          <a:fillRef idx="0">
-            <a:schemeClr val="accent1"/>
-          </a:fillRef>
-          <a:effectRef idx="0">
-            <a:schemeClr val="accent1"/>
-          </a:effectRef>
-          <a:fontRef idx="minor">
-            <a:schemeClr val="tx1"/>
-          </a:fontRef>
-        </p:style>
-      </p:cxnSp>
-      <p:cxnSp>
-        <p:nvCxnSpPr>
-          <p:cNvPr id="86" name="Straight Connector 85">
-            <a:extLst>
-              <a:ext uri="{FF2B5EF4-FFF2-40B4-BE49-F238E27FC236}">
-                <a16:creationId xmlns:a16="http://schemas.microsoft.com/office/drawing/2014/main" id="{95989F28-0FA9-4EC1-A654-DEA3426BFFD4}"/>
-              </a:ext>
-            </a:extLst>
-          </p:cNvPr>
-          <p:cNvCxnSpPr>
-            <a:cxnSpLocks/>
-          </p:cNvCxnSpPr>
-          <p:nvPr/>
-        </p:nvCxnSpPr>
-        <p:spPr>
-          <a:xfrm>
-            <a:off x="7399548" y="2293561"/>
-            <a:ext cx="1023902" cy="0"/>
-          </a:xfrm>
-          <a:prstGeom prst="line">
-            <a:avLst/>
-          </a:prstGeom>
-          <a:ln w="38100">
-            <a:solidFill>
-              <a:schemeClr val="accent4">
-                <a:lumMod val="75000"/>
-              </a:schemeClr>
-            </a:solidFill>
-          </a:ln>
-        </p:spPr>
-        <p:style>
-          <a:lnRef idx="1">
-            <a:schemeClr val="accent1"/>
-          </a:lnRef>
-          <a:fillRef idx="0">
-            <a:schemeClr val="accent1"/>
-          </a:fillRef>
-          <a:effectRef idx="0">
-            <a:schemeClr val="accent1"/>
-          </a:effectRef>
-          <a:fontRef idx="minor">
-            <a:schemeClr val="tx1"/>
-          </a:fontRef>
-        </p:style>
-      </p:cxnSp>
-      <p:grpSp>
-        <p:nvGrpSpPr>
-          <p:cNvPr id="87" name="Group 86">
-            <a:extLst>
-              <a:ext uri="{FF2B5EF4-FFF2-40B4-BE49-F238E27FC236}">
-                <a16:creationId xmlns:a16="http://schemas.microsoft.com/office/drawing/2014/main" id="{754527DA-3BC5-4F39-B83B-A973BA9F8161}"/>
-              </a:ext>
-            </a:extLst>
-          </p:cNvPr>
-          <p:cNvGrpSpPr/>
-          <p:nvPr/>
-        </p:nvGrpSpPr>
-        <p:grpSpPr>
-          <a:xfrm>
-            <a:off x="3938331" y="4169381"/>
-            <a:ext cx="1422810" cy="2066727"/>
-            <a:chOff x="3846559" y="3931417"/>
-            <a:chExt cx="1451340" cy="2108169"/>
-          </a:xfrm>
-        </p:grpSpPr>
-        <p:sp>
-          <p:nvSpPr>
-            <p:cNvPr id="88" name="Rectangle: Diagonal Corners Rounded 87">
-              <a:extLst>
-                <a:ext uri="{FF2B5EF4-FFF2-40B4-BE49-F238E27FC236}">
-                  <a16:creationId xmlns:a16="http://schemas.microsoft.com/office/drawing/2014/main" id="{192B794B-0EB2-4B64-8C21-DC79A49501D1}"/>
-                </a:ext>
-              </a:extLst>
-            </p:cNvPr>
-            <p:cNvSpPr/>
-            <p:nvPr/>
-          </p:nvSpPr>
-          <p:spPr>
-            <a:xfrm>
-              <a:off x="3846559" y="3931417"/>
-              <a:ext cx="1189624" cy="1729435"/>
-            </a:xfrm>
-            <a:prstGeom prst="round2DiagRect">
-              <a:avLst>
-                <a:gd name="adj1" fmla="val 3765"/>
-                <a:gd name="adj2" fmla="val 0"/>
-              </a:avLst>
-            </a:prstGeom>
-            <a:solidFill>
-              <a:schemeClr val="tx1">
-                <a:lumMod val="65000"/>
-                <a:lumOff val="35000"/>
-              </a:schemeClr>
-            </a:solidFill>
-          </p:spPr>
-          <p:style>
-            <a:lnRef idx="2">
-              <a:schemeClr val="accent1">
-                <a:shade val="50000"/>
-              </a:schemeClr>
-            </a:lnRef>
-            <a:fillRef idx="1">
-              <a:schemeClr val="accent1"/>
-            </a:fillRef>
-            <a:effectRef idx="0">
-              <a:schemeClr val="accent1"/>
-            </a:effectRef>
-            <a:fontRef idx="minor">
-              <a:schemeClr val="lt1"/>
-            </a:fontRef>
-          </p:style>
-          <p:txBody>
-            <a:bodyPr rtlCol="0" anchor="ctr"/>
-            <a:lstStyle/>
-            <a:p>
-              <a:pPr algn="ctr"/>
-              <a:endParaRPr lang="en-US" sz="1765"/>
-            </a:p>
-          </p:txBody>
-        </p:sp>
-        <p:grpSp>
-          <p:nvGrpSpPr>
-            <p:cNvPr id="89" name="Group 88">
-              <a:extLst>
-                <a:ext uri="{FF2B5EF4-FFF2-40B4-BE49-F238E27FC236}">
-                  <a16:creationId xmlns:a16="http://schemas.microsoft.com/office/drawing/2014/main" id="{131F8DB9-223A-4762-BEE9-DE65C69C4FEE}"/>
-                </a:ext>
-              </a:extLst>
-            </p:cNvPr>
-            <p:cNvGrpSpPr/>
-            <p:nvPr/>
-          </p:nvGrpSpPr>
-          <p:grpSpPr>
-            <a:xfrm>
-              <a:off x="3926578" y="4137155"/>
-              <a:ext cx="1109606" cy="0"/>
-              <a:chOff x="2936943" y="4120563"/>
-              <a:chExt cx="909721" cy="0"/>
-            </a:xfrm>
-          </p:grpSpPr>
-          <p:cxnSp>
-            <p:nvCxnSpPr>
-              <p:cNvPr id="104" name="Straight Connector 103">
-                <a:extLst>
-                  <a:ext uri="{FF2B5EF4-FFF2-40B4-BE49-F238E27FC236}">
-                    <a16:creationId xmlns:a16="http://schemas.microsoft.com/office/drawing/2014/main" id="{7EB9ABD6-9951-4A41-A074-C7ECBCCC0F86}"/>
-                  </a:ext>
-                </a:extLst>
-              </p:cNvPr>
-              <p:cNvCxnSpPr>
-                <a:cxnSpLocks/>
-              </p:cNvCxnSpPr>
-              <p:nvPr/>
-            </p:nvCxnSpPr>
-            <p:spPr>
-              <a:xfrm>
-                <a:off x="2936943" y="4120563"/>
-                <a:ext cx="838103" cy="0"/>
-              </a:xfrm>
-              <a:prstGeom prst="line">
-                <a:avLst/>
-              </a:prstGeom>
-              <a:ln w="19050">
-                <a:solidFill>
-                  <a:schemeClr val="accent4">
-                    <a:lumMod val="75000"/>
-                  </a:schemeClr>
-                </a:solidFill>
-              </a:ln>
-            </p:spPr>
-            <p:style>
-              <a:lnRef idx="1">
-                <a:schemeClr val="accent1"/>
-              </a:lnRef>
-              <a:fillRef idx="0">
-                <a:schemeClr val="accent1"/>
-              </a:fillRef>
-              <a:effectRef idx="0">
-                <a:schemeClr val="accent1"/>
-              </a:effectRef>
-              <a:fontRef idx="minor">
-                <a:schemeClr val="tx1"/>
-              </a:fontRef>
-            </p:style>
-          </p:cxnSp>
-          <p:cxnSp>
-            <p:nvCxnSpPr>
-              <p:cNvPr id="105" name="Straight Connector 104">
-                <a:extLst>
-                  <a:ext uri="{FF2B5EF4-FFF2-40B4-BE49-F238E27FC236}">
-                    <a16:creationId xmlns:a16="http://schemas.microsoft.com/office/drawing/2014/main" id="{F55AD04F-CAD3-4F83-BA50-A7292CE93600}"/>
-                  </a:ext>
-                </a:extLst>
-              </p:cNvPr>
-              <p:cNvCxnSpPr>
-                <a:cxnSpLocks/>
-              </p:cNvCxnSpPr>
-              <p:nvPr/>
-            </p:nvCxnSpPr>
-            <p:spPr>
-              <a:xfrm>
-                <a:off x="3439486" y="4120563"/>
-                <a:ext cx="407178" cy="0"/>
-              </a:xfrm>
-              <a:prstGeom prst="line">
-                <a:avLst/>
-              </a:prstGeom>
-              <a:ln w="76200">
-                <a:solidFill>
-                  <a:schemeClr val="accent4">
-                    <a:lumMod val="60000"/>
-                    <a:lumOff val="40000"/>
-                  </a:schemeClr>
-                </a:solidFill>
-              </a:ln>
-            </p:spPr>
-            <p:style>
-              <a:lnRef idx="1">
-                <a:schemeClr val="accent1"/>
-              </a:lnRef>
-              <a:fillRef idx="0">
-                <a:schemeClr val="accent1"/>
-              </a:fillRef>
-              <a:effectRef idx="0">
-                <a:schemeClr val="accent1"/>
-              </a:effectRef>
-              <a:fontRef idx="minor">
-                <a:schemeClr val="tx1"/>
-              </a:fontRef>
-            </p:style>
-          </p:cxnSp>
-        </p:grpSp>
-        <p:grpSp>
-          <p:nvGrpSpPr>
-            <p:cNvPr id="90" name="Group 89">
-              <a:extLst>
-                <a:ext uri="{FF2B5EF4-FFF2-40B4-BE49-F238E27FC236}">
-                  <a16:creationId xmlns:a16="http://schemas.microsoft.com/office/drawing/2014/main" id="{9ABBE902-0ED3-4099-A914-2880831EB950}"/>
-                </a:ext>
-              </a:extLst>
-            </p:cNvPr>
-            <p:cNvGrpSpPr/>
-            <p:nvPr/>
-          </p:nvGrpSpPr>
-          <p:grpSpPr>
-            <a:xfrm>
-              <a:off x="3926578" y="4304882"/>
-              <a:ext cx="1109606" cy="0"/>
-              <a:chOff x="2936943" y="4120563"/>
-              <a:chExt cx="909721" cy="0"/>
-            </a:xfrm>
-          </p:grpSpPr>
-          <p:cxnSp>
-            <p:nvCxnSpPr>
-              <p:cNvPr id="102" name="Straight Connector 101">
-                <a:extLst>
-                  <a:ext uri="{FF2B5EF4-FFF2-40B4-BE49-F238E27FC236}">
-                    <a16:creationId xmlns:a16="http://schemas.microsoft.com/office/drawing/2014/main" id="{D87E2ABF-A5F4-4E03-8271-332D309AA24C}"/>
-                  </a:ext>
-                </a:extLst>
-              </p:cNvPr>
-              <p:cNvCxnSpPr>
-                <a:cxnSpLocks/>
-              </p:cNvCxnSpPr>
-              <p:nvPr/>
-            </p:nvCxnSpPr>
-            <p:spPr>
-              <a:xfrm>
-                <a:off x="2936943" y="4120563"/>
-                <a:ext cx="838103" cy="0"/>
-              </a:xfrm>
-              <a:prstGeom prst="line">
-                <a:avLst/>
-              </a:prstGeom>
-              <a:ln w="19050">
-                <a:solidFill>
-                  <a:schemeClr val="accent4">
-                    <a:lumMod val="75000"/>
-                  </a:schemeClr>
-                </a:solidFill>
-              </a:ln>
-            </p:spPr>
-            <p:style>
-              <a:lnRef idx="1">
-                <a:schemeClr val="accent1"/>
-              </a:lnRef>
-              <a:fillRef idx="0">
-                <a:schemeClr val="accent1"/>
-              </a:fillRef>
-              <a:effectRef idx="0">
-                <a:schemeClr val="accent1"/>
-              </a:effectRef>
-              <a:fontRef idx="minor">
-                <a:schemeClr val="tx1"/>
-              </a:fontRef>
-            </p:style>
-          </p:cxnSp>
-          <p:cxnSp>
-            <p:nvCxnSpPr>
-              <p:cNvPr id="103" name="Straight Connector 102">
-                <a:extLst>
-                  <a:ext uri="{FF2B5EF4-FFF2-40B4-BE49-F238E27FC236}">
-                    <a16:creationId xmlns:a16="http://schemas.microsoft.com/office/drawing/2014/main" id="{8714D043-F2C3-4804-9B21-BDCA664EB790}"/>
-                  </a:ext>
-                </a:extLst>
-              </p:cNvPr>
-              <p:cNvCxnSpPr>
-                <a:cxnSpLocks/>
-              </p:cNvCxnSpPr>
-              <p:nvPr/>
-            </p:nvCxnSpPr>
-            <p:spPr>
-              <a:xfrm>
-                <a:off x="3439486" y="4120563"/>
-                <a:ext cx="407178" cy="0"/>
-              </a:xfrm>
-              <a:prstGeom prst="line">
-                <a:avLst/>
-              </a:prstGeom>
-              <a:ln w="76200">
-                <a:solidFill>
-                  <a:schemeClr val="accent4">
-                    <a:lumMod val="60000"/>
-                    <a:lumOff val="40000"/>
-                  </a:schemeClr>
-                </a:solidFill>
-              </a:ln>
-            </p:spPr>
-            <p:style>
-              <a:lnRef idx="1">
-                <a:schemeClr val="accent1"/>
-              </a:lnRef>
-              <a:fillRef idx="0">
-                <a:schemeClr val="accent1"/>
-              </a:fillRef>
-              <a:effectRef idx="0">
-                <a:schemeClr val="accent1"/>
-              </a:effectRef>
-              <a:fontRef idx="minor">
-                <a:schemeClr val="tx1"/>
-              </a:fontRef>
-            </p:style>
-          </p:cxnSp>
-        </p:grpSp>
-        <p:grpSp>
-          <p:nvGrpSpPr>
-            <p:cNvPr id="91" name="Group 90">
-              <a:extLst>
-                <a:ext uri="{FF2B5EF4-FFF2-40B4-BE49-F238E27FC236}">
-                  <a16:creationId xmlns:a16="http://schemas.microsoft.com/office/drawing/2014/main" id="{98A7F558-8344-4564-923D-883DED623756}"/>
-                </a:ext>
-              </a:extLst>
-            </p:cNvPr>
-            <p:cNvGrpSpPr/>
-            <p:nvPr/>
-          </p:nvGrpSpPr>
-          <p:grpSpPr>
-            <a:xfrm>
-              <a:off x="3926578" y="4472610"/>
-              <a:ext cx="1109606" cy="0"/>
-              <a:chOff x="2936943" y="4120563"/>
-              <a:chExt cx="909721" cy="0"/>
-            </a:xfrm>
-          </p:grpSpPr>
-          <p:cxnSp>
-            <p:nvCxnSpPr>
-              <p:cNvPr id="100" name="Straight Connector 99">
-                <a:extLst>
-                  <a:ext uri="{FF2B5EF4-FFF2-40B4-BE49-F238E27FC236}">
-                    <a16:creationId xmlns:a16="http://schemas.microsoft.com/office/drawing/2014/main" id="{97298F6C-578D-47B4-A569-8CC00BF6AA86}"/>
-                  </a:ext>
-                </a:extLst>
-              </p:cNvPr>
-              <p:cNvCxnSpPr>
-                <a:cxnSpLocks/>
-              </p:cNvCxnSpPr>
-              <p:nvPr/>
-            </p:nvCxnSpPr>
-            <p:spPr>
-              <a:xfrm>
-                <a:off x="2936943" y="4120563"/>
-                <a:ext cx="838103" cy="0"/>
-              </a:xfrm>
-              <a:prstGeom prst="line">
-                <a:avLst/>
-              </a:prstGeom>
-              <a:ln w="19050">
-                <a:solidFill>
-                  <a:schemeClr val="accent4">
-                    <a:lumMod val="75000"/>
-                  </a:schemeClr>
-                </a:solidFill>
-              </a:ln>
-            </p:spPr>
-            <p:style>
-              <a:lnRef idx="1">
-                <a:schemeClr val="accent1"/>
-              </a:lnRef>
-              <a:fillRef idx="0">
-                <a:schemeClr val="accent1"/>
-              </a:fillRef>
-              <a:effectRef idx="0">
-                <a:schemeClr val="accent1"/>
-              </a:effectRef>
-              <a:fontRef idx="minor">
-                <a:schemeClr val="tx1"/>
-              </a:fontRef>
-            </p:style>
-          </p:cxnSp>
-          <p:cxnSp>
-            <p:nvCxnSpPr>
-              <p:cNvPr id="101" name="Straight Connector 100">
-                <a:extLst>
-                  <a:ext uri="{FF2B5EF4-FFF2-40B4-BE49-F238E27FC236}">
-                    <a16:creationId xmlns:a16="http://schemas.microsoft.com/office/drawing/2014/main" id="{818F89C9-589A-468D-B4F2-10D68E7CB082}"/>
-                  </a:ext>
-                </a:extLst>
-              </p:cNvPr>
-              <p:cNvCxnSpPr>
-                <a:cxnSpLocks/>
-              </p:cNvCxnSpPr>
-              <p:nvPr/>
-            </p:nvCxnSpPr>
-            <p:spPr>
-              <a:xfrm>
-                <a:off x="3439486" y="4120563"/>
-                <a:ext cx="407178" cy="0"/>
-              </a:xfrm>
-              <a:prstGeom prst="line">
-                <a:avLst/>
-              </a:prstGeom>
-              <a:ln w="76200">
-                <a:solidFill>
-                  <a:schemeClr val="accent4">
-                    <a:lumMod val="60000"/>
-                    <a:lumOff val="40000"/>
-                  </a:schemeClr>
-                </a:solidFill>
-              </a:ln>
-            </p:spPr>
-            <p:style>
-              <a:lnRef idx="1">
-                <a:schemeClr val="accent1"/>
-              </a:lnRef>
-              <a:fillRef idx="0">
-                <a:schemeClr val="accent1"/>
-              </a:fillRef>
-              <a:effectRef idx="0">
-                <a:schemeClr val="accent1"/>
-              </a:effectRef>
-              <a:fontRef idx="minor">
-                <a:schemeClr val="tx1"/>
-              </a:fontRef>
-            </p:style>
-          </p:cxnSp>
-        </p:grpSp>
-        <p:sp>
-          <p:nvSpPr>
-            <p:cNvPr id="92" name="Oval 91">
-              <a:extLst>
-                <a:ext uri="{FF2B5EF4-FFF2-40B4-BE49-F238E27FC236}">
-                  <a16:creationId xmlns:a16="http://schemas.microsoft.com/office/drawing/2014/main" id="{3F15BF8B-B809-425A-A98A-B2A1529DE69D}"/>
-                </a:ext>
-              </a:extLst>
-            </p:cNvPr>
-            <p:cNvSpPr/>
-            <p:nvPr/>
-          </p:nvSpPr>
-          <p:spPr>
-            <a:xfrm>
-              <a:off x="3926578" y="5460456"/>
-              <a:ext cx="104204" cy="128671"/>
-            </a:xfrm>
-            <a:prstGeom prst="ellipse">
-              <a:avLst/>
-            </a:prstGeom>
-            <a:solidFill>
-              <a:schemeClr val="accent4">
-                <a:lumMod val="75000"/>
-              </a:schemeClr>
-            </a:solidFill>
-            <a:ln>
-              <a:solidFill>
-                <a:schemeClr val="accent4">
-                  <a:lumMod val="50000"/>
-                </a:schemeClr>
-              </a:solidFill>
-            </a:ln>
-          </p:spPr>
-          <p:style>
-            <a:lnRef idx="2">
-              <a:schemeClr val="accent1">
-                <a:shade val="50000"/>
-              </a:schemeClr>
-            </a:lnRef>
-            <a:fillRef idx="1">
-              <a:schemeClr val="accent1"/>
-            </a:fillRef>
-            <a:effectRef idx="0">
-              <a:schemeClr val="accent1"/>
-            </a:effectRef>
-            <a:fontRef idx="minor">
-              <a:schemeClr val="lt1"/>
-            </a:fontRef>
-          </p:style>
-          <p:txBody>
-            <a:bodyPr rtlCol="0" anchor="ctr"/>
-            <a:lstStyle/>
-            <a:p>
-              <a:pPr algn="ctr"/>
-              <a:endParaRPr lang="en-US" sz="1765"/>
-            </a:p>
-          </p:txBody>
-        </p:sp>
-        <p:grpSp>
-          <p:nvGrpSpPr>
-            <p:cNvPr id="93" name="Group 92">
-              <a:extLst>
-                <a:ext uri="{FF2B5EF4-FFF2-40B4-BE49-F238E27FC236}">
-                  <a16:creationId xmlns:a16="http://schemas.microsoft.com/office/drawing/2014/main" id="{1F82E038-5541-41C8-971E-14CF6CA57101}"/>
-                </a:ext>
-              </a:extLst>
-            </p:cNvPr>
-            <p:cNvGrpSpPr/>
-            <p:nvPr/>
-          </p:nvGrpSpPr>
-          <p:grpSpPr>
-            <a:xfrm>
-              <a:off x="4275647" y="4623556"/>
-              <a:ext cx="1022252" cy="1416030"/>
-              <a:chOff x="4348386" y="4719957"/>
-              <a:chExt cx="1022252" cy="1416030"/>
-            </a:xfrm>
-          </p:grpSpPr>
-          <p:sp>
-            <p:nvSpPr>
-              <p:cNvPr id="94" name="Rounded Rectangle 30">
-                <a:extLst>
-                  <a:ext uri="{FF2B5EF4-FFF2-40B4-BE49-F238E27FC236}">
-                    <a16:creationId xmlns:a16="http://schemas.microsoft.com/office/drawing/2014/main" id="{89F987F1-4FCE-4694-84B9-7EA85E281F19}"/>
-                  </a:ext>
-                </a:extLst>
-              </p:cNvPr>
-              <p:cNvSpPr/>
-              <p:nvPr/>
-            </p:nvSpPr>
-            <p:spPr>
-              <a:xfrm>
-                <a:off x="4348386" y="4720869"/>
-                <a:ext cx="1022252" cy="1415118"/>
-              </a:xfrm>
-              <a:prstGeom prst="roundRect">
-                <a:avLst/>
-              </a:prstGeom>
-              <a:solidFill>
-                <a:schemeClr val="accent5"/>
-              </a:solidFill>
-            </p:spPr>
-            <p:style>
-              <a:lnRef idx="2">
-                <a:schemeClr val="accent1">
-                  <a:shade val="50000"/>
-                </a:schemeClr>
-              </a:lnRef>
-              <a:fillRef idx="1">
-                <a:schemeClr val="accent1"/>
-              </a:fillRef>
-              <a:effectRef idx="0">
-                <a:schemeClr val="accent1"/>
-              </a:effectRef>
-              <a:fontRef idx="minor">
-                <a:schemeClr val="lt1"/>
-              </a:fontRef>
-            </p:style>
-            <p:txBody>
-              <a:bodyPr rtlCol="0" anchor="ctr"/>
-              <a:lstStyle/>
-              <a:p>
-                <a:pPr algn="ctr" defTabSz="896386">
-                  <a:defRPr/>
-                </a:pPr>
-                <a:endParaRPr lang="en-US" sz="1176" kern="0">
-                  <a:solidFill>
-                    <a:sysClr val="windowText" lastClr="000000"/>
-                  </a:solidFill>
-                </a:endParaRPr>
-              </a:p>
-            </p:txBody>
-          </p:sp>
-          <p:sp>
-            <p:nvSpPr>
-              <p:cNvPr id="95" name="Rectangle 94">
-                <a:extLst>
-                  <a:ext uri="{FF2B5EF4-FFF2-40B4-BE49-F238E27FC236}">
-                    <a16:creationId xmlns:a16="http://schemas.microsoft.com/office/drawing/2014/main" id="{E2EA337F-1BB5-4FE3-9D38-EB59AC41EDB0}"/>
-                  </a:ext>
-                </a:extLst>
-              </p:cNvPr>
-              <p:cNvSpPr/>
-              <p:nvPr/>
-            </p:nvSpPr>
-            <p:spPr>
-              <a:xfrm>
-                <a:off x="4434210" y="4961516"/>
-                <a:ext cx="850605" cy="253916"/>
-              </a:xfrm>
-              <a:prstGeom prst="rect">
-                <a:avLst/>
-              </a:prstGeom>
-              <a:solidFill>
-                <a:schemeClr val="accent4">
-                  <a:lumMod val="20000"/>
-                  <a:lumOff val="80000"/>
-                </a:schemeClr>
-              </a:solidFill>
-            </p:spPr>
-            <p:style>
-              <a:lnRef idx="1">
-                <a:schemeClr val="accent1"/>
-              </a:lnRef>
-              <a:fillRef idx="2">
-                <a:schemeClr val="accent1"/>
-              </a:fillRef>
-              <a:effectRef idx="1">
-                <a:schemeClr val="accent1"/>
-              </a:effectRef>
-              <a:fontRef idx="minor">
-                <a:schemeClr val="dk1"/>
-              </a:fontRef>
-            </p:style>
-            <p:txBody>
-              <a:bodyPr wrap="square" lIns="67232" tIns="33616" rIns="67232" bIns="33616">
-                <a:spAutoFit/>
-              </a:bodyPr>
-              <a:lstStyle/>
-              <a:p>
-                <a:pPr algn="ctr" defTabSz="672290">
-                  <a:defRPr/>
-                </a:pPr>
-                <a:r>
-                  <a:rPr lang="en-US" sz="1176" b="1" kern="0" dirty="0">
-                    <a:ln w="1905"/>
-                    <a:solidFill>
-                      <a:srgbClr val="1F497D">
-                        <a:lumMod val="75000"/>
-                      </a:srgbClr>
-                    </a:solidFill>
-                    <a:effectLst>
-                      <a:innerShdw blurRad="69850" dist="43180" dir="5400000">
-                        <a:srgbClr val="000000">
-                          <a:alpha val="65000"/>
-                        </a:srgbClr>
-                      </a:innerShdw>
-                    </a:effectLst>
-                    <a:latin typeface="Calibri" panose="020F0502020204030204" pitchFamily="34" charset="0"/>
-                  </a:rPr>
-                  <a:t>Data Row</a:t>
-                </a:r>
-                <a:endParaRPr lang="en-US" sz="1176" b="1" kern="0" dirty="0">
-                  <a:ln w="1905"/>
-                  <a:solidFill>
-                    <a:srgbClr val="1F497D">
-                      <a:lumMod val="60000"/>
-                      <a:lumOff val="40000"/>
-                    </a:srgbClr>
-                  </a:solidFill>
-                  <a:effectLst>
-                    <a:innerShdw blurRad="69850" dist="43180" dir="5400000">
-                      <a:srgbClr val="000000">
-                        <a:alpha val="65000"/>
-                      </a:srgbClr>
-                    </a:innerShdw>
-                  </a:effectLst>
-                  <a:latin typeface="Calibri" panose="020F0502020204030204" pitchFamily="34" charset="0"/>
-                </a:endParaRPr>
-              </a:p>
-            </p:txBody>
-          </p:sp>
-          <p:sp>
-            <p:nvSpPr>
-              <p:cNvPr id="96" name="Rectangle 95">
-                <a:extLst>
-                  <a:ext uri="{FF2B5EF4-FFF2-40B4-BE49-F238E27FC236}">
-                    <a16:creationId xmlns:a16="http://schemas.microsoft.com/office/drawing/2014/main" id="{6A2C61E3-BBCA-42E5-9469-9491138D78CB}"/>
-                  </a:ext>
-                </a:extLst>
-              </p:cNvPr>
-              <p:cNvSpPr/>
-              <p:nvPr/>
-            </p:nvSpPr>
-            <p:spPr>
-              <a:xfrm>
-                <a:off x="4434210" y="5243450"/>
-                <a:ext cx="850605" cy="253916"/>
-              </a:xfrm>
-              <a:prstGeom prst="rect">
-                <a:avLst/>
-              </a:prstGeom>
-              <a:solidFill>
-                <a:schemeClr val="accent4">
-                  <a:lumMod val="20000"/>
-                  <a:lumOff val="80000"/>
-                </a:schemeClr>
-              </a:solidFill>
-            </p:spPr>
-            <p:style>
-              <a:lnRef idx="1">
-                <a:schemeClr val="accent1"/>
-              </a:lnRef>
-              <a:fillRef idx="2">
-                <a:schemeClr val="accent1"/>
-              </a:fillRef>
-              <a:effectRef idx="1">
-                <a:schemeClr val="accent1"/>
-              </a:effectRef>
-              <a:fontRef idx="minor">
-                <a:schemeClr val="dk1"/>
-              </a:fontRef>
-            </p:style>
-            <p:txBody>
-              <a:bodyPr wrap="square" lIns="67232" tIns="33616" rIns="67232" bIns="33616">
-                <a:spAutoFit/>
-              </a:bodyPr>
-              <a:lstStyle/>
-              <a:p>
-                <a:pPr algn="ctr" defTabSz="672290">
-                  <a:defRPr/>
-                </a:pPr>
-                <a:r>
-                  <a:rPr lang="en-US" sz="1176" b="1" kern="0" dirty="0">
-                    <a:ln w="1905"/>
-                    <a:solidFill>
-                      <a:srgbClr val="1F497D">
-                        <a:lumMod val="75000"/>
-                      </a:srgbClr>
-                    </a:solidFill>
-                    <a:effectLst>
-                      <a:innerShdw blurRad="69850" dist="43180" dir="5400000">
-                        <a:srgbClr val="000000">
-                          <a:alpha val="65000"/>
-                        </a:srgbClr>
-                      </a:innerShdw>
-                    </a:effectLst>
-                    <a:latin typeface="Calibri" panose="020F0502020204030204" pitchFamily="34" charset="0"/>
-                  </a:rPr>
-                  <a:t>Data Row</a:t>
-                </a:r>
-                <a:endParaRPr lang="en-US" sz="1176" b="1" kern="0" dirty="0">
-                  <a:ln w="1905"/>
-                  <a:solidFill>
-                    <a:srgbClr val="1F497D">
-                      <a:lumMod val="60000"/>
-                      <a:lumOff val="40000"/>
-                    </a:srgbClr>
-                  </a:solidFill>
-                  <a:effectLst>
-                    <a:innerShdw blurRad="69850" dist="43180" dir="5400000">
-                      <a:srgbClr val="000000">
-                        <a:alpha val="65000"/>
-                      </a:srgbClr>
-                    </a:innerShdw>
-                  </a:effectLst>
-                  <a:latin typeface="Calibri" panose="020F0502020204030204" pitchFamily="34" charset="0"/>
-                </a:endParaRPr>
-              </a:p>
-            </p:txBody>
-          </p:sp>
-          <p:sp>
-            <p:nvSpPr>
-              <p:cNvPr id="97" name="Rectangle 96">
-                <a:extLst>
-                  <a:ext uri="{FF2B5EF4-FFF2-40B4-BE49-F238E27FC236}">
-                    <a16:creationId xmlns:a16="http://schemas.microsoft.com/office/drawing/2014/main" id="{1B56A7F7-ED2A-4016-942E-9E56F0BA47D5}"/>
-                  </a:ext>
-                </a:extLst>
-              </p:cNvPr>
-              <p:cNvSpPr/>
-              <p:nvPr/>
-            </p:nvSpPr>
-            <p:spPr>
-              <a:xfrm>
-                <a:off x="4434210" y="5807319"/>
-                <a:ext cx="850605" cy="253916"/>
-              </a:xfrm>
-              <a:prstGeom prst="rect">
-                <a:avLst/>
-              </a:prstGeom>
-              <a:solidFill>
-                <a:schemeClr val="accent4">
-                  <a:lumMod val="20000"/>
-                  <a:lumOff val="80000"/>
-                </a:schemeClr>
-              </a:solidFill>
-            </p:spPr>
-            <p:style>
-              <a:lnRef idx="1">
-                <a:schemeClr val="accent1"/>
-              </a:lnRef>
-              <a:fillRef idx="2">
-                <a:schemeClr val="accent1"/>
-              </a:fillRef>
-              <a:effectRef idx="1">
-                <a:schemeClr val="accent1"/>
-              </a:effectRef>
-              <a:fontRef idx="minor">
-                <a:schemeClr val="dk1"/>
-              </a:fontRef>
-            </p:style>
-            <p:txBody>
-              <a:bodyPr wrap="square" lIns="67232" tIns="33616" rIns="67232" bIns="33616">
-                <a:spAutoFit/>
-              </a:bodyPr>
-              <a:lstStyle/>
-              <a:p>
-                <a:pPr algn="ctr" defTabSz="672290">
-                  <a:defRPr/>
-                </a:pPr>
-                <a:r>
-                  <a:rPr lang="en-US" sz="1176" b="1" kern="0" dirty="0">
-                    <a:ln w="1905"/>
-                    <a:solidFill>
-                      <a:srgbClr val="1F497D">
-                        <a:lumMod val="75000"/>
-                      </a:srgbClr>
-                    </a:solidFill>
-                    <a:effectLst>
-                      <a:innerShdw blurRad="69850" dist="43180" dir="5400000">
-                        <a:srgbClr val="000000">
-                          <a:alpha val="65000"/>
-                        </a:srgbClr>
-                      </a:innerShdw>
-                    </a:effectLst>
-                    <a:latin typeface="Calibri" panose="020F0502020204030204" pitchFamily="34" charset="0"/>
-                  </a:rPr>
-                  <a:t>Free Space</a:t>
-                </a:r>
-                <a:endParaRPr lang="en-US" sz="1176" b="1" kern="0" dirty="0">
-                  <a:ln w="1905"/>
-                  <a:solidFill>
-                    <a:srgbClr val="1F497D">
-                      <a:lumMod val="60000"/>
-                      <a:lumOff val="40000"/>
-                    </a:srgbClr>
-                  </a:solidFill>
-                  <a:effectLst>
-                    <a:innerShdw blurRad="69850" dist="43180" dir="5400000">
-                      <a:srgbClr val="000000">
-                        <a:alpha val="65000"/>
-                      </a:srgbClr>
-                    </a:innerShdw>
-                  </a:effectLst>
-                  <a:latin typeface="Calibri" panose="020F0502020204030204" pitchFamily="34" charset="0"/>
-                </a:endParaRPr>
-              </a:p>
-            </p:txBody>
-          </p:sp>
-          <p:sp>
-            <p:nvSpPr>
-              <p:cNvPr id="98" name="Rectangle 97">
-                <a:extLst>
-                  <a:ext uri="{FF2B5EF4-FFF2-40B4-BE49-F238E27FC236}">
-                    <a16:creationId xmlns:a16="http://schemas.microsoft.com/office/drawing/2014/main" id="{0A3109DB-5399-4098-9C6D-2FB570B85331}"/>
-                  </a:ext>
-                </a:extLst>
-              </p:cNvPr>
-              <p:cNvSpPr/>
-              <p:nvPr/>
-            </p:nvSpPr>
-            <p:spPr>
-              <a:xfrm>
-                <a:off x="4434210" y="5525384"/>
-                <a:ext cx="850605" cy="253916"/>
-              </a:xfrm>
-              <a:prstGeom prst="rect">
-                <a:avLst/>
-              </a:prstGeom>
-              <a:solidFill>
-                <a:schemeClr val="accent4">
-                  <a:lumMod val="20000"/>
-                  <a:lumOff val="80000"/>
-                </a:schemeClr>
-              </a:solidFill>
-            </p:spPr>
-            <p:style>
-              <a:lnRef idx="1">
-                <a:schemeClr val="accent1"/>
-              </a:lnRef>
-              <a:fillRef idx="2">
-                <a:schemeClr val="accent1"/>
-              </a:fillRef>
-              <a:effectRef idx="1">
-                <a:schemeClr val="accent1"/>
-              </a:effectRef>
-              <a:fontRef idx="minor">
-                <a:schemeClr val="dk1"/>
-              </a:fontRef>
-            </p:style>
-            <p:txBody>
-              <a:bodyPr wrap="square" lIns="67232" tIns="33616" rIns="67232" bIns="33616">
-                <a:spAutoFit/>
-              </a:bodyPr>
-              <a:lstStyle/>
-              <a:p>
-                <a:pPr algn="ctr" defTabSz="672290">
-                  <a:defRPr/>
-                </a:pPr>
-                <a:r>
-                  <a:rPr lang="en-US" sz="1176" b="1" kern="0" dirty="0">
-                    <a:ln w="1905"/>
-                    <a:solidFill>
-                      <a:srgbClr val="1F497D">
-                        <a:lumMod val="75000"/>
-                      </a:srgbClr>
-                    </a:solidFill>
-                    <a:effectLst>
-                      <a:innerShdw blurRad="69850" dist="43180" dir="5400000">
-                        <a:srgbClr val="000000">
-                          <a:alpha val="65000"/>
-                        </a:srgbClr>
-                      </a:innerShdw>
-                    </a:effectLst>
-                    <a:latin typeface="Calibri" panose="020F0502020204030204" pitchFamily="34" charset="0"/>
-                  </a:rPr>
-                  <a:t>Data Row</a:t>
-                </a:r>
-                <a:endParaRPr lang="en-US" sz="1176" b="1" kern="0" dirty="0">
-                  <a:ln w="1905"/>
-                  <a:solidFill>
-                    <a:srgbClr val="1F497D">
-                      <a:lumMod val="60000"/>
-                      <a:lumOff val="40000"/>
-                    </a:srgbClr>
-                  </a:solidFill>
-                  <a:effectLst>
-                    <a:innerShdw blurRad="69850" dist="43180" dir="5400000">
-                      <a:srgbClr val="000000">
-                        <a:alpha val="65000"/>
-                      </a:srgbClr>
-                    </a:innerShdw>
-                  </a:effectLst>
-                  <a:latin typeface="Calibri" panose="020F0502020204030204" pitchFamily="34" charset="0"/>
-                </a:endParaRPr>
-              </a:p>
-            </p:txBody>
-          </p:sp>
-          <p:sp>
-            <p:nvSpPr>
-              <p:cNvPr id="99" name="TextBox 98">
-                <a:extLst>
-                  <a:ext uri="{FF2B5EF4-FFF2-40B4-BE49-F238E27FC236}">
-                    <a16:creationId xmlns:a16="http://schemas.microsoft.com/office/drawing/2014/main" id="{3A7A1E1F-3013-4443-A200-321338B73C8D}"/>
-                  </a:ext>
-                </a:extLst>
-              </p:cNvPr>
-              <p:cNvSpPr txBox="1"/>
-              <p:nvPr/>
-            </p:nvSpPr>
-            <p:spPr>
-              <a:xfrm>
-                <a:off x="4495466" y="4719957"/>
-                <a:ext cx="810607" cy="246221"/>
-              </a:xfrm>
-              <a:prstGeom prst="rect">
-                <a:avLst/>
-              </a:prstGeom>
-              <a:noFill/>
-            </p:spPr>
-            <p:txBody>
-              <a:bodyPr wrap="square" rtlCol="0">
-                <a:spAutoFit/>
-              </a:bodyPr>
-              <a:lstStyle/>
-              <a:p>
-                <a:r>
-                  <a:rPr lang="en-US" sz="980" dirty="0">
-                    <a:solidFill>
-                      <a:schemeClr val="bg1"/>
-                    </a:solidFill>
-                  </a:rPr>
-                  <a:t>Data Page</a:t>
-                </a:r>
-              </a:p>
-            </p:txBody>
-          </p:sp>
-        </p:grpSp>
-      </p:grpSp>
     </p:spTree>
     <p:extLst>
       <p:ext uri="{BB962C8B-B14F-4D97-AF65-F5344CB8AC3E}">
-        <p14:creationId xmlns:p14="http://schemas.microsoft.com/office/powerpoint/2010/main" val="1390699326"/>
+        <p14:creationId xmlns:p14="http://schemas.microsoft.com/office/powerpoint/2010/main" val="656543458"/>
       </p:ext>
     </p:extLst>
   </p:cSld>
@@ -11018,6 +10141,622 @@
 </file>
 
 <file path=ppt/slides/slide4.xml><?xml version="1.0" encoding="utf-8"?>
+<p:sld xmlns:a="http://schemas.openxmlformats.org/drawingml/2006/main" xmlns:r="http://schemas.openxmlformats.org/officeDocument/2006/relationships" xmlns:p="http://schemas.openxmlformats.org/presentationml/2006/main">
+  <p:cSld>
+    <p:spTree>
+      <p:nvGrpSpPr>
+        <p:cNvPr id="1" name=""/>
+        <p:cNvGrpSpPr/>
+        <p:nvPr/>
+      </p:nvGrpSpPr>
+      <p:grpSpPr>
+        <a:xfrm>
+          <a:off x="0" y="0"/>
+          <a:ext cx="0" cy="0"/>
+          <a:chOff x="0" y="0"/>
+          <a:chExt cx="0" cy="0"/>
+        </a:xfrm>
+      </p:grpSpPr>
+      <p:sp>
+        <p:nvSpPr>
+          <p:cNvPr id="13" name="Title 3">
+            <a:extLst>
+              <a:ext uri="{FF2B5EF4-FFF2-40B4-BE49-F238E27FC236}">
+                <a16:creationId xmlns:a16="http://schemas.microsoft.com/office/drawing/2014/main" id="{801D87DF-ECCF-413F-857F-FA7562D70F05}"/>
+              </a:ext>
+            </a:extLst>
+          </p:cNvPr>
+          <p:cNvSpPr txBox="1">
+            <a:spLocks/>
+          </p:cNvSpPr>
+          <p:nvPr/>
+        </p:nvSpPr>
+        <p:spPr>
+          <a:xfrm>
+            <a:off x="283545" y="216812"/>
+            <a:ext cx="11655840" cy="899537"/>
+          </a:xfrm>
+          <a:prstGeom prst="rect">
+            <a:avLst/>
+          </a:prstGeom>
+        </p:spPr>
+        <p:txBody>
+          <a:bodyPr vert="horz" wrap="square" lIns="143428" tIns="89642" rIns="143428" bIns="89642" rtlCol="0" anchor="t">
+            <a:noAutofit/>
+          </a:bodyPr>
+          <a:lstStyle>
+            <a:lvl1pPr algn="l" defTabSz="932742" rtl="0" eaLnBrk="1" latinLnBrk="0" hangingPunct="1">
+              <a:lnSpc>
+                <a:spcPct val="90000"/>
+              </a:lnSpc>
+              <a:spcBef>
+                <a:spcPct val="0"/>
+              </a:spcBef>
+              <a:buNone/>
+              <a:defRPr lang="en-US" sz="4800" b="0" kern="1200" cap="none" spc="-102" baseline="0" dirty="0" smtClean="0">
+                <a:ln w="3175">
+                  <a:noFill/>
+                </a:ln>
+                <a:solidFill>
+                  <a:srgbClr val="0078D7"/>
+                </a:solidFill>
+                <a:effectLst/>
+                <a:latin typeface="+mj-lt"/>
+                <a:ea typeface="+mn-ea"/>
+                <a:cs typeface="Segoe UI" pitchFamily="34" charset="0"/>
+              </a:defRPr>
+            </a:lvl1pPr>
+          </a:lstStyle>
+          <a:p>
+            <a:pPr defTabSz="914367">
+              <a:defRPr/>
+            </a:pPr>
+            <a:r>
+              <a:rPr lang="en-US" sz="3600" spc="0" dirty="0">
+                <a:ln>
+                  <a:noFill/>
+                </a:ln>
+                <a:solidFill>
+                  <a:schemeClr val="accent4">
+                    <a:lumMod val="75000"/>
+                  </a:schemeClr>
+                </a:solidFill>
+                <a:ea typeface="+mj-ea"/>
+                <a:cs typeface="Segoe UI Light"/>
+              </a:rPr>
+              <a:t>Transactions must pass the ACID test</a:t>
+            </a:r>
+          </a:p>
+        </p:txBody>
+      </p:sp>
+      <p:sp>
+        <p:nvSpPr>
+          <p:cNvPr id="4" name="Rounded Rectangle 3">
+            <a:extLst>
+              <a:ext uri="{FF2B5EF4-FFF2-40B4-BE49-F238E27FC236}">
+                <a16:creationId xmlns:a16="http://schemas.microsoft.com/office/drawing/2014/main" id="{60145C88-8088-46AA-BEC9-FA0BA2785AF4}"/>
+              </a:ext>
+            </a:extLst>
+          </p:cNvPr>
+          <p:cNvSpPr/>
+          <p:nvPr/>
+        </p:nvSpPr>
+        <p:spPr>
+          <a:xfrm>
+            <a:off x="1763280" y="1116349"/>
+            <a:ext cx="8665440" cy="5005039"/>
+          </a:xfrm>
+          <a:prstGeom prst="roundRect">
+            <a:avLst/>
+          </a:prstGeom>
+          <a:solidFill>
+            <a:schemeClr val="accent4">
+              <a:lumMod val="75000"/>
+            </a:schemeClr>
+          </a:solidFill>
+          <a:ln>
+            <a:solidFill>
+              <a:schemeClr val="accent4">
+                <a:lumMod val="75000"/>
+              </a:schemeClr>
+            </a:solidFill>
+          </a:ln>
+        </p:spPr>
+        <p:style>
+          <a:lnRef idx="2">
+            <a:schemeClr val="accent1">
+              <a:shade val="50000"/>
+            </a:schemeClr>
+          </a:lnRef>
+          <a:fillRef idx="1">
+            <a:schemeClr val="accent1"/>
+          </a:fillRef>
+          <a:effectRef idx="0">
+            <a:schemeClr val="accent1"/>
+          </a:effectRef>
+          <a:fontRef idx="minor">
+            <a:schemeClr val="lt1"/>
+          </a:fontRef>
+        </p:style>
+        <p:txBody>
+          <a:bodyPr rtlCol="0" anchor="ctr"/>
+          <a:lstStyle/>
+          <a:p>
+            <a:pPr algn="ctr"/>
+            <a:endParaRPr lang="en-US" sz="1765">
+              <a:solidFill>
+                <a:prstClr val="white"/>
+              </a:solidFill>
+            </a:endParaRPr>
+          </a:p>
+        </p:txBody>
+      </p:sp>
+      <p:sp>
+        <p:nvSpPr>
+          <p:cNvPr id="5" name="Rectangle 4">
+            <a:extLst>
+              <a:ext uri="{FF2B5EF4-FFF2-40B4-BE49-F238E27FC236}">
+                <a16:creationId xmlns:a16="http://schemas.microsoft.com/office/drawing/2014/main" id="{273D5F73-55E9-4532-B29C-5A92E60051AC}"/>
+              </a:ext>
+            </a:extLst>
+          </p:cNvPr>
+          <p:cNvSpPr/>
+          <p:nvPr/>
+        </p:nvSpPr>
+        <p:spPr>
+          <a:xfrm>
+            <a:off x="1981641" y="1629708"/>
+            <a:ext cx="8211480" cy="693970"/>
+          </a:xfrm>
+          <a:prstGeom prst="rect">
+            <a:avLst/>
+          </a:prstGeom>
+          <a:solidFill>
+            <a:schemeClr val="accent4">
+              <a:lumMod val="20000"/>
+              <a:lumOff val="80000"/>
+            </a:schemeClr>
+          </a:solidFill>
+        </p:spPr>
+        <p:style>
+          <a:lnRef idx="1">
+            <a:schemeClr val="accent1"/>
+          </a:lnRef>
+          <a:fillRef idx="2">
+            <a:schemeClr val="accent1"/>
+          </a:fillRef>
+          <a:effectRef idx="1">
+            <a:schemeClr val="accent1"/>
+          </a:effectRef>
+          <a:fontRef idx="minor">
+            <a:schemeClr val="dk1"/>
+          </a:fontRef>
+        </p:style>
+        <p:txBody>
+          <a:bodyPr wrap="square" lIns="89642" tIns="44821" rIns="89642" bIns="44821">
+            <a:spAutoFit/>
+          </a:bodyPr>
+          <a:lstStyle/>
+          <a:p>
+            <a:r>
+              <a:rPr lang="en-US" sz="3921" b="1" dirty="0">
+                <a:ln w="1905"/>
+                <a:solidFill>
+                  <a:srgbClr val="1F497D">
+                    <a:lumMod val="75000"/>
+                  </a:srgbClr>
+                </a:solidFill>
+                <a:effectLst>
+                  <a:innerShdw blurRad="69850" dist="43180" dir="5400000">
+                    <a:srgbClr val="000000">
+                      <a:alpha val="65000"/>
+                    </a:srgbClr>
+                  </a:innerShdw>
+                </a:effectLst>
+                <a:latin typeface="Arial Black" pitchFamily="34" charset="0"/>
+              </a:rPr>
+              <a:t>A</a:t>
+            </a:r>
+            <a:r>
+              <a:rPr lang="en-US" sz="3921" b="1" dirty="0">
+                <a:ln w="1905"/>
+                <a:solidFill>
+                  <a:srgbClr val="1F497D">
+                    <a:lumMod val="60000"/>
+                    <a:lumOff val="40000"/>
+                  </a:srgbClr>
+                </a:solidFill>
+                <a:effectLst>
+                  <a:innerShdw blurRad="69850" dist="43180" dir="5400000">
+                    <a:srgbClr val="000000">
+                      <a:alpha val="65000"/>
+                    </a:srgbClr>
+                  </a:innerShdw>
+                </a:effectLst>
+                <a:latin typeface="Arial Black" pitchFamily="34" charset="0"/>
+              </a:rPr>
+              <a:t>tomicity – </a:t>
+            </a:r>
+            <a:r>
+              <a:rPr lang="en-US" sz="3921" b="1" dirty="0">
+                <a:ln w="1905"/>
+                <a:solidFill>
+                  <a:prstClr val="black"/>
+                </a:solidFill>
+                <a:effectLst>
+                  <a:innerShdw blurRad="69850" dist="43180" dir="5400000">
+                    <a:srgbClr val="000000">
+                      <a:alpha val="65000"/>
+                    </a:srgbClr>
+                  </a:innerShdw>
+                </a:effectLst>
+                <a:latin typeface="Arial Black" pitchFamily="34" charset="0"/>
+              </a:rPr>
+              <a:t>All or Nothing</a:t>
+            </a:r>
+            <a:r>
+              <a:rPr lang="en-US" sz="3921" b="1" dirty="0">
+                <a:ln w="1905"/>
+                <a:solidFill>
+                  <a:srgbClr val="1F497D">
+                    <a:lumMod val="60000"/>
+                    <a:lumOff val="40000"/>
+                  </a:srgbClr>
+                </a:solidFill>
+                <a:effectLst>
+                  <a:innerShdw blurRad="69850" dist="43180" dir="5400000">
+                    <a:srgbClr val="000000">
+                      <a:alpha val="65000"/>
+                    </a:srgbClr>
+                  </a:innerShdw>
+                </a:effectLst>
+                <a:latin typeface="Arial Black" pitchFamily="34" charset="0"/>
+              </a:rPr>
+              <a:t> </a:t>
+            </a:r>
+          </a:p>
+        </p:txBody>
+      </p:sp>
+      <p:sp>
+        <p:nvSpPr>
+          <p:cNvPr id="6" name="Rectangle 5">
+            <a:extLst>
+              <a:ext uri="{FF2B5EF4-FFF2-40B4-BE49-F238E27FC236}">
+                <a16:creationId xmlns:a16="http://schemas.microsoft.com/office/drawing/2014/main" id="{C75951E2-3F7E-4D07-9E18-2B810C04F3AC}"/>
+              </a:ext>
+            </a:extLst>
+          </p:cNvPr>
+          <p:cNvSpPr/>
+          <p:nvPr/>
+        </p:nvSpPr>
+        <p:spPr>
+          <a:xfrm>
+            <a:off x="1964402" y="2671505"/>
+            <a:ext cx="8228720" cy="693970"/>
+          </a:xfrm>
+          <a:prstGeom prst="rect">
+            <a:avLst/>
+          </a:prstGeom>
+          <a:solidFill>
+            <a:schemeClr val="accent4">
+              <a:lumMod val="20000"/>
+              <a:lumOff val="80000"/>
+            </a:schemeClr>
+          </a:solidFill>
+        </p:spPr>
+        <p:style>
+          <a:lnRef idx="1">
+            <a:schemeClr val="accent1"/>
+          </a:lnRef>
+          <a:fillRef idx="2">
+            <a:schemeClr val="accent1"/>
+          </a:fillRef>
+          <a:effectRef idx="1">
+            <a:schemeClr val="accent1"/>
+          </a:effectRef>
+          <a:fontRef idx="minor">
+            <a:schemeClr val="dk1"/>
+          </a:fontRef>
+        </p:style>
+        <p:txBody>
+          <a:bodyPr wrap="square" lIns="89642" tIns="44821" rIns="89642" bIns="44821">
+            <a:spAutoFit/>
+          </a:bodyPr>
+          <a:lstStyle/>
+          <a:p>
+            <a:r>
+              <a:rPr lang="en-US" sz="3921" b="1" dirty="0">
+                <a:ln w="1905"/>
+                <a:solidFill>
+                  <a:srgbClr val="1F497D">
+                    <a:lumMod val="75000"/>
+                  </a:srgbClr>
+                </a:solidFill>
+                <a:effectLst>
+                  <a:innerShdw blurRad="69850" dist="43180" dir="5400000">
+                    <a:srgbClr val="000000">
+                      <a:alpha val="65000"/>
+                    </a:srgbClr>
+                  </a:innerShdw>
+                </a:effectLst>
+                <a:latin typeface="Arial Black" pitchFamily="34" charset="0"/>
+              </a:rPr>
+              <a:t>C</a:t>
+            </a:r>
+            <a:r>
+              <a:rPr lang="en-US" sz="3921" b="1" dirty="0">
+                <a:ln w="1905"/>
+                <a:solidFill>
+                  <a:srgbClr val="1F497D">
+                    <a:lumMod val="60000"/>
+                    <a:lumOff val="40000"/>
+                  </a:srgbClr>
+                </a:solidFill>
+                <a:effectLst>
+                  <a:innerShdw blurRad="69850" dist="43180" dir="5400000">
+                    <a:srgbClr val="000000">
+                      <a:alpha val="65000"/>
+                    </a:srgbClr>
+                  </a:innerShdw>
+                </a:effectLst>
+                <a:latin typeface="Arial Black" pitchFamily="34" charset="0"/>
+              </a:rPr>
+              <a:t>onsistent – </a:t>
+            </a:r>
+            <a:r>
+              <a:rPr lang="en-US" sz="3921" b="1" dirty="0">
+                <a:ln w="1905"/>
+                <a:solidFill>
+                  <a:prstClr val="black"/>
+                </a:solidFill>
+                <a:effectLst>
+                  <a:innerShdw blurRad="69850" dist="43180" dir="5400000">
+                    <a:srgbClr val="000000">
+                      <a:alpha val="65000"/>
+                    </a:srgbClr>
+                  </a:innerShdw>
+                </a:effectLst>
+                <a:latin typeface="Arial Black" pitchFamily="34" charset="0"/>
+              </a:rPr>
+              <a:t>Only valid data</a:t>
+            </a:r>
+          </a:p>
+        </p:txBody>
+      </p:sp>
+      <p:sp>
+        <p:nvSpPr>
+          <p:cNvPr id="7" name="Rectangle 6">
+            <a:extLst>
+              <a:ext uri="{FF2B5EF4-FFF2-40B4-BE49-F238E27FC236}">
+                <a16:creationId xmlns:a16="http://schemas.microsoft.com/office/drawing/2014/main" id="{BF48C84F-C769-4D43-85B8-4A0D05606662}"/>
+              </a:ext>
+            </a:extLst>
+          </p:cNvPr>
+          <p:cNvSpPr/>
+          <p:nvPr/>
+        </p:nvSpPr>
+        <p:spPr>
+          <a:xfrm>
+            <a:off x="1975894" y="3713302"/>
+            <a:ext cx="8217227" cy="693970"/>
+          </a:xfrm>
+          <a:prstGeom prst="rect">
+            <a:avLst/>
+          </a:prstGeom>
+          <a:solidFill>
+            <a:schemeClr val="accent4">
+              <a:lumMod val="20000"/>
+              <a:lumOff val="80000"/>
+            </a:schemeClr>
+          </a:solidFill>
+        </p:spPr>
+        <p:style>
+          <a:lnRef idx="1">
+            <a:schemeClr val="accent1"/>
+          </a:lnRef>
+          <a:fillRef idx="2">
+            <a:schemeClr val="accent1"/>
+          </a:fillRef>
+          <a:effectRef idx="1">
+            <a:schemeClr val="accent1"/>
+          </a:effectRef>
+          <a:fontRef idx="minor">
+            <a:schemeClr val="dk1"/>
+          </a:fontRef>
+        </p:style>
+        <p:txBody>
+          <a:bodyPr wrap="square" lIns="89642" tIns="44821" rIns="89642" bIns="44821">
+            <a:spAutoFit/>
+          </a:bodyPr>
+          <a:lstStyle/>
+          <a:p>
+            <a:r>
+              <a:rPr lang="en-US" sz="3921" b="1" dirty="0">
+                <a:ln w="1905"/>
+                <a:solidFill>
+                  <a:srgbClr val="1F497D">
+                    <a:lumMod val="75000"/>
+                  </a:srgbClr>
+                </a:solidFill>
+                <a:effectLst>
+                  <a:innerShdw blurRad="69850" dist="43180" dir="5400000">
+                    <a:srgbClr val="000000">
+                      <a:alpha val="65000"/>
+                    </a:srgbClr>
+                  </a:innerShdw>
+                </a:effectLst>
+                <a:latin typeface="Arial Black" pitchFamily="34" charset="0"/>
+              </a:rPr>
+              <a:t>I</a:t>
+            </a:r>
+            <a:r>
+              <a:rPr lang="en-US" sz="3921" b="1" dirty="0">
+                <a:ln w="1905"/>
+                <a:solidFill>
+                  <a:srgbClr val="1F497D">
+                    <a:lumMod val="60000"/>
+                    <a:lumOff val="40000"/>
+                  </a:srgbClr>
+                </a:solidFill>
+                <a:effectLst>
+                  <a:innerShdw blurRad="69850" dist="43180" dir="5400000">
+                    <a:srgbClr val="000000">
+                      <a:alpha val="65000"/>
+                    </a:srgbClr>
+                  </a:innerShdw>
+                </a:effectLst>
+                <a:latin typeface="Arial Black" pitchFamily="34" charset="0"/>
+              </a:rPr>
+              <a:t>solated – </a:t>
+            </a:r>
+            <a:r>
+              <a:rPr lang="en-US" sz="3921" b="1" dirty="0">
+                <a:ln w="1905"/>
+                <a:solidFill>
+                  <a:prstClr val="black"/>
+                </a:solidFill>
+                <a:effectLst>
+                  <a:innerShdw blurRad="69850" dist="43180" dir="5400000">
+                    <a:srgbClr val="000000">
+                      <a:alpha val="65000"/>
+                    </a:srgbClr>
+                  </a:innerShdw>
+                </a:effectLst>
+                <a:latin typeface="Arial Black" pitchFamily="34" charset="0"/>
+              </a:rPr>
+              <a:t>No interference</a:t>
+            </a:r>
+          </a:p>
+        </p:txBody>
+      </p:sp>
+      <p:sp>
+        <p:nvSpPr>
+          <p:cNvPr id="8" name="Rectangle 7">
+            <a:extLst>
+              <a:ext uri="{FF2B5EF4-FFF2-40B4-BE49-F238E27FC236}">
+                <a16:creationId xmlns:a16="http://schemas.microsoft.com/office/drawing/2014/main" id="{55C5566C-BE71-4115-A522-E3751A454DE3}"/>
+              </a:ext>
+            </a:extLst>
+          </p:cNvPr>
+          <p:cNvSpPr/>
+          <p:nvPr/>
+        </p:nvSpPr>
+        <p:spPr>
+          <a:xfrm>
+            <a:off x="1987386" y="4755098"/>
+            <a:ext cx="8217227" cy="693970"/>
+          </a:xfrm>
+          <a:prstGeom prst="rect">
+            <a:avLst/>
+          </a:prstGeom>
+          <a:solidFill>
+            <a:schemeClr val="accent4">
+              <a:lumMod val="20000"/>
+              <a:lumOff val="80000"/>
+            </a:schemeClr>
+          </a:solidFill>
+        </p:spPr>
+        <p:style>
+          <a:lnRef idx="1">
+            <a:schemeClr val="accent1"/>
+          </a:lnRef>
+          <a:fillRef idx="2">
+            <a:schemeClr val="accent1"/>
+          </a:fillRef>
+          <a:effectRef idx="1">
+            <a:schemeClr val="accent1"/>
+          </a:effectRef>
+          <a:fontRef idx="minor">
+            <a:schemeClr val="dk1"/>
+          </a:fontRef>
+        </p:style>
+        <p:txBody>
+          <a:bodyPr wrap="square" lIns="89642" tIns="44821" rIns="89642" bIns="44821">
+            <a:spAutoFit/>
+          </a:bodyPr>
+          <a:lstStyle/>
+          <a:p>
+            <a:r>
+              <a:rPr lang="en-US" sz="3921" b="1" dirty="0">
+                <a:ln w="1905"/>
+                <a:solidFill>
+                  <a:srgbClr val="1F497D">
+                    <a:lumMod val="75000"/>
+                  </a:srgbClr>
+                </a:solidFill>
+                <a:effectLst>
+                  <a:innerShdw blurRad="69850" dist="43180" dir="5400000">
+                    <a:srgbClr val="000000">
+                      <a:alpha val="65000"/>
+                    </a:srgbClr>
+                  </a:innerShdw>
+                </a:effectLst>
+                <a:latin typeface="Arial Black" pitchFamily="34" charset="0"/>
+              </a:rPr>
+              <a:t>D</a:t>
+            </a:r>
+            <a:r>
+              <a:rPr lang="en-US" sz="3921" b="1" dirty="0">
+                <a:ln w="1905"/>
+                <a:solidFill>
+                  <a:srgbClr val="1F497D">
+                    <a:lumMod val="60000"/>
+                    <a:lumOff val="40000"/>
+                  </a:srgbClr>
+                </a:solidFill>
+                <a:effectLst>
+                  <a:innerShdw blurRad="69850" dist="43180" dir="5400000">
+                    <a:srgbClr val="000000">
+                      <a:alpha val="65000"/>
+                    </a:srgbClr>
+                  </a:innerShdw>
+                </a:effectLst>
+                <a:latin typeface="Arial Black" pitchFamily="34" charset="0"/>
+              </a:rPr>
+              <a:t>urable – </a:t>
+            </a:r>
+            <a:r>
+              <a:rPr lang="en-US" sz="3921" b="1" dirty="0">
+                <a:ln w="1905"/>
+                <a:solidFill>
+                  <a:prstClr val="black"/>
+                </a:solidFill>
+                <a:effectLst>
+                  <a:innerShdw blurRad="69850" dist="43180" dir="5400000">
+                    <a:srgbClr val="000000">
+                      <a:alpha val="65000"/>
+                    </a:srgbClr>
+                  </a:innerShdw>
+                </a:effectLst>
+                <a:latin typeface="Arial Black" pitchFamily="34" charset="0"/>
+              </a:rPr>
+              <a:t>Data is recoverable</a:t>
+            </a:r>
+          </a:p>
+        </p:txBody>
+      </p:sp>
+    </p:spTree>
+    <p:extLst>
+      <p:ext uri="{BB962C8B-B14F-4D97-AF65-F5344CB8AC3E}">
+        <p14:creationId xmlns:p14="http://schemas.microsoft.com/office/powerpoint/2010/main" val="2639720021"/>
+      </p:ext>
+    </p:extLst>
+  </p:cSld>
+  <p:clrMapOvr>
+    <a:masterClrMapping/>
+  </p:clrMapOvr>
+  <mc:AlternateContent xmlns:mc="http://schemas.openxmlformats.org/markup-compatibility/2006" xmlns:p14="http://schemas.microsoft.com/office/powerpoint/2010/main">
+    <mc:Choice Requires="p14">
+      <p:transition p14:dur="0"/>
+    </mc:Choice>
+    <mc:Fallback xmlns="">
+      <p:transition/>
+    </mc:Fallback>
+  </mc:AlternateContent>
+</p:sld>
+</file>
+
+<file path=ppt/slides/slide5.xml><?xml version="1.0" encoding="utf-8"?>
 <p:sld xmlns:a="http://schemas.openxmlformats.org/drawingml/2006/main" xmlns:r="http://schemas.openxmlformats.org/officeDocument/2006/relationships" xmlns:p="http://schemas.openxmlformats.org/presentationml/2006/main">
   <p:cSld>
     <p:spTree>
@@ -11828,7 +11567,7 @@
 </p:sld>
 </file>
 
-<file path=ppt/slides/slide5.xml><?xml version="1.0" encoding="utf-8"?>
+<file path=ppt/slides/slide6.xml><?xml version="1.0" encoding="utf-8"?>
 <p:sld xmlns:a="http://schemas.openxmlformats.org/drawingml/2006/main" xmlns:r="http://schemas.openxmlformats.org/officeDocument/2006/relationships" xmlns:p="http://schemas.openxmlformats.org/presentationml/2006/main">
   <p:cSld>
     <p:spTree>
@@ -12421,7 +12160,2954 @@
 </p:sld>
 </file>
 
-<file path=ppt/slides/slide6.xml><?xml version="1.0" encoding="utf-8"?>
+<file path=ppt/slides/slide7.xml><?xml version="1.0" encoding="utf-8"?>
+<p:sld xmlns:a="http://schemas.openxmlformats.org/drawingml/2006/main" xmlns:r="http://schemas.openxmlformats.org/officeDocument/2006/relationships" xmlns:p="http://schemas.openxmlformats.org/presentationml/2006/main">
+  <p:cSld>
+    <p:spTree>
+      <p:nvGrpSpPr>
+        <p:cNvPr id="1" name=""/>
+        <p:cNvGrpSpPr/>
+        <p:nvPr/>
+      </p:nvGrpSpPr>
+      <p:grpSpPr>
+        <a:xfrm>
+          <a:off x="0" y="0"/>
+          <a:ext cx="0" cy="0"/>
+          <a:chOff x="0" y="0"/>
+          <a:chExt cx="0" cy="0"/>
+        </a:xfrm>
+      </p:grpSpPr>
+      <p:sp>
+        <p:nvSpPr>
+          <p:cNvPr id="2" name="Title 1">
+            <a:extLst>
+              <a:ext uri="{FF2B5EF4-FFF2-40B4-BE49-F238E27FC236}">
+                <a16:creationId xmlns:a16="http://schemas.microsoft.com/office/drawing/2014/main" id="{EB67312A-9819-43C6-8D84-D9136E6CFFCC}"/>
+              </a:ext>
+            </a:extLst>
+          </p:cNvPr>
+          <p:cNvSpPr>
+            <a:spLocks noGrp="1"/>
+          </p:cNvSpPr>
+          <p:nvPr>
+            <p:ph type="title"/>
+          </p:nvPr>
+        </p:nvSpPr>
+        <p:spPr/>
+        <p:txBody>
+          <a:bodyPr/>
+          <a:lstStyle/>
+          <a:p>
+            <a:r>
+              <a:rPr lang="en-US" dirty="0"/>
+              <a:t>SQL Server Disk I/O (Write-Ahead Logging)</a:t>
+            </a:r>
+          </a:p>
+        </p:txBody>
+      </p:sp>
+      <p:sp>
+        <p:nvSpPr>
+          <p:cNvPr id="42" name="TextBox 41">
+            <a:extLst>
+              <a:ext uri="{FF2B5EF4-FFF2-40B4-BE49-F238E27FC236}">
+                <a16:creationId xmlns:a16="http://schemas.microsoft.com/office/drawing/2014/main" id="{58EDF11B-70B2-4486-9590-B12FF615814E}"/>
+              </a:ext>
+            </a:extLst>
+          </p:cNvPr>
+          <p:cNvSpPr txBox="1"/>
+          <p:nvPr/>
+        </p:nvSpPr>
+        <p:spPr>
+          <a:xfrm>
+            <a:off x="633386" y="4286833"/>
+            <a:ext cx="2996584" cy="657359"/>
+          </a:xfrm>
+          <a:prstGeom prst="rect">
+            <a:avLst/>
+          </a:prstGeom>
+          <a:noFill/>
+        </p:spPr>
+        <p:txBody>
+          <a:bodyPr wrap="square" rtlCol="0">
+            <a:spAutoFit/>
+          </a:bodyPr>
+          <a:lstStyle/>
+          <a:p>
+            <a:pPr marL="0" marR="0" lvl="0" indent="0" defTabSz="932597" eaLnBrk="1" fontAlgn="auto" latinLnBrk="0" hangingPunct="1">
+              <a:lnSpc>
+                <a:spcPct val="100000"/>
+              </a:lnSpc>
+              <a:spcBef>
+                <a:spcPts val="0"/>
+              </a:spcBef>
+              <a:spcAft>
+                <a:spcPts val="0"/>
+              </a:spcAft>
+              <a:buClrTx/>
+              <a:buSzTx/>
+              <a:buFontTx/>
+              <a:buNone/>
+              <a:tabLst/>
+              <a:defRPr/>
+            </a:pPr>
+            <a:r>
+              <a:rPr kumimoji="0" lang="en-US" sz="1836" b="0" i="0" u="none" strike="noStrike" kern="0" cap="none" spc="0" normalizeH="0" baseline="0" noProof="0" dirty="0">
+                <a:ln>
+                  <a:noFill/>
+                </a:ln>
+                <a:solidFill>
+                  <a:prstClr val="black"/>
+                </a:solidFill>
+                <a:effectLst/>
+                <a:uLnTx/>
+                <a:uFillTx/>
+              </a:rPr>
+              <a:t>2. Modification is </a:t>
+            </a:r>
+            <a:r>
+              <a:rPr lang="en-US" sz="1836" kern="0" dirty="0">
+                <a:solidFill>
+                  <a:prstClr val="black"/>
+                </a:solidFill>
+              </a:rPr>
+              <a:t>recorded</a:t>
+            </a:r>
+            <a:r>
+              <a:rPr kumimoji="0" lang="en-US" sz="1836" b="0" i="0" u="none" strike="noStrike" kern="0" cap="none" spc="0" normalizeH="0" baseline="0" noProof="0" dirty="0">
+                <a:ln>
+                  <a:noFill/>
+                </a:ln>
+                <a:solidFill>
+                  <a:prstClr val="black"/>
+                </a:solidFill>
+                <a:effectLst/>
+                <a:uLnTx/>
+                <a:uFillTx/>
+              </a:rPr>
+              <a:t> in the log</a:t>
+            </a:r>
+            <a:r>
+              <a:rPr lang="en-US" sz="1836" kern="0" dirty="0">
+                <a:solidFill>
+                  <a:prstClr val="black"/>
+                </a:solidFill>
+              </a:rPr>
+              <a:t> cache.</a:t>
+            </a:r>
+            <a:endParaRPr kumimoji="0" lang="en-US" sz="1836" b="0" i="0" u="none" strike="noStrike" kern="0" cap="none" spc="0" normalizeH="0" baseline="0" noProof="0" dirty="0">
+              <a:ln>
+                <a:noFill/>
+              </a:ln>
+              <a:solidFill>
+                <a:prstClr val="black"/>
+              </a:solidFill>
+              <a:effectLst/>
+              <a:uLnTx/>
+              <a:uFillTx/>
+            </a:endParaRPr>
+          </a:p>
+        </p:txBody>
+      </p:sp>
+      <p:sp>
+        <p:nvSpPr>
+          <p:cNvPr id="43" name="TextBox 42">
+            <a:extLst>
+              <a:ext uri="{FF2B5EF4-FFF2-40B4-BE49-F238E27FC236}">
+                <a16:creationId xmlns:a16="http://schemas.microsoft.com/office/drawing/2014/main" id="{C73F1613-991E-4D24-B83E-D8CBE83F64D7}"/>
+              </a:ext>
+            </a:extLst>
+          </p:cNvPr>
+          <p:cNvSpPr txBox="1"/>
+          <p:nvPr/>
+        </p:nvSpPr>
+        <p:spPr>
+          <a:xfrm>
+            <a:off x="9148237" y="4759546"/>
+            <a:ext cx="3043763" cy="958583"/>
+          </a:xfrm>
+          <a:prstGeom prst="rect">
+            <a:avLst/>
+          </a:prstGeom>
+          <a:noFill/>
+        </p:spPr>
+        <p:txBody>
+          <a:bodyPr wrap="square" rtlCol="0">
+            <a:spAutoFit/>
+          </a:bodyPr>
+          <a:lstStyle/>
+          <a:p>
+            <a:pPr marL="0" marR="0" lvl="0" indent="0" defTabSz="932597" eaLnBrk="1" fontAlgn="auto" latinLnBrk="0" hangingPunct="1">
+              <a:lnSpc>
+                <a:spcPct val="100000"/>
+              </a:lnSpc>
+              <a:spcBef>
+                <a:spcPts val="0"/>
+              </a:spcBef>
+              <a:spcAft>
+                <a:spcPts val="0"/>
+              </a:spcAft>
+              <a:buClrTx/>
+              <a:buSzTx/>
+              <a:buFontTx/>
+              <a:buNone/>
+              <a:tabLst/>
+              <a:defRPr/>
+            </a:pPr>
+            <a:r>
+              <a:rPr kumimoji="0" lang="en-US" sz="1836" b="0" i="0" u="none" strike="noStrike" kern="0" cap="none" spc="0" normalizeH="0" baseline="0" noProof="0" dirty="0">
+                <a:ln>
+                  <a:noFill/>
+                </a:ln>
+                <a:solidFill>
+                  <a:prstClr val="black"/>
+                </a:solidFill>
+                <a:effectLst/>
+                <a:uLnTx/>
+                <a:uFillTx/>
+              </a:rPr>
+              <a:t>5. At checkpoint, dirty data pages are written to the database file.</a:t>
+            </a:r>
+          </a:p>
+        </p:txBody>
+      </p:sp>
+      <p:sp>
+        <p:nvSpPr>
+          <p:cNvPr id="44" name="Rounded Rectangle 8">
+            <a:extLst>
+              <a:ext uri="{FF2B5EF4-FFF2-40B4-BE49-F238E27FC236}">
+                <a16:creationId xmlns:a16="http://schemas.microsoft.com/office/drawing/2014/main" id="{8D11A120-5C09-489D-9D90-7BDAB6DFE3A9}"/>
+              </a:ext>
+            </a:extLst>
+          </p:cNvPr>
+          <p:cNvSpPr/>
+          <p:nvPr/>
+        </p:nvSpPr>
+        <p:spPr>
+          <a:xfrm>
+            <a:off x="360803" y="1424672"/>
+            <a:ext cx="5049748" cy="1443289"/>
+          </a:xfrm>
+          <a:prstGeom prst="roundRect">
+            <a:avLst/>
+          </a:prstGeom>
+          <a:solidFill>
+            <a:sysClr val="window" lastClr="FFFFFF"/>
+          </a:solidFill>
+          <a:ln w="25400" cap="flat" cmpd="sng" algn="ctr">
+            <a:solidFill>
+              <a:srgbClr val="2098D5">
+                <a:lumMod val="50000"/>
+              </a:srgbClr>
+            </a:solidFill>
+            <a:prstDash val="solid"/>
+          </a:ln>
+          <a:effectLst/>
+        </p:spPr>
+        <p:txBody>
+          <a:bodyPr rtlCol="0" anchor="ctr"/>
+          <a:lstStyle/>
+          <a:p>
+            <a:pPr marL="0" marR="0" lvl="0" indent="0" algn="ctr" defTabSz="932597" eaLnBrk="1" fontAlgn="auto" latinLnBrk="0" hangingPunct="1">
+              <a:lnSpc>
+                <a:spcPct val="100000"/>
+              </a:lnSpc>
+              <a:spcBef>
+                <a:spcPts val="0"/>
+              </a:spcBef>
+              <a:spcAft>
+                <a:spcPts val="0"/>
+              </a:spcAft>
+              <a:buClrTx/>
+              <a:buSzTx/>
+              <a:buFontTx/>
+              <a:buNone/>
+              <a:tabLst/>
+              <a:defRPr/>
+            </a:pPr>
+            <a:endParaRPr kumimoji="0" lang="en-US" sz="1836" b="0" i="0" u="none" strike="noStrike" kern="0" cap="none" spc="0" normalizeH="0" baseline="0" noProof="0">
+              <a:ln>
+                <a:noFill/>
+              </a:ln>
+              <a:solidFill>
+                <a:prstClr val="white"/>
+              </a:solidFill>
+              <a:effectLst/>
+              <a:uLnTx/>
+              <a:uFillTx/>
+              <a:latin typeface="Segoe UI"/>
+              <a:ea typeface="+mn-ea"/>
+              <a:cs typeface="+mn-cs"/>
+            </a:endParaRPr>
+          </a:p>
+        </p:txBody>
+      </p:sp>
+      <p:sp>
+        <p:nvSpPr>
+          <p:cNvPr id="45" name="TextBox 44">
+            <a:extLst>
+              <a:ext uri="{FF2B5EF4-FFF2-40B4-BE49-F238E27FC236}">
+                <a16:creationId xmlns:a16="http://schemas.microsoft.com/office/drawing/2014/main" id="{80DE7D8D-DB3B-48F8-B54B-10FD4E40E31C}"/>
+              </a:ext>
+            </a:extLst>
+          </p:cNvPr>
+          <p:cNvSpPr txBox="1"/>
+          <p:nvPr/>
+        </p:nvSpPr>
+        <p:spPr>
+          <a:xfrm>
+            <a:off x="633386" y="3188742"/>
+            <a:ext cx="3206409" cy="670445"/>
+          </a:xfrm>
+          <a:prstGeom prst="rect">
+            <a:avLst/>
+          </a:prstGeom>
+          <a:noFill/>
+        </p:spPr>
+        <p:txBody>
+          <a:bodyPr wrap="square" rtlCol="0">
+            <a:spAutoFit/>
+          </a:bodyPr>
+          <a:lstStyle/>
+          <a:p>
+            <a:pPr marL="0" marR="0" lvl="0" indent="0" defTabSz="932597" eaLnBrk="1" fontAlgn="auto" latinLnBrk="0" hangingPunct="1">
+              <a:lnSpc>
+                <a:spcPct val="100000"/>
+              </a:lnSpc>
+              <a:spcBef>
+                <a:spcPts val="0"/>
+              </a:spcBef>
+              <a:spcAft>
+                <a:spcPts val="0"/>
+              </a:spcAft>
+              <a:buClrTx/>
+              <a:buSzTx/>
+              <a:buFontTx/>
+              <a:buNone/>
+              <a:tabLst/>
+              <a:defRPr/>
+            </a:pPr>
+            <a:r>
+              <a:rPr kumimoji="0" lang="en-US" sz="1836" b="0" i="0" u="none" strike="noStrike" kern="0" cap="none" spc="0" normalizeH="0" baseline="0" noProof="0" dirty="0">
+                <a:ln>
+                  <a:noFill/>
+                </a:ln>
+                <a:solidFill>
+                  <a:prstClr val="black"/>
+                </a:solidFill>
+                <a:effectLst/>
+                <a:uLnTx/>
+                <a:uFillTx/>
+              </a:rPr>
+              <a:t>1. Data modification is sent to buffer cache in memory.</a:t>
+            </a:r>
+          </a:p>
+        </p:txBody>
+      </p:sp>
+      <p:sp>
+        <p:nvSpPr>
+          <p:cNvPr id="46" name="TextBox 45">
+            <a:extLst>
+              <a:ext uri="{FF2B5EF4-FFF2-40B4-BE49-F238E27FC236}">
+                <a16:creationId xmlns:a16="http://schemas.microsoft.com/office/drawing/2014/main" id="{89494341-EBD5-4627-9F76-12CF240D07E3}"/>
+              </a:ext>
+            </a:extLst>
+          </p:cNvPr>
+          <p:cNvSpPr txBox="1"/>
+          <p:nvPr/>
+        </p:nvSpPr>
+        <p:spPr>
+          <a:xfrm>
+            <a:off x="640769" y="5370467"/>
+            <a:ext cx="3206409" cy="958583"/>
+          </a:xfrm>
+          <a:prstGeom prst="rect">
+            <a:avLst/>
+          </a:prstGeom>
+          <a:noFill/>
+        </p:spPr>
+        <p:txBody>
+          <a:bodyPr wrap="square" rtlCol="0">
+            <a:spAutoFit/>
+          </a:bodyPr>
+          <a:lstStyle/>
+          <a:p>
+            <a:pPr marL="0" marR="0" lvl="0" indent="0" defTabSz="932597" eaLnBrk="1" fontAlgn="auto" latinLnBrk="0" hangingPunct="1">
+              <a:lnSpc>
+                <a:spcPct val="100000"/>
+              </a:lnSpc>
+              <a:spcBef>
+                <a:spcPts val="0"/>
+              </a:spcBef>
+              <a:spcAft>
+                <a:spcPts val="0"/>
+              </a:spcAft>
+              <a:buClrTx/>
+              <a:buSzTx/>
+              <a:buFontTx/>
+              <a:buNone/>
+              <a:tabLst/>
+              <a:defRPr/>
+            </a:pPr>
+            <a:r>
+              <a:rPr kumimoji="0" lang="en-US" sz="1836" b="0" i="0" u="none" strike="noStrike" kern="0" cap="none" spc="0" normalizeH="0" baseline="0" noProof="0" dirty="0">
+                <a:ln>
+                  <a:noFill/>
+                </a:ln>
+                <a:solidFill>
+                  <a:prstClr val="black"/>
+                </a:solidFill>
+                <a:effectLst/>
+                <a:uLnTx/>
+                <a:uFillTx/>
+              </a:rPr>
+              <a:t>3. Data pages are located or read into the buffer cache and then modified.</a:t>
+            </a:r>
+          </a:p>
+        </p:txBody>
+      </p:sp>
+      <p:sp>
+        <p:nvSpPr>
+          <p:cNvPr id="47" name="TextBox 46">
+            <a:extLst>
+              <a:ext uri="{FF2B5EF4-FFF2-40B4-BE49-F238E27FC236}">
+                <a16:creationId xmlns:a16="http://schemas.microsoft.com/office/drawing/2014/main" id="{151FF534-AE55-4F20-B962-77543B80AF1A}"/>
+              </a:ext>
+            </a:extLst>
+          </p:cNvPr>
+          <p:cNvSpPr txBox="1"/>
+          <p:nvPr/>
+        </p:nvSpPr>
+        <p:spPr>
+          <a:xfrm>
+            <a:off x="7213252" y="3248433"/>
+            <a:ext cx="3396933" cy="657359"/>
+          </a:xfrm>
+          <a:prstGeom prst="rect">
+            <a:avLst/>
+          </a:prstGeom>
+          <a:noFill/>
+        </p:spPr>
+        <p:txBody>
+          <a:bodyPr wrap="square" rtlCol="0">
+            <a:spAutoFit/>
+          </a:bodyPr>
+          <a:lstStyle/>
+          <a:p>
+            <a:pPr marL="0" marR="0" lvl="0" indent="0" defTabSz="932597" eaLnBrk="1" fontAlgn="auto" latinLnBrk="0" hangingPunct="1">
+              <a:lnSpc>
+                <a:spcPct val="100000"/>
+              </a:lnSpc>
+              <a:spcBef>
+                <a:spcPts val="0"/>
+              </a:spcBef>
+              <a:spcAft>
+                <a:spcPts val="0"/>
+              </a:spcAft>
+              <a:buClrTx/>
+              <a:buSzTx/>
+              <a:buFontTx/>
+              <a:buNone/>
+              <a:tabLst/>
+              <a:defRPr/>
+            </a:pPr>
+            <a:r>
+              <a:rPr kumimoji="0" lang="en-US" sz="1836" b="0" i="0" u="none" strike="noStrike" kern="0" cap="none" spc="0" normalizeH="0" baseline="0" noProof="0" dirty="0">
+                <a:ln>
+                  <a:noFill/>
+                </a:ln>
+                <a:solidFill>
+                  <a:prstClr val="black"/>
+                </a:solidFill>
+                <a:effectLst/>
+                <a:uLnTx/>
+                <a:uFillTx/>
+              </a:rPr>
+              <a:t>4. Log cache record is flushed to the transaction log</a:t>
+            </a:r>
+          </a:p>
+        </p:txBody>
+      </p:sp>
+      <p:cxnSp>
+        <p:nvCxnSpPr>
+          <p:cNvPr id="48" name="Straight Arrow Connector 47">
+            <a:extLst>
+              <a:ext uri="{FF2B5EF4-FFF2-40B4-BE49-F238E27FC236}">
+                <a16:creationId xmlns:a16="http://schemas.microsoft.com/office/drawing/2014/main" id="{757CF6FC-0E23-44EF-9775-EFF18617BAC5}"/>
+              </a:ext>
+            </a:extLst>
+          </p:cNvPr>
+          <p:cNvCxnSpPr/>
+          <p:nvPr/>
+        </p:nvCxnSpPr>
+        <p:spPr>
+          <a:xfrm>
+            <a:off x="4254046" y="2967852"/>
+            <a:ext cx="0" cy="1098729"/>
+          </a:xfrm>
+          <a:prstGeom prst="straightConnector1">
+            <a:avLst/>
+          </a:prstGeom>
+          <a:noFill/>
+          <a:ln w="57150" cap="flat" cmpd="sng" algn="ctr">
+            <a:solidFill>
+              <a:srgbClr val="EF3B24"/>
+            </a:solidFill>
+            <a:prstDash val="solid"/>
+            <a:tailEnd type="triangle"/>
+          </a:ln>
+          <a:effectLst/>
+        </p:spPr>
+      </p:cxnSp>
+      <p:cxnSp>
+        <p:nvCxnSpPr>
+          <p:cNvPr id="49" name="Straight Arrow Connector 48">
+            <a:extLst>
+              <a:ext uri="{FF2B5EF4-FFF2-40B4-BE49-F238E27FC236}">
+                <a16:creationId xmlns:a16="http://schemas.microsoft.com/office/drawing/2014/main" id="{FF810BAB-96B9-4191-94A6-911153B3D3D3}"/>
+              </a:ext>
+            </a:extLst>
+          </p:cNvPr>
+          <p:cNvCxnSpPr>
+            <a:cxnSpLocks/>
+          </p:cNvCxnSpPr>
+          <p:nvPr/>
+        </p:nvCxnSpPr>
+        <p:spPr>
+          <a:xfrm>
+            <a:off x="5893514" y="5405986"/>
+            <a:ext cx="1542963" cy="3831"/>
+          </a:xfrm>
+          <a:prstGeom prst="straightConnector1">
+            <a:avLst/>
+          </a:prstGeom>
+          <a:noFill/>
+          <a:ln w="57150" cap="flat" cmpd="sng" algn="ctr">
+            <a:solidFill>
+              <a:srgbClr val="EF3B24"/>
+            </a:solidFill>
+            <a:prstDash val="solid"/>
+            <a:tailEnd type="triangle"/>
+          </a:ln>
+          <a:effectLst/>
+        </p:spPr>
+      </p:cxnSp>
+      <p:cxnSp>
+        <p:nvCxnSpPr>
+          <p:cNvPr id="50" name="Straight Arrow Connector 49">
+            <a:extLst>
+              <a:ext uri="{FF2B5EF4-FFF2-40B4-BE49-F238E27FC236}">
+                <a16:creationId xmlns:a16="http://schemas.microsoft.com/office/drawing/2014/main" id="{041387EF-DB9D-451C-8EFB-74F9BDBB7D2A}"/>
+              </a:ext>
+            </a:extLst>
+          </p:cNvPr>
+          <p:cNvCxnSpPr>
+            <a:cxnSpLocks/>
+          </p:cNvCxnSpPr>
+          <p:nvPr/>
+        </p:nvCxnSpPr>
+        <p:spPr>
+          <a:xfrm flipH="1">
+            <a:off x="5893515" y="4825078"/>
+            <a:ext cx="1449094" cy="0"/>
+          </a:xfrm>
+          <a:prstGeom prst="straightConnector1">
+            <a:avLst/>
+          </a:prstGeom>
+          <a:noFill/>
+          <a:ln w="57150" cap="flat" cmpd="sng" algn="ctr">
+            <a:solidFill>
+              <a:srgbClr val="EF3B24"/>
+            </a:solidFill>
+            <a:prstDash val="solid"/>
+            <a:tailEnd type="triangle"/>
+          </a:ln>
+          <a:effectLst/>
+        </p:spPr>
+      </p:cxnSp>
+      <p:cxnSp>
+        <p:nvCxnSpPr>
+          <p:cNvPr id="51" name="Straight Arrow Connector 50">
+            <a:extLst>
+              <a:ext uri="{FF2B5EF4-FFF2-40B4-BE49-F238E27FC236}">
+                <a16:creationId xmlns:a16="http://schemas.microsoft.com/office/drawing/2014/main" id="{BF9E7A5F-14E3-4D2D-9F7F-E714EB7AEAE4}"/>
+              </a:ext>
+            </a:extLst>
+          </p:cNvPr>
+          <p:cNvCxnSpPr>
+            <a:cxnSpLocks/>
+          </p:cNvCxnSpPr>
+          <p:nvPr/>
+        </p:nvCxnSpPr>
+        <p:spPr>
+          <a:xfrm flipV="1">
+            <a:off x="5706218" y="2968398"/>
+            <a:ext cx="1259763" cy="1182727"/>
+          </a:xfrm>
+          <a:prstGeom prst="straightConnector1">
+            <a:avLst/>
+          </a:prstGeom>
+          <a:noFill/>
+          <a:ln w="57150" cap="flat" cmpd="sng" algn="ctr">
+            <a:solidFill>
+              <a:srgbClr val="EF3B24"/>
+            </a:solidFill>
+            <a:prstDash val="solid"/>
+            <a:tailEnd type="triangle"/>
+          </a:ln>
+          <a:effectLst/>
+        </p:spPr>
+      </p:cxnSp>
+      <p:sp>
+        <p:nvSpPr>
+          <p:cNvPr id="52" name="Rectangle 51">
+            <a:extLst>
+              <a:ext uri="{FF2B5EF4-FFF2-40B4-BE49-F238E27FC236}">
+                <a16:creationId xmlns:a16="http://schemas.microsoft.com/office/drawing/2014/main" id="{DA4476B5-562C-457F-B7C9-D598005C6461}"/>
+              </a:ext>
+            </a:extLst>
+          </p:cNvPr>
+          <p:cNvSpPr/>
+          <p:nvPr/>
+        </p:nvSpPr>
+        <p:spPr>
+          <a:xfrm>
+            <a:off x="4293516" y="3281788"/>
+            <a:ext cx="361643" cy="478376"/>
+          </a:xfrm>
+          <a:prstGeom prst="rect">
+            <a:avLst/>
+          </a:prstGeom>
+          <a:noFill/>
+        </p:spPr>
+        <p:txBody>
+          <a:bodyPr wrap="none" lIns="93260" tIns="46630" rIns="93260" bIns="46630">
+            <a:spAutoFit/>
+          </a:bodyPr>
+          <a:lstStyle/>
+          <a:p>
+            <a:pPr marL="0" marR="0" lvl="0" indent="0" algn="ctr" defTabSz="932597" eaLnBrk="1" fontAlgn="auto" latinLnBrk="0" hangingPunct="1">
+              <a:lnSpc>
+                <a:spcPct val="100000"/>
+              </a:lnSpc>
+              <a:spcBef>
+                <a:spcPts val="0"/>
+              </a:spcBef>
+              <a:spcAft>
+                <a:spcPts val="0"/>
+              </a:spcAft>
+              <a:buClrTx/>
+              <a:buSzTx/>
+              <a:buFontTx/>
+              <a:buNone/>
+              <a:tabLst/>
+              <a:defRPr/>
+            </a:pPr>
+            <a:r>
+              <a:rPr kumimoji="0" lang="en-US" sz="2448" b="0" i="0" u="none" strike="noStrike" kern="0" cap="none" spc="0" normalizeH="0" baseline="0" noProof="0" dirty="0">
+                <a:ln w="0"/>
+                <a:solidFill>
+                  <a:prstClr val="black"/>
+                </a:solidFill>
+                <a:effectLst>
+                  <a:outerShdw blurRad="38100" dist="25400" dir="5400000" algn="ctr" rotWithShape="0">
+                    <a:srgbClr val="6E747A">
+                      <a:alpha val="43000"/>
+                    </a:srgbClr>
+                  </a:outerShdw>
+                </a:effectLst>
+                <a:uLnTx/>
+                <a:uFillTx/>
+              </a:rPr>
+              <a:t>1</a:t>
+            </a:r>
+          </a:p>
+        </p:txBody>
+      </p:sp>
+      <p:sp>
+        <p:nvSpPr>
+          <p:cNvPr id="53" name="Rectangle 52">
+            <a:extLst>
+              <a:ext uri="{FF2B5EF4-FFF2-40B4-BE49-F238E27FC236}">
+                <a16:creationId xmlns:a16="http://schemas.microsoft.com/office/drawing/2014/main" id="{CA08C041-55D8-448B-9A77-8E8819947002}"/>
+              </a:ext>
+            </a:extLst>
+          </p:cNvPr>
+          <p:cNvSpPr/>
+          <p:nvPr/>
+        </p:nvSpPr>
+        <p:spPr>
+          <a:xfrm>
+            <a:off x="6485866" y="4359380"/>
+            <a:ext cx="358260" cy="470877"/>
+          </a:xfrm>
+          <a:prstGeom prst="rect">
+            <a:avLst/>
+          </a:prstGeom>
+          <a:noFill/>
+        </p:spPr>
+        <p:txBody>
+          <a:bodyPr wrap="none" lIns="93260" tIns="46630" rIns="93260" bIns="46630">
+            <a:spAutoFit/>
+          </a:bodyPr>
+          <a:lstStyle/>
+          <a:p>
+            <a:pPr marL="0" marR="0" lvl="0" indent="0" algn="ctr" defTabSz="932597" eaLnBrk="1" fontAlgn="auto" latinLnBrk="0" hangingPunct="1">
+              <a:lnSpc>
+                <a:spcPct val="100000"/>
+              </a:lnSpc>
+              <a:spcBef>
+                <a:spcPts val="0"/>
+              </a:spcBef>
+              <a:spcAft>
+                <a:spcPts val="0"/>
+              </a:spcAft>
+              <a:buClrTx/>
+              <a:buSzTx/>
+              <a:buFontTx/>
+              <a:buNone/>
+              <a:tabLst/>
+              <a:defRPr/>
+            </a:pPr>
+            <a:r>
+              <a:rPr kumimoji="0" lang="en-US" sz="2448" b="0" i="0" u="none" strike="noStrike" kern="0" cap="none" spc="0" normalizeH="0" baseline="0" noProof="0" dirty="0">
+                <a:ln w="0"/>
+                <a:solidFill>
+                  <a:prstClr val="black"/>
+                </a:solidFill>
+                <a:effectLst>
+                  <a:outerShdw blurRad="38100" dist="25400" dir="5400000" algn="ctr" rotWithShape="0">
+                    <a:srgbClr val="6E747A">
+                      <a:alpha val="43000"/>
+                    </a:srgbClr>
+                  </a:outerShdw>
+                </a:effectLst>
+                <a:uLnTx/>
+                <a:uFillTx/>
+              </a:rPr>
+              <a:t>3</a:t>
+            </a:r>
+          </a:p>
+        </p:txBody>
+      </p:sp>
+      <p:sp>
+        <p:nvSpPr>
+          <p:cNvPr id="54" name="Rectangle 53">
+            <a:extLst>
+              <a:ext uri="{FF2B5EF4-FFF2-40B4-BE49-F238E27FC236}">
+                <a16:creationId xmlns:a16="http://schemas.microsoft.com/office/drawing/2014/main" id="{D4D403BD-9984-4002-A43A-FAC9B99F4871}"/>
+              </a:ext>
+            </a:extLst>
+          </p:cNvPr>
+          <p:cNvSpPr/>
+          <p:nvPr/>
+        </p:nvSpPr>
+        <p:spPr>
+          <a:xfrm>
+            <a:off x="5081282" y="3258242"/>
+            <a:ext cx="358260" cy="470877"/>
+          </a:xfrm>
+          <a:prstGeom prst="rect">
+            <a:avLst/>
+          </a:prstGeom>
+          <a:noFill/>
+        </p:spPr>
+        <p:txBody>
+          <a:bodyPr wrap="none" lIns="93260" tIns="46630" rIns="93260" bIns="46630">
+            <a:spAutoFit/>
+          </a:bodyPr>
+          <a:lstStyle/>
+          <a:p>
+            <a:pPr marL="0" marR="0" lvl="0" indent="0" algn="ctr" defTabSz="932597" eaLnBrk="1" fontAlgn="auto" latinLnBrk="0" hangingPunct="1">
+              <a:lnSpc>
+                <a:spcPct val="100000"/>
+              </a:lnSpc>
+              <a:spcBef>
+                <a:spcPts val="0"/>
+              </a:spcBef>
+              <a:spcAft>
+                <a:spcPts val="0"/>
+              </a:spcAft>
+              <a:buClrTx/>
+              <a:buSzTx/>
+              <a:buFontTx/>
+              <a:buNone/>
+              <a:tabLst/>
+              <a:defRPr/>
+            </a:pPr>
+            <a:r>
+              <a:rPr kumimoji="0" lang="en-US" sz="2448" b="0" i="0" u="none" strike="noStrike" kern="0" cap="none" spc="0" normalizeH="0" baseline="0" noProof="0" dirty="0">
+                <a:ln w="0"/>
+                <a:solidFill>
+                  <a:prstClr val="black"/>
+                </a:solidFill>
+                <a:effectLst>
+                  <a:outerShdw blurRad="38100" dist="25400" dir="5400000" algn="ctr" rotWithShape="0">
+                    <a:srgbClr val="6E747A">
+                      <a:alpha val="43000"/>
+                    </a:srgbClr>
+                  </a:outerShdw>
+                </a:effectLst>
+                <a:uLnTx/>
+                <a:uFillTx/>
+              </a:rPr>
+              <a:t>2</a:t>
+            </a:r>
+          </a:p>
+        </p:txBody>
+      </p:sp>
+      <p:sp>
+        <p:nvSpPr>
+          <p:cNvPr id="55" name="Rectangle 54">
+            <a:extLst>
+              <a:ext uri="{FF2B5EF4-FFF2-40B4-BE49-F238E27FC236}">
+                <a16:creationId xmlns:a16="http://schemas.microsoft.com/office/drawing/2014/main" id="{C0847374-A542-41DD-9FE7-689A197F5D07}"/>
+              </a:ext>
+            </a:extLst>
+          </p:cNvPr>
+          <p:cNvSpPr/>
+          <p:nvPr/>
+        </p:nvSpPr>
+        <p:spPr>
+          <a:xfrm>
+            <a:off x="6084129" y="3012644"/>
+            <a:ext cx="361643" cy="478376"/>
+          </a:xfrm>
+          <a:prstGeom prst="rect">
+            <a:avLst/>
+          </a:prstGeom>
+          <a:noFill/>
+        </p:spPr>
+        <p:txBody>
+          <a:bodyPr wrap="none" lIns="93260" tIns="46630" rIns="93260" bIns="46630">
+            <a:spAutoFit/>
+          </a:bodyPr>
+          <a:lstStyle/>
+          <a:p>
+            <a:pPr marL="0" marR="0" lvl="0" indent="0" algn="ctr" defTabSz="932597" eaLnBrk="1" fontAlgn="auto" latinLnBrk="0" hangingPunct="1">
+              <a:lnSpc>
+                <a:spcPct val="100000"/>
+              </a:lnSpc>
+              <a:spcBef>
+                <a:spcPts val="0"/>
+              </a:spcBef>
+              <a:spcAft>
+                <a:spcPts val="0"/>
+              </a:spcAft>
+              <a:buClrTx/>
+              <a:buSzTx/>
+              <a:buFontTx/>
+              <a:buNone/>
+              <a:tabLst/>
+              <a:defRPr/>
+            </a:pPr>
+            <a:r>
+              <a:rPr kumimoji="0" lang="en-US" sz="2448" b="0" i="0" u="none" strike="noStrike" kern="0" cap="none" spc="0" normalizeH="0" baseline="0" noProof="0" dirty="0">
+                <a:ln w="0"/>
+                <a:solidFill>
+                  <a:prstClr val="black"/>
+                </a:solidFill>
+                <a:effectLst>
+                  <a:outerShdw blurRad="38100" dist="25400" dir="5400000" algn="ctr" rotWithShape="0">
+                    <a:srgbClr val="6E747A">
+                      <a:alpha val="43000"/>
+                    </a:srgbClr>
+                  </a:outerShdw>
+                </a:effectLst>
+                <a:uLnTx/>
+                <a:uFillTx/>
+              </a:rPr>
+              <a:t>4</a:t>
+            </a:r>
+          </a:p>
+        </p:txBody>
+      </p:sp>
+      <p:sp>
+        <p:nvSpPr>
+          <p:cNvPr id="56" name="Rectangle 55">
+            <a:extLst>
+              <a:ext uri="{FF2B5EF4-FFF2-40B4-BE49-F238E27FC236}">
+                <a16:creationId xmlns:a16="http://schemas.microsoft.com/office/drawing/2014/main" id="{7EBE9456-B0AC-4E32-ACAA-D59285BCF54E}"/>
+              </a:ext>
+            </a:extLst>
+          </p:cNvPr>
+          <p:cNvSpPr/>
+          <p:nvPr/>
+        </p:nvSpPr>
+        <p:spPr>
+          <a:xfrm>
+            <a:off x="6440115" y="5514713"/>
+            <a:ext cx="361643" cy="478376"/>
+          </a:xfrm>
+          <a:prstGeom prst="rect">
+            <a:avLst/>
+          </a:prstGeom>
+          <a:noFill/>
+        </p:spPr>
+        <p:txBody>
+          <a:bodyPr wrap="none" lIns="93260" tIns="46630" rIns="93260" bIns="46630">
+            <a:spAutoFit/>
+          </a:bodyPr>
+          <a:lstStyle/>
+          <a:p>
+            <a:pPr marL="0" marR="0" lvl="0" indent="0" algn="ctr" defTabSz="932597" eaLnBrk="1" fontAlgn="auto" latinLnBrk="0" hangingPunct="1">
+              <a:lnSpc>
+                <a:spcPct val="100000"/>
+              </a:lnSpc>
+              <a:spcBef>
+                <a:spcPts val="0"/>
+              </a:spcBef>
+              <a:spcAft>
+                <a:spcPts val="0"/>
+              </a:spcAft>
+              <a:buClrTx/>
+              <a:buSzTx/>
+              <a:buFontTx/>
+              <a:buNone/>
+              <a:tabLst/>
+              <a:defRPr/>
+            </a:pPr>
+            <a:r>
+              <a:rPr kumimoji="0" lang="en-US" sz="2448" b="0" i="0" u="none" strike="noStrike" kern="0" cap="none" spc="0" normalizeH="0" baseline="0" noProof="0" dirty="0">
+                <a:ln w="0"/>
+                <a:solidFill>
+                  <a:prstClr val="black"/>
+                </a:solidFill>
+                <a:effectLst>
+                  <a:outerShdw blurRad="38100" dist="25400" dir="5400000" algn="ctr" rotWithShape="0">
+                    <a:srgbClr val="6E747A">
+                      <a:alpha val="43000"/>
+                    </a:srgbClr>
+                  </a:outerShdw>
+                </a:effectLst>
+                <a:uLnTx/>
+                <a:uFillTx/>
+              </a:rPr>
+              <a:t>5</a:t>
+            </a:r>
+          </a:p>
+        </p:txBody>
+      </p:sp>
+      <p:pic>
+        <p:nvPicPr>
+          <p:cNvPr id="57" name="Picture 56">
+            <a:extLst>
+              <a:ext uri="{FF2B5EF4-FFF2-40B4-BE49-F238E27FC236}">
+                <a16:creationId xmlns:a16="http://schemas.microsoft.com/office/drawing/2014/main" id="{43AC5A54-EBE6-40B8-A612-386A988C136A}"/>
+              </a:ext>
+            </a:extLst>
+          </p:cNvPr>
+          <p:cNvPicPr>
+            <a:picLocks noChangeAspect="1"/>
+          </p:cNvPicPr>
+          <p:nvPr/>
+        </p:nvPicPr>
+        <p:blipFill>
+          <a:blip r:embed="rId3"/>
+          <a:stretch>
+            <a:fillRect/>
+          </a:stretch>
+        </p:blipFill>
+        <p:spPr>
+          <a:xfrm>
+            <a:off x="760902" y="1536703"/>
+            <a:ext cx="4240249" cy="1233756"/>
+          </a:xfrm>
+          <a:prstGeom prst="rect">
+            <a:avLst/>
+          </a:prstGeom>
+        </p:spPr>
+      </p:pic>
+      <p:grpSp>
+        <p:nvGrpSpPr>
+          <p:cNvPr id="58" name="Group 57">
+            <a:extLst>
+              <a:ext uri="{FF2B5EF4-FFF2-40B4-BE49-F238E27FC236}">
+                <a16:creationId xmlns:a16="http://schemas.microsoft.com/office/drawing/2014/main" id="{25D278F0-04C0-4941-BF5A-CC42C3B27641}"/>
+              </a:ext>
+            </a:extLst>
+          </p:cNvPr>
+          <p:cNvGrpSpPr/>
+          <p:nvPr/>
+        </p:nvGrpSpPr>
+        <p:grpSpPr>
+          <a:xfrm>
+            <a:off x="7581598" y="4511527"/>
+            <a:ext cx="1421519" cy="1578046"/>
+            <a:chOff x="4963829" y="4298078"/>
+            <a:chExt cx="1393773" cy="1547244"/>
+          </a:xfrm>
+        </p:grpSpPr>
+        <p:sp>
+          <p:nvSpPr>
+            <p:cNvPr id="59" name="Cylinder 58">
+              <a:extLst>
+                <a:ext uri="{FF2B5EF4-FFF2-40B4-BE49-F238E27FC236}">
+                  <a16:creationId xmlns:a16="http://schemas.microsoft.com/office/drawing/2014/main" id="{F14D23F6-01E4-4CD2-96DF-A8D60C28CD0A}"/>
+                </a:ext>
+              </a:extLst>
+            </p:cNvPr>
+            <p:cNvSpPr/>
+            <p:nvPr/>
+          </p:nvSpPr>
+          <p:spPr>
+            <a:xfrm>
+              <a:off x="4963829" y="5232674"/>
+              <a:ext cx="1393771" cy="612648"/>
+            </a:xfrm>
+            <a:prstGeom prst="can">
+              <a:avLst>
+                <a:gd name="adj" fmla="val 30417"/>
+              </a:avLst>
+            </a:prstGeom>
+            <a:solidFill>
+              <a:srgbClr val="2098D5">
+                <a:lumMod val="75000"/>
+              </a:srgbClr>
+            </a:solidFill>
+            <a:ln w="25400" cap="flat" cmpd="sng" algn="ctr">
+              <a:solidFill>
+                <a:srgbClr val="2098D5">
+                  <a:lumMod val="50000"/>
+                </a:srgbClr>
+              </a:solidFill>
+              <a:prstDash val="solid"/>
+            </a:ln>
+            <a:effectLst/>
+          </p:spPr>
+          <p:txBody>
+            <a:bodyPr rtlCol="0" anchor="ctr"/>
+            <a:lstStyle/>
+            <a:p>
+              <a:pPr marL="0" marR="0" lvl="0" indent="0" algn="ctr" defTabSz="932597" eaLnBrk="1" fontAlgn="auto" latinLnBrk="0" hangingPunct="1">
+                <a:lnSpc>
+                  <a:spcPct val="100000"/>
+                </a:lnSpc>
+                <a:spcBef>
+                  <a:spcPts val="0"/>
+                </a:spcBef>
+                <a:spcAft>
+                  <a:spcPts val="0"/>
+                </a:spcAft>
+                <a:buClrTx/>
+                <a:buSzTx/>
+                <a:buFontTx/>
+                <a:buNone/>
+                <a:tabLst/>
+                <a:defRPr/>
+              </a:pPr>
+              <a:endParaRPr kumimoji="0" lang="en-US" sz="1836" b="0" i="0" u="none" strike="noStrike" kern="0" cap="none" spc="0" normalizeH="0" baseline="0" noProof="0">
+                <a:ln>
+                  <a:noFill/>
+                </a:ln>
+                <a:solidFill>
+                  <a:prstClr val="white"/>
+                </a:solidFill>
+                <a:effectLst/>
+                <a:uLnTx/>
+                <a:uFillTx/>
+                <a:latin typeface="Segoe UI"/>
+                <a:ea typeface="+mn-ea"/>
+                <a:cs typeface="+mn-cs"/>
+              </a:endParaRPr>
+            </a:p>
+          </p:txBody>
+        </p:sp>
+        <p:sp>
+          <p:nvSpPr>
+            <p:cNvPr id="60" name="Cylinder 59">
+              <a:extLst>
+                <a:ext uri="{FF2B5EF4-FFF2-40B4-BE49-F238E27FC236}">
+                  <a16:creationId xmlns:a16="http://schemas.microsoft.com/office/drawing/2014/main" id="{2B321139-4C1D-4DF8-8D9C-B0B3F4A3A21A}"/>
+                </a:ext>
+              </a:extLst>
+            </p:cNvPr>
+            <p:cNvSpPr/>
+            <p:nvPr/>
+          </p:nvSpPr>
+          <p:spPr>
+            <a:xfrm>
+              <a:off x="4963830" y="4763793"/>
+              <a:ext cx="1393771" cy="612648"/>
+            </a:xfrm>
+            <a:prstGeom prst="can">
+              <a:avLst>
+                <a:gd name="adj" fmla="val 30417"/>
+              </a:avLst>
+            </a:prstGeom>
+            <a:solidFill>
+              <a:srgbClr val="2098D5">
+                <a:lumMod val="75000"/>
+              </a:srgbClr>
+            </a:solidFill>
+            <a:ln w="25400" cap="flat" cmpd="sng" algn="ctr">
+              <a:solidFill>
+                <a:srgbClr val="2098D5">
+                  <a:lumMod val="50000"/>
+                </a:srgbClr>
+              </a:solidFill>
+              <a:prstDash val="solid"/>
+            </a:ln>
+            <a:effectLst/>
+          </p:spPr>
+          <p:txBody>
+            <a:bodyPr rtlCol="0" anchor="ctr"/>
+            <a:lstStyle/>
+            <a:p>
+              <a:pPr marL="0" marR="0" lvl="0" indent="0" algn="ctr" defTabSz="932597" eaLnBrk="1" fontAlgn="auto" latinLnBrk="0" hangingPunct="1">
+                <a:lnSpc>
+                  <a:spcPct val="100000"/>
+                </a:lnSpc>
+                <a:spcBef>
+                  <a:spcPts val="0"/>
+                </a:spcBef>
+                <a:spcAft>
+                  <a:spcPts val="0"/>
+                </a:spcAft>
+                <a:buClrTx/>
+                <a:buSzTx/>
+                <a:buFontTx/>
+                <a:buNone/>
+                <a:tabLst/>
+                <a:defRPr/>
+              </a:pPr>
+              <a:endParaRPr kumimoji="0" lang="en-US" sz="1836" b="0" i="0" u="none" strike="noStrike" kern="0" cap="none" spc="0" normalizeH="0" baseline="0" noProof="0">
+                <a:ln>
+                  <a:noFill/>
+                </a:ln>
+                <a:solidFill>
+                  <a:prstClr val="white"/>
+                </a:solidFill>
+                <a:effectLst/>
+                <a:uLnTx/>
+                <a:uFillTx/>
+                <a:latin typeface="Segoe UI"/>
+                <a:ea typeface="+mn-ea"/>
+                <a:cs typeface="+mn-cs"/>
+              </a:endParaRPr>
+            </a:p>
+          </p:txBody>
+        </p:sp>
+        <p:sp>
+          <p:nvSpPr>
+            <p:cNvPr id="61" name="Cylinder 60">
+              <a:extLst>
+                <a:ext uri="{FF2B5EF4-FFF2-40B4-BE49-F238E27FC236}">
+                  <a16:creationId xmlns:a16="http://schemas.microsoft.com/office/drawing/2014/main" id="{4C8EE044-29C5-479A-92C6-40BCBE230F0C}"/>
+                </a:ext>
+              </a:extLst>
+            </p:cNvPr>
+            <p:cNvSpPr/>
+            <p:nvPr/>
+          </p:nvSpPr>
+          <p:spPr>
+            <a:xfrm>
+              <a:off x="4963831" y="4298078"/>
+              <a:ext cx="1393771" cy="612648"/>
+            </a:xfrm>
+            <a:prstGeom prst="can">
+              <a:avLst>
+                <a:gd name="adj" fmla="val 30417"/>
+              </a:avLst>
+            </a:prstGeom>
+            <a:solidFill>
+              <a:srgbClr val="2098D5">
+                <a:lumMod val="75000"/>
+              </a:srgbClr>
+            </a:solidFill>
+            <a:ln w="25400" cap="flat" cmpd="sng" algn="ctr">
+              <a:solidFill>
+                <a:srgbClr val="2098D5">
+                  <a:lumMod val="50000"/>
+                </a:srgbClr>
+              </a:solidFill>
+              <a:prstDash val="solid"/>
+            </a:ln>
+            <a:effectLst/>
+          </p:spPr>
+          <p:txBody>
+            <a:bodyPr rtlCol="0" anchor="ctr"/>
+            <a:lstStyle/>
+            <a:p>
+              <a:pPr marL="0" marR="0" lvl="0" indent="0" algn="ctr" defTabSz="932597" eaLnBrk="1" fontAlgn="auto" latinLnBrk="0" hangingPunct="1">
+                <a:lnSpc>
+                  <a:spcPct val="100000"/>
+                </a:lnSpc>
+                <a:spcBef>
+                  <a:spcPts val="0"/>
+                </a:spcBef>
+                <a:spcAft>
+                  <a:spcPts val="0"/>
+                </a:spcAft>
+                <a:buClrTx/>
+                <a:buSzTx/>
+                <a:buFontTx/>
+                <a:buNone/>
+                <a:tabLst/>
+                <a:defRPr/>
+              </a:pPr>
+              <a:endParaRPr kumimoji="0" lang="en-US" sz="1836" b="0" i="0" u="none" strike="noStrike" kern="0" cap="none" spc="0" normalizeH="0" baseline="0" noProof="0">
+                <a:ln>
+                  <a:noFill/>
+                </a:ln>
+                <a:solidFill>
+                  <a:prstClr val="white"/>
+                </a:solidFill>
+                <a:effectLst/>
+                <a:uLnTx/>
+                <a:uFillTx/>
+                <a:latin typeface="Segoe UI"/>
+                <a:ea typeface="+mn-ea"/>
+                <a:cs typeface="+mn-cs"/>
+              </a:endParaRPr>
+            </a:p>
+          </p:txBody>
+        </p:sp>
+      </p:grpSp>
+      <p:grpSp>
+        <p:nvGrpSpPr>
+          <p:cNvPr id="62" name="Group 61">
+            <a:extLst>
+              <a:ext uri="{FF2B5EF4-FFF2-40B4-BE49-F238E27FC236}">
+                <a16:creationId xmlns:a16="http://schemas.microsoft.com/office/drawing/2014/main" id="{028D22DA-AEC8-435D-A6D7-ACC959EA57D8}"/>
+              </a:ext>
+            </a:extLst>
+          </p:cNvPr>
+          <p:cNvGrpSpPr/>
+          <p:nvPr/>
+        </p:nvGrpSpPr>
+        <p:grpSpPr>
+          <a:xfrm>
+            <a:off x="7052307" y="1196915"/>
+            <a:ext cx="1675505" cy="1714849"/>
+            <a:chOff x="7739357" y="1288477"/>
+            <a:chExt cx="1675505" cy="1714849"/>
+          </a:xfrm>
+        </p:grpSpPr>
+        <p:sp>
+          <p:nvSpPr>
+            <p:cNvPr id="63" name="Scroll: Vertical 62">
+              <a:extLst>
+                <a:ext uri="{FF2B5EF4-FFF2-40B4-BE49-F238E27FC236}">
+                  <a16:creationId xmlns:a16="http://schemas.microsoft.com/office/drawing/2014/main" id="{0FC0C9DA-2583-434C-9E8D-E44A77F97C38}"/>
+                </a:ext>
+              </a:extLst>
+            </p:cNvPr>
+            <p:cNvSpPr/>
+            <p:nvPr/>
+          </p:nvSpPr>
+          <p:spPr>
+            <a:xfrm rot="10800000">
+              <a:off x="7739357" y="1288477"/>
+              <a:ext cx="1675505" cy="1714849"/>
+            </a:xfrm>
+            <a:prstGeom prst="verticalScroll">
+              <a:avLst/>
+            </a:prstGeom>
+            <a:solidFill>
+              <a:sysClr val="window" lastClr="FFFFFF"/>
+            </a:solidFill>
+            <a:ln w="25400" cap="flat" cmpd="sng" algn="ctr">
+              <a:solidFill>
+                <a:srgbClr val="2098D5">
+                  <a:lumMod val="50000"/>
+                </a:srgbClr>
+              </a:solidFill>
+              <a:prstDash val="solid"/>
+            </a:ln>
+            <a:effectLst/>
+          </p:spPr>
+          <p:txBody>
+            <a:bodyPr rtlCol="0" anchor="ctr"/>
+            <a:lstStyle/>
+            <a:p>
+              <a:pPr marL="0" marR="0" lvl="0" indent="0" algn="ctr" defTabSz="932597" eaLnBrk="1" fontAlgn="auto" latinLnBrk="0" hangingPunct="1">
+                <a:lnSpc>
+                  <a:spcPct val="100000"/>
+                </a:lnSpc>
+                <a:spcBef>
+                  <a:spcPts val="0"/>
+                </a:spcBef>
+                <a:spcAft>
+                  <a:spcPts val="0"/>
+                </a:spcAft>
+                <a:buClrTx/>
+                <a:buSzTx/>
+                <a:buFontTx/>
+                <a:buNone/>
+                <a:tabLst/>
+                <a:defRPr/>
+              </a:pPr>
+              <a:endParaRPr kumimoji="0" lang="en-US" sz="1836" b="0" i="0" u="none" strike="noStrike" kern="0" cap="none" spc="0" normalizeH="0" baseline="0" noProof="0">
+                <a:ln>
+                  <a:noFill/>
+                </a:ln>
+                <a:solidFill>
+                  <a:prstClr val="white"/>
+                </a:solidFill>
+                <a:effectLst/>
+                <a:uLnTx/>
+                <a:uFillTx/>
+                <a:latin typeface="Segoe UI"/>
+                <a:ea typeface="+mn-ea"/>
+                <a:cs typeface="+mn-cs"/>
+              </a:endParaRPr>
+            </a:p>
+          </p:txBody>
+        </p:sp>
+        <p:cxnSp>
+          <p:nvCxnSpPr>
+            <p:cNvPr id="64" name="Straight Connector 63">
+              <a:extLst>
+                <a:ext uri="{FF2B5EF4-FFF2-40B4-BE49-F238E27FC236}">
+                  <a16:creationId xmlns:a16="http://schemas.microsoft.com/office/drawing/2014/main" id="{B444335C-F41E-44EE-8E09-B709F2FDBA5B}"/>
+                </a:ext>
+              </a:extLst>
+            </p:cNvPr>
+            <p:cNvCxnSpPr>
+              <a:cxnSpLocks/>
+            </p:cNvCxnSpPr>
+            <p:nvPr/>
+          </p:nvCxnSpPr>
+          <p:spPr>
+            <a:xfrm>
+              <a:off x="8044496" y="1560036"/>
+              <a:ext cx="1065225" cy="0"/>
+            </a:xfrm>
+            <a:prstGeom prst="line">
+              <a:avLst/>
+            </a:prstGeom>
+            <a:noFill/>
+            <a:ln w="38100" cap="flat" cmpd="sng" algn="ctr">
+              <a:solidFill>
+                <a:srgbClr val="2098D5">
+                  <a:lumMod val="75000"/>
+                </a:srgbClr>
+              </a:solidFill>
+              <a:prstDash val="solid"/>
+            </a:ln>
+            <a:effectLst/>
+          </p:spPr>
+        </p:cxnSp>
+        <p:cxnSp>
+          <p:nvCxnSpPr>
+            <p:cNvPr id="65" name="Straight Connector 64">
+              <a:extLst>
+                <a:ext uri="{FF2B5EF4-FFF2-40B4-BE49-F238E27FC236}">
+                  <a16:creationId xmlns:a16="http://schemas.microsoft.com/office/drawing/2014/main" id="{C8FEA425-B9F4-4E75-8EF5-8A327E2BA5E3}"/>
+                </a:ext>
+              </a:extLst>
+            </p:cNvPr>
+            <p:cNvCxnSpPr>
+              <a:cxnSpLocks/>
+            </p:cNvCxnSpPr>
+            <p:nvPr/>
+          </p:nvCxnSpPr>
+          <p:spPr>
+            <a:xfrm>
+              <a:off x="8044496" y="1735069"/>
+              <a:ext cx="1065225" cy="0"/>
+            </a:xfrm>
+            <a:prstGeom prst="line">
+              <a:avLst/>
+            </a:prstGeom>
+            <a:noFill/>
+            <a:ln w="38100" cap="flat" cmpd="sng" algn="ctr">
+              <a:solidFill>
+                <a:srgbClr val="2098D5">
+                  <a:lumMod val="75000"/>
+                </a:srgbClr>
+              </a:solidFill>
+              <a:prstDash val="solid"/>
+            </a:ln>
+            <a:effectLst/>
+          </p:spPr>
+        </p:cxnSp>
+        <p:cxnSp>
+          <p:nvCxnSpPr>
+            <p:cNvPr id="66" name="Straight Connector 65">
+              <a:extLst>
+                <a:ext uri="{FF2B5EF4-FFF2-40B4-BE49-F238E27FC236}">
+                  <a16:creationId xmlns:a16="http://schemas.microsoft.com/office/drawing/2014/main" id="{36B6B7AB-D97F-47D5-95E0-4C9439477046}"/>
+                </a:ext>
+              </a:extLst>
+            </p:cNvPr>
+            <p:cNvCxnSpPr>
+              <a:cxnSpLocks/>
+            </p:cNvCxnSpPr>
+            <p:nvPr/>
+          </p:nvCxnSpPr>
+          <p:spPr>
+            <a:xfrm>
+              <a:off x="8044496" y="1910101"/>
+              <a:ext cx="1065225" cy="0"/>
+            </a:xfrm>
+            <a:prstGeom prst="line">
+              <a:avLst/>
+            </a:prstGeom>
+            <a:noFill/>
+            <a:ln w="38100" cap="flat" cmpd="sng" algn="ctr">
+              <a:solidFill>
+                <a:srgbClr val="2098D5">
+                  <a:lumMod val="75000"/>
+                </a:srgbClr>
+              </a:solidFill>
+              <a:prstDash val="solid"/>
+            </a:ln>
+            <a:effectLst/>
+          </p:spPr>
+        </p:cxnSp>
+        <p:cxnSp>
+          <p:nvCxnSpPr>
+            <p:cNvPr id="67" name="Straight Connector 66">
+              <a:extLst>
+                <a:ext uri="{FF2B5EF4-FFF2-40B4-BE49-F238E27FC236}">
+                  <a16:creationId xmlns:a16="http://schemas.microsoft.com/office/drawing/2014/main" id="{08F459B7-C16A-4C8C-9AD1-E6E48FA02422}"/>
+                </a:ext>
+              </a:extLst>
+            </p:cNvPr>
+            <p:cNvCxnSpPr>
+              <a:cxnSpLocks/>
+            </p:cNvCxnSpPr>
+            <p:nvPr/>
+          </p:nvCxnSpPr>
+          <p:spPr>
+            <a:xfrm>
+              <a:off x="8044496" y="2085133"/>
+              <a:ext cx="1065225" cy="0"/>
+            </a:xfrm>
+            <a:prstGeom prst="line">
+              <a:avLst/>
+            </a:prstGeom>
+            <a:noFill/>
+            <a:ln w="38100" cap="flat" cmpd="sng" algn="ctr">
+              <a:solidFill>
+                <a:srgbClr val="2098D5">
+                  <a:lumMod val="75000"/>
+                </a:srgbClr>
+              </a:solidFill>
+              <a:prstDash val="solid"/>
+            </a:ln>
+            <a:effectLst/>
+          </p:spPr>
+        </p:cxnSp>
+        <p:cxnSp>
+          <p:nvCxnSpPr>
+            <p:cNvPr id="68" name="Straight Connector 67">
+              <a:extLst>
+                <a:ext uri="{FF2B5EF4-FFF2-40B4-BE49-F238E27FC236}">
+                  <a16:creationId xmlns:a16="http://schemas.microsoft.com/office/drawing/2014/main" id="{C7BEB7DF-687A-48BA-A0BB-036925AC3601}"/>
+                </a:ext>
+              </a:extLst>
+            </p:cNvPr>
+            <p:cNvCxnSpPr>
+              <a:cxnSpLocks/>
+            </p:cNvCxnSpPr>
+            <p:nvPr/>
+          </p:nvCxnSpPr>
+          <p:spPr>
+            <a:xfrm>
+              <a:off x="8044496" y="2260166"/>
+              <a:ext cx="1065225" cy="0"/>
+            </a:xfrm>
+            <a:prstGeom prst="line">
+              <a:avLst/>
+            </a:prstGeom>
+            <a:noFill/>
+            <a:ln w="38100" cap="flat" cmpd="sng" algn="ctr">
+              <a:solidFill>
+                <a:srgbClr val="2098D5">
+                  <a:lumMod val="75000"/>
+                </a:srgbClr>
+              </a:solidFill>
+              <a:prstDash val="solid"/>
+            </a:ln>
+            <a:effectLst/>
+          </p:spPr>
+        </p:cxnSp>
+        <p:cxnSp>
+          <p:nvCxnSpPr>
+            <p:cNvPr id="69" name="Straight Connector 68">
+              <a:extLst>
+                <a:ext uri="{FF2B5EF4-FFF2-40B4-BE49-F238E27FC236}">
+                  <a16:creationId xmlns:a16="http://schemas.microsoft.com/office/drawing/2014/main" id="{BC3BCE44-3F22-43C2-8859-2D27021832D1}"/>
+                </a:ext>
+              </a:extLst>
+            </p:cNvPr>
+            <p:cNvCxnSpPr>
+              <a:cxnSpLocks/>
+            </p:cNvCxnSpPr>
+            <p:nvPr/>
+          </p:nvCxnSpPr>
+          <p:spPr>
+            <a:xfrm>
+              <a:off x="8044496" y="2610229"/>
+              <a:ext cx="1065225" cy="0"/>
+            </a:xfrm>
+            <a:prstGeom prst="line">
+              <a:avLst/>
+            </a:prstGeom>
+            <a:noFill/>
+            <a:ln w="38100" cap="flat" cmpd="sng" algn="ctr">
+              <a:solidFill>
+                <a:srgbClr val="2098D5">
+                  <a:lumMod val="75000"/>
+                </a:srgbClr>
+              </a:solidFill>
+              <a:prstDash val="solid"/>
+            </a:ln>
+            <a:effectLst/>
+          </p:spPr>
+        </p:cxnSp>
+        <p:cxnSp>
+          <p:nvCxnSpPr>
+            <p:cNvPr id="70" name="Straight Connector 69">
+              <a:extLst>
+                <a:ext uri="{FF2B5EF4-FFF2-40B4-BE49-F238E27FC236}">
+                  <a16:creationId xmlns:a16="http://schemas.microsoft.com/office/drawing/2014/main" id="{D4ACCC6B-B053-4873-BC6B-A9BD76576A76}"/>
+                </a:ext>
+              </a:extLst>
+            </p:cNvPr>
+            <p:cNvCxnSpPr>
+              <a:cxnSpLocks/>
+            </p:cNvCxnSpPr>
+            <p:nvPr/>
+          </p:nvCxnSpPr>
+          <p:spPr>
+            <a:xfrm>
+              <a:off x="8044496" y="2435198"/>
+              <a:ext cx="1065225" cy="0"/>
+            </a:xfrm>
+            <a:prstGeom prst="line">
+              <a:avLst/>
+            </a:prstGeom>
+            <a:noFill/>
+            <a:ln w="38100" cap="flat" cmpd="sng" algn="ctr">
+              <a:solidFill>
+                <a:srgbClr val="2098D5">
+                  <a:lumMod val="75000"/>
+                </a:srgbClr>
+              </a:solidFill>
+              <a:prstDash val="solid"/>
+            </a:ln>
+            <a:effectLst/>
+          </p:spPr>
+        </p:cxnSp>
+      </p:grpSp>
+      <p:grpSp>
+        <p:nvGrpSpPr>
+          <p:cNvPr id="71" name="Group 70">
+            <a:extLst>
+              <a:ext uri="{FF2B5EF4-FFF2-40B4-BE49-F238E27FC236}">
+                <a16:creationId xmlns:a16="http://schemas.microsoft.com/office/drawing/2014/main" id="{A90522ED-2F22-4979-914F-E0618F50BC19}"/>
+              </a:ext>
+            </a:extLst>
+          </p:cNvPr>
+          <p:cNvGrpSpPr/>
+          <p:nvPr/>
+        </p:nvGrpSpPr>
+        <p:grpSpPr>
+          <a:xfrm>
+            <a:off x="4046841" y="4251360"/>
+            <a:ext cx="1480232" cy="2150137"/>
+            <a:chOff x="3846559" y="3931417"/>
+            <a:chExt cx="1451340" cy="2108169"/>
+          </a:xfrm>
+        </p:grpSpPr>
+        <p:sp>
+          <p:nvSpPr>
+            <p:cNvPr id="72" name="Rectangle: Diagonal Corners Rounded 71">
+              <a:extLst>
+                <a:ext uri="{FF2B5EF4-FFF2-40B4-BE49-F238E27FC236}">
+                  <a16:creationId xmlns:a16="http://schemas.microsoft.com/office/drawing/2014/main" id="{3E3C855A-E157-4E93-89BF-92F36A12CA1C}"/>
+                </a:ext>
+              </a:extLst>
+            </p:cNvPr>
+            <p:cNvSpPr/>
+            <p:nvPr/>
+          </p:nvSpPr>
+          <p:spPr>
+            <a:xfrm>
+              <a:off x="3846559" y="3931417"/>
+              <a:ext cx="1189624" cy="1729435"/>
+            </a:xfrm>
+            <a:prstGeom prst="round2DiagRect">
+              <a:avLst>
+                <a:gd name="adj1" fmla="val 3765"/>
+                <a:gd name="adj2" fmla="val 0"/>
+              </a:avLst>
+            </a:prstGeom>
+            <a:solidFill>
+              <a:sysClr val="windowText" lastClr="000000">
+                <a:lumMod val="65000"/>
+                <a:lumOff val="35000"/>
+              </a:sysClr>
+            </a:solidFill>
+            <a:ln w="25400" cap="flat" cmpd="sng" algn="ctr">
+              <a:solidFill>
+                <a:srgbClr val="424CA0">
+                  <a:shade val="50000"/>
+                </a:srgbClr>
+              </a:solidFill>
+              <a:prstDash val="solid"/>
+            </a:ln>
+            <a:effectLst/>
+          </p:spPr>
+          <p:txBody>
+            <a:bodyPr rtlCol="0" anchor="ctr"/>
+            <a:lstStyle/>
+            <a:p>
+              <a:pPr marL="0" marR="0" lvl="0" indent="0" algn="ctr" defTabSz="932597" eaLnBrk="1" fontAlgn="auto" latinLnBrk="0" hangingPunct="1">
+                <a:lnSpc>
+                  <a:spcPct val="100000"/>
+                </a:lnSpc>
+                <a:spcBef>
+                  <a:spcPts val="0"/>
+                </a:spcBef>
+                <a:spcAft>
+                  <a:spcPts val="0"/>
+                </a:spcAft>
+                <a:buClrTx/>
+                <a:buSzTx/>
+                <a:buFontTx/>
+                <a:buNone/>
+                <a:tabLst/>
+                <a:defRPr/>
+              </a:pPr>
+              <a:endParaRPr kumimoji="0" lang="en-US" sz="1836" b="0" i="0" u="none" strike="noStrike" kern="0" cap="none" spc="0" normalizeH="0" baseline="0" noProof="0">
+                <a:ln>
+                  <a:noFill/>
+                </a:ln>
+                <a:solidFill>
+                  <a:prstClr val="white"/>
+                </a:solidFill>
+                <a:effectLst/>
+                <a:uLnTx/>
+                <a:uFillTx/>
+                <a:latin typeface="Segoe UI"/>
+                <a:ea typeface="+mn-ea"/>
+                <a:cs typeface="+mn-cs"/>
+              </a:endParaRPr>
+            </a:p>
+          </p:txBody>
+        </p:sp>
+        <p:grpSp>
+          <p:nvGrpSpPr>
+            <p:cNvPr id="73" name="Group 72">
+              <a:extLst>
+                <a:ext uri="{FF2B5EF4-FFF2-40B4-BE49-F238E27FC236}">
+                  <a16:creationId xmlns:a16="http://schemas.microsoft.com/office/drawing/2014/main" id="{2593FE0F-1CB8-4FCA-8743-606BC73AA36A}"/>
+                </a:ext>
+              </a:extLst>
+            </p:cNvPr>
+            <p:cNvGrpSpPr/>
+            <p:nvPr/>
+          </p:nvGrpSpPr>
+          <p:grpSpPr>
+            <a:xfrm>
+              <a:off x="3926578" y="4137155"/>
+              <a:ext cx="1109606" cy="0"/>
+              <a:chOff x="2936943" y="4120563"/>
+              <a:chExt cx="909721" cy="0"/>
+            </a:xfrm>
+          </p:grpSpPr>
+          <p:cxnSp>
+            <p:nvCxnSpPr>
+              <p:cNvPr id="88" name="Straight Connector 87">
+                <a:extLst>
+                  <a:ext uri="{FF2B5EF4-FFF2-40B4-BE49-F238E27FC236}">
+                    <a16:creationId xmlns:a16="http://schemas.microsoft.com/office/drawing/2014/main" id="{CDEFCC7F-9910-4594-B86B-83342DB5CFCC}"/>
+                  </a:ext>
+                </a:extLst>
+              </p:cNvPr>
+              <p:cNvCxnSpPr>
+                <a:cxnSpLocks/>
+              </p:cNvCxnSpPr>
+              <p:nvPr/>
+            </p:nvCxnSpPr>
+            <p:spPr>
+              <a:xfrm>
+                <a:off x="2936943" y="4120563"/>
+                <a:ext cx="838103" cy="0"/>
+              </a:xfrm>
+              <a:prstGeom prst="line">
+                <a:avLst/>
+              </a:prstGeom>
+              <a:noFill/>
+              <a:ln w="19050" cap="flat" cmpd="sng" algn="ctr">
+                <a:solidFill>
+                  <a:srgbClr val="2098D5">
+                    <a:lumMod val="75000"/>
+                  </a:srgbClr>
+                </a:solidFill>
+                <a:prstDash val="solid"/>
+              </a:ln>
+              <a:effectLst/>
+            </p:spPr>
+          </p:cxnSp>
+          <p:cxnSp>
+            <p:nvCxnSpPr>
+              <p:cNvPr id="89" name="Straight Connector 88">
+                <a:extLst>
+                  <a:ext uri="{FF2B5EF4-FFF2-40B4-BE49-F238E27FC236}">
+                    <a16:creationId xmlns:a16="http://schemas.microsoft.com/office/drawing/2014/main" id="{B7338971-8AA3-4D5A-8CDF-20661E9C0B36}"/>
+                  </a:ext>
+                </a:extLst>
+              </p:cNvPr>
+              <p:cNvCxnSpPr>
+                <a:cxnSpLocks/>
+              </p:cNvCxnSpPr>
+              <p:nvPr/>
+            </p:nvCxnSpPr>
+            <p:spPr>
+              <a:xfrm>
+                <a:off x="3439486" y="4120563"/>
+                <a:ext cx="407178" cy="0"/>
+              </a:xfrm>
+              <a:prstGeom prst="line">
+                <a:avLst/>
+              </a:prstGeom>
+              <a:noFill/>
+              <a:ln w="76200" cap="flat" cmpd="sng" algn="ctr">
+                <a:solidFill>
+                  <a:srgbClr val="2098D5">
+                    <a:lumMod val="60000"/>
+                    <a:lumOff val="40000"/>
+                  </a:srgbClr>
+                </a:solidFill>
+                <a:prstDash val="solid"/>
+              </a:ln>
+              <a:effectLst/>
+            </p:spPr>
+          </p:cxnSp>
+        </p:grpSp>
+        <p:grpSp>
+          <p:nvGrpSpPr>
+            <p:cNvPr id="74" name="Group 73">
+              <a:extLst>
+                <a:ext uri="{FF2B5EF4-FFF2-40B4-BE49-F238E27FC236}">
+                  <a16:creationId xmlns:a16="http://schemas.microsoft.com/office/drawing/2014/main" id="{F45078F8-0199-4AD1-86DC-0C1B59EC3C35}"/>
+                </a:ext>
+              </a:extLst>
+            </p:cNvPr>
+            <p:cNvGrpSpPr/>
+            <p:nvPr/>
+          </p:nvGrpSpPr>
+          <p:grpSpPr>
+            <a:xfrm>
+              <a:off x="3926578" y="4304882"/>
+              <a:ext cx="1109606" cy="0"/>
+              <a:chOff x="2936943" y="4120563"/>
+              <a:chExt cx="909721" cy="0"/>
+            </a:xfrm>
+          </p:grpSpPr>
+          <p:cxnSp>
+            <p:nvCxnSpPr>
+              <p:cNvPr id="86" name="Straight Connector 85">
+                <a:extLst>
+                  <a:ext uri="{FF2B5EF4-FFF2-40B4-BE49-F238E27FC236}">
+                    <a16:creationId xmlns:a16="http://schemas.microsoft.com/office/drawing/2014/main" id="{53923D4A-9C90-42E3-B9BC-D788A2F6E03E}"/>
+                  </a:ext>
+                </a:extLst>
+              </p:cNvPr>
+              <p:cNvCxnSpPr>
+                <a:cxnSpLocks/>
+              </p:cNvCxnSpPr>
+              <p:nvPr/>
+            </p:nvCxnSpPr>
+            <p:spPr>
+              <a:xfrm>
+                <a:off x="2936943" y="4120563"/>
+                <a:ext cx="838103" cy="0"/>
+              </a:xfrm>
+              <a:prstGeom prst="line">
+                <a:avLst/>
+              </a:prstGeom>
+              <a:noFill/>
+              <a:ln w="19050" cap="flat" cmpd="sng" algn="ctr">
+                <a:solidFill>
+                  <a:srgbClr val="2098D5">
+                    <a:lumMod val="75000"/>
+                  </a:srgbClr>
+                </a:solidFill>
+                <a:prstDash val="solid"/>
+              </a:ln>
+              <a:effectLst/>
+            </p:spPr>
+          </p:cxnSp>
+          <p:cxnSp>
+            <p:nvCxnSpPr>
+              <p:cNvPr id="87" name="Straight Connector 86">
+                <a:extLst>
+                  <a:ext uri="{FF2B5EF4-FFF2-40B4-BE49-F238E27FC236}">
+                    <a16:creationId xmlns:a16="http://schemas.microsoft.com/office/drawing/2014/main" id="{55054538-D9E7-4244-B617-7EB70749E75F}"/>
+                  </a:ext>
+                </a:extLst>
+              </p:cNvPr>
+              <p:cNvCxnSpPr>
+                <a:cxnSpLocks/>
+              </p:cNvCxnSpPr>
+              <p:nvPr/>
+            </p:nvCxnSpPr>
+            <p:spPr>
+              <a:xfrm>
+                <a:off x="3439486" y="4120563"/>
+                <a:ext cx="407178" cy="0"/>
+              </a:xfrm>
+              <a:prstGeom prst="line">
+                <a:avLst/>
+              </a:prstGeom>
+              <a:noFill/>
+              <a:ln w="76200" cap="flat" cmpd="sng" algn="ctr">
+                <a:solidFill>
+                  <a:srgbClr val="2098D5">
+                    <a:lumMod val="60000"/>
+                    <a:lumOff val="40000"/>
+                  </a:srgbClr>
+                </a:solidFill>
+                <a:prstDash val="solid"/>
+              </a:ln>
+              <a:effectLst/>
+            </p:spPr>
+          </p:cxnSp>
+        </p:grpSp>
+        <p:grpSp>
+          <p:nvGrpSpPr>
+            <p:cNvPr id="75" name="Group 74">
+              <a:extLst>
+                <a:ext uri="{FF2B5EF4-FFF2-40B4-BE49-F238E27FC236}">
+                  <a16:creationId xmlns:a16="http://schemas.microsoft.com/office/drawing/2014/main" id="{D949FF13-1C89-4791-A30E-A1ABD70CA0B2}"/>
+                </a:ext>
+              </a:extLst>
+            </p:cNvPr>
+            <p:cNvGrpSpPr/>
+            <p:nvPr/>
+          </p:nvGrpSpPr>
+          <p:grpSpPr>
+            <a:xfrm>
+              <a:off x="3926578" y="4472610"/>
+              <a:ext cx="1109606" cy="0"/>
+              <a:chOff x="2936943" y="4120563"/>
+              <a:chExt cx="909721" cy="0"/>
+            </a:xfrm>
+          </p:grpSpPr>
+          <p:cxnSp>
+            <p:nvCxnSpPr>
+              <p:cNvPr id="84" name="Straight Connector 83">
+                <a:extLst>
+                  <a:ext uri="{FF2B5EF4-FFF2-40B4-BE49-F238E27FC236}">
+                    <a16:creationId xmlns:a16="http://schemas.microsoft.com/office/drawing/2014/main" id="{E7B1EE0B-7B86-4C78-A10C-FC7CC59B24A3}"/>
+                  </a:ext>
+                </a:extLst>
+              </p:cNvPr>
+              <p:cNvCxnSpPr>
+                <a:cxnSpLocks/>
+              </p:cNvCxnSpPr>
+              <p:nvPr/>
+            </p:nvCxnSpPr>
+            <p:spPr>
+              <a:xfrm>
+                <a:off x="2936943" y="4120563"/>
+                <a:ext cx="838103" cy="0"/>
+              </a:xfrm>
+              <a:prstGeom prst="line">
+                <a:avLst/>
+              </a:prstGeom>
+              <a:noFill/>
+              <a:ln w="19050" cap="flat" cmpd="sng" algn="ctr">
+                <a:solidFill>
+                  <a:srgbClr val="2098D5">
+                    <a:lumMod val="75000"/>
+                  </a:srgbClr>
+                </a:solidFill>
+                <a:prstDash val="solid"/>
+              </a:ln>
+              <a:effectLst/>
+            </p:spPr>
+          </p:cxnSp>
+          <p:cxnSp>
+            <p:nvCxnSpPr>
+              <p:cNvPr id="85" name="Straight Connector 84">
+                <a:extLst>
+                  <a:ext uri="{FF2B5EF4-FFF2-40B4-BE49-F238E27FC236}">
+                    <a16:creationId xmlns:a16="http://schemas.microsoft.com/office/drawing/2014/main" id="{35AD41D6-AF79-4E6D-83A5-B6542986730E}"/>
+                  </a:ext>
+                </a:extLst>
+              </p:cNvPr>
+              <p:cNvCxnSpPr>
+                <a:cxnSpLocks/>
+              </p:cNvCxnSpPr>
+              <p:nvPr/>
+            </p:nvCxnSpPr>
+            <p:spPr>
+              <a:xfrm>
+                <a:off x="3439486" y="4120563"/>
+                <a:ext cx="407178" cy="0"/>
+              </a:xfrm>
+              <a:prstGeom prst="line">
+                <a:avLst/>
+              </a:prstGeom>
+              <a:noFill/>
+              <a:ln w="76200" cap="flat" cmpd="sng" algn="ctr">
+                <a:solidFill>
+                  <a:srgbClr val="2098D5">
+                    <a:lumMod val="60000"/>
+                    <a:lumOff val="40000"/>
+                  </a:srgbClr>
+                </a:solidFill>
+                <a:prstDash val="solid"/>
+              </a:ln>
+              <a:effectLst/>
+            </p:spPr>
+          </p:cxnSp>
+        </p:grpSp>
+        <p:sp>
+          <p:nvSpPr>
+            <p:cNvPr id="76" name="Oval 75">
+              <a:extLst>
+                <a:ext uri="{FF2B5EF4-FFF2-40B4-BE49-F238E27FC236}">
+                  <a16:creationId xmlns:a16="http://schemas.microsoft.com/office/drawing/2014/main" id="{4AA0A5E8-1D3E-4CE4-A1D9-FC70B7B71013}"/>
+                </a:ext>
+              </a:extLst>
+            </p:cNvPr>
+            <p:cNvSpPr/>
+            <p:nvPr/>
+          </p:nvSpPr>
+          <p:spPr>
+            <a:xfrm>
+              <a:off x="3926578" y="5460456"/>
+              <a:ext cx="104204" cy="128671"/>
+            </a:xfrm>
+            <a:prstGeom prst="ellipse">
+              <a:avLst/>
+            </a:prstGeom>
+            <a:solidFill>
+              <a:srgbClr val="2098D5">
+                <a:lumMod val="75000"/>
+              </a:srgbClr>
+            </a:solidFill>
+            <a:ln w="25400" cap="flat" cmpd="sng" algn="ctr">
+              <a:solidFill>
+                <a:srgbClr val="2098D5">
+                  <a:lumMod val="50000"/>
+                </a:srgbClr>
+              </a:solidFill>
+              <a:prstDash val="solid"/>
+            </a:ln>
+            <a:effectLst/>
+          </p:spPr>
+          <p:txBody>
+            <a:bodyPr rtlCol="0" anchor="ctr"/>
+            <a:lstStyle/>
+            <a:p>
+              <a:pPr marL="0" marR="0" lvl="0" indent="0" algn="ctr" defTabSz="932597" eaLnBrk="1" fontAlgn="auto" latinLnBrk="0" hangingPunct="1">
+                <a:lnSpc>
+                  <a:spcPct val="100000"/>
+                </a:lnSpc>
+                <a:spcBef>
+                  <a:spcPts val="0"/>
+                </a:spcBef>
+                <a:spcAft>
+                  <a:spcPts val="0"/>
+                </a:spcAft>
+                <a:buClrTx/>
+                <a:buSzTx/>
+                <a:buFontTx/>
+                <a:buNone/>
+                <a:tabLst/>
+                <a:defRPr/>
+              </a:pPr>
+              <a:endParaRPr kumimoji="0" lang="en-US" sz="1836" b="0" i="0" u="none" strike="noStrike" kern="0" cap="none" spc="0" normalizeH="0" baseline="0" noProof="0">
+                <a:ln>
+                  <a:noFill/>
+                </a:ln>
+                <a:solidFill>
+                  <a:prstClr val="white"/>
+                </a:solidFill>
+                <a:effectLst/>
+                <a:uLnTx/>
+                <a:uFillTx/>
+                <a:latin typeface="Segoe UI"/>
+                <a:ea typeface="+mn-ea"/>
+                <a:cs typeface="+mn-cs"/>
+              </a:endParaRPr>
+            </a:p>
+          </p:txBody>
+        </p:sp>
+        <p:grpSp>
+          <p:nvGrpSpPr>
+            <p:cNvPr id="77" name="Group 76">
+              <a:extLst>
+                <a:ext uri="{FF2B5EF4-FFF2-40B4-BE49-F238E27FC236}">
+                  <a16:creationId xmlns:a16="http://schemas.microsoft.com/office/drawing/2014/main" id="{FD1E4053-5B81-489B-BA91-4A94CE746EBF}"/>
+                </a:ext>
+              </a:extLst>
+            </p:cNvPr>
+            <p:cNvGrpSpPr/>
+            <p:nvPr/>
+          </p:nvGrpSpPr>
+          <p:grpSpPr>
+            <a:xfrm>
+              <a:off x="4275647" y="4623556"/>
+              <a:ext cx="1022252" cy="1416030"/>
+              <a:chOff x="4348386" y="4719957"/>
+              <a:chExt cx="1022252" cy="1416030"/>
+            </a:xfrm>
+          </p:grpSpPr>
+          <p:sp>
+            <p:nvSpPr>
+              <p:cNvPr id="78" name="Rounded Rectangle 30">
+                <a:extLst>
+                  <a:ext uri="{FF2B5EF4-FFF2-40B4-BE49-F238E27FC236}">
+                    <a16:creationId xmlns:a16="http://schemas.microsoft.com/office/drawing/2014/main" id="{0E1D0349-E50F-4277-A7AB-22F21660548B}"/>
+                  </a:ext>
+                </a:extLst>
+              </p:cNvPr>
+              <p:cNvSpPr/>
+              <p:nvPr/>
+            </p:nvSpPr>
+            <p:spPr>
+              <a:xfrm>
+                <a:off x="4348386" y="4720869"/>
+                <a:ext cx="1022252" cy="1415118"/>
+              </a:xfrm>
+              <a:prstGeom prst="roundRect">
+                <a:avLst/>
+              </a:prstGeom>
+              <a:solidFill>
+                <a:srgbClr val="296A8E"/>
+              </a:solidFill>
+              <a:ln w="25400" cap="flat" cmpd="sng" algn="ctr">
+                <a:solidFill>
+                  <a:srgbClr val="424CA0">
+                    <a:shade val="50000"/>
+                  </a:srgbClr>
+                </a:solidFill>
+                <a:prstDash val="solid"/>
+              </a:ln>
+              <a:effectLst/>
+            </p:spPr>
+            <p:txBody>
+              <a:bodyPr rtlCol="0" anchor="ctr"/>
+              <a:lstStyle/>
+              <a:p>
+                <a:pPr marL="0" marR="0" lvl="0" indent="0" algn="ctr" defTabSz="932597" eaLnBrk="1" fontAlgn="auto" latinLnBrk="0" hangingPunct="1">
+                  <a:lnSpc>
+                    <a:spcPct val="100000"/>
+                  </a:lnSpc>
+                  <a:spcBef>
+                    <a:spcPts val="0"/>
+                  </a:spcBef>
+                  <a:spcAft>
+                    <a:spcPts val="0"/>
+                  </a:spcAft>
+                  <a:buClrTx/>
+                  <a:buSzTx/>
+                  <a:buFontTx/>
+                  <a:buNone/>
+                  <a:tabLst/>
+                  <a:defRPr/>
+                </a:pPr>
+                <a:endParaRPr kumimoji="0" lang="en-US" sz="1224" b="0" i="0" u="none" strike="noStrike" kern="0" cap="none" spc="0" normalizeH="0" baseline="0" noProof="0">
+                  <a:ln>
+                    <a:noFill/>
+                  </a:ln>
+                  <a:solidFill>
+                    <a:sysClr val="windowText" lastClr="000000"/>
+                  </a:solidFill>
+                  <a:effectLst/>
+                  <a:uLnTx/>
+                  <a:uFillTx/>
+                  <a:latin typeface="Segoe UI"/>
+                  <a:ea typeface="+mn-ea"/>
+                  <a:cs typeface="+mn-cs"/>
+                </a:endParaRPr>
+              </a:p>
+            </p:txBody>
+          </p:sp>
+          <p:sp>
+            <p:nvSpPr>
+              <p:cNvPr id="79" name="Rectangle 78">
+                <a:extLst>
+                  <a:ext uri="{FF2B5EF4-FFF2-40B4-BE49-F238E27FC236}">
+                    <a16:creationId xmlns:a16="http://schemas.microsoft.com/office/drawing/2014/main" id="{1CAEF012-4413-402A-98AD-084E8290B6DB}"/>
+                  </a:ext>
+                </a:extLst>
+              </p:cNvPr>
+              <p:cNvSpPr/>
+              <p:nvPr/>
+            </p:nvSpPr>
+            <p:spPr>
+              <a:xfrm>
+                <a:off x="4434210" y="4961516"/>
+                <a:ext cx="850605" cy="257635"/>
+              </a:xfrm>
+              <a:prstGeom prst="rect">
+                <a:avLst/>
+              </a:prstGeom>
+              <a:solidFill>
+                <a:srgbClr val="2098D5">
+                  <a:lumMod val="20000"/>
+                  <a:lumOff val="80000"/>
+                </a:srgbClr>
+              </a:solidFill>
+              <a:ln w="9525" cap="flat" cmpd="sng" algn="ctr">
+                <a:solidFill>
+                  <a:srgbClr val="424CA0">
+                    <a:shade val="95000"/>
+                    <a:satMod val="105000"/>
+                  </a:srgbClr>
+                </a:solidFill>
+                <a:prstDash val="solid"/>
+              </a:ln>
+              <a:effectLst>
+                <a:outerShdw blurRad="40000" dist="20000" dir="5400000" rotWithShape="0">
+                  <a:srgbClr val="000000">
+                    <a:alpha val="38000"/>
+                  </a:srgbClr>
+                </a:outerShdw>
+              </a:effectLst>
+            </p:spPr>
+            <p:txBody>
+              <a:bodyPr wrap="square" lIns="69945" tIns="34973" rIns="69945" bIns="34973">
+                <a:spAutoFit/>
+              </a:bodyPr>
+              <a:lstStyle/>
+              <a:p>
+                <a:pPr marL="0" marR="0" lvl="0" indent="0" algn="ctr" defTabSz="699447" eaLnBrk="1" fontAlgn="auto" latinLnBrk="0" hangingPunct="1">
+                  <a:lnSpc>
+                    <a:spcPct val="100000"/>
+                  </a:lnSpc>
+                  <a:spcBef>
+                    <a:spcPts val="0"/>
+                  </a:spcBef>
+                  <a:spcAft>
+                    <a:spcPts val="0"/>
+                  </a:spcAft>
+                  <a:buClrTx/>
+                  <a:buSzTx/>
+                  <a:buFontTx/>
+                  <a:buNone/>
+                  <a:tabLst/>
+                  <a:defRPr/>
+                </a:pPr>
+                <a:r>
+                  <a:rPr kumimoji="0" lang="en-US" sz="1224" b="1" i="0" u="none" strike="noStrike" kern="0" cap="none" spc="0" normalizeH="0" baseline="0" noProof="0" dirty="0">
+                    <a:ln w="1905"/>
+                    <a:solidFill>
+                      <a:srgbClr val="1F497D">
+                        <a:lumMod val="75000"/>
+                      </a:srgbClr>
+                    </a:solidFill>
+                    <a:effectLst>
+                      <a:innerShdw blurRad="69850" dist="43180" dir="5400000">
+                        <a:srgbClr val="000000">
+                          <a:alpha val="65000"/>
+                        </a:srgbClr>
+                      </a:innerShdw>
+                    </a:effectLst>
+                    <a:uLnTx/>
+                    <a:uFillTx/>
+                    <a:latin typeface="Calibri" panose="020F0502020204030204" pitchFamily="34" charset="0"/>
+                    <a:ea typeface="+mn-ea"/>
+                    <a:cs typeface="+mn-cs"/>
+                  </a:rPr>
+                  <a:t>Data Row</a:t>
+                </a:r>
+                <a:endParaRPr kumimoji="0" lang="en-US" sz="1224" b="1" i="0" u="none" strike="noStrike" kern="0" cap="none" spc="0" normalizeH="0" baseline="0" noProof="0" dirty="0">
+                  <a:ln w="1905"/>
+                  <a:solidFill>
+                    <a:srgbClr val="1F497D">
+                      <a:lumMod val="60000"/>
+                      <a:lumOff val="40000"/>
+                    </a:srgbClr>
+                  </a:solidFill>
+                  <a:effectLst>
+                    <a:innerShdw blurRad="69850" dist="43180" dir="5400000">
+                      <a:srgbClr val="000000">
+                        <a:alpha val="65000"/>
+                      </a:srgbClr>
+                    </a:innerShdw>
+                  </a:effectLst>
+                  <a:uLnTx/>
+                  <a:uFillTx/>
+                  <a:latin typeface="Calibri" panose="020F0502020204030204" pitchFamily="34" charset="0"/>
+                  <a:ea typeface="+mn-ea"/>
+                  <a:cs typeface="+mn-cs"/>
+                </a:endParaRPr>
+              </a:p>
+            </p:txBody>
+          </p:sp>
+          <p:sp>
+            <p:nvSpPr>
+              <p:cNvPr id="80" name="Rectangle 79">
+                <a:extLst>
+                  <a:ext uri="{FF2B5EF4-FFF2-40B4-BE49-F238E27FC236}">
+                    <a16:creationId xmlns:a16="http://schemas.microsoft.com/office/drawing/2014/main" id="{A8B838A8-832C-4106-93C2-CA3A2F236A3E}"/>
+                  </a:ext>
+                </a:extLst>
+              </p:cNvPr>
+              <p:cNvSpPr/>
+              <p:nvPr/>
+            </p:nvSpPr>
+            <p:spPr>
+              <a:xfrm>
+                <a:off x="4434210" y="5243450"/>
+                <a:ext cx="850605" cy="257635"/>
+              </a:xfrm>
+              <a:prstGeom prst="rect">
+                <a:avLst/>
+              </a:prstGeom>
+              <a:solidFill>
+                <a:srgbClr val="2098D5">
+                  <a:lumMod val="20000"/>
+                  <a:lumOff val="80000"/>
+                </a:srgbClr>
+              </a:solidFill>
+              <a:ln w="9525" cap="flat" cmpd="sng" algn="ctr">
+                <a:solidFill>
+                  <a:srgbClr val="424CA0">
+                    <a:shade val="95000"/>
+                    <a:satMod val="105000"/>
+                  </a:srgbClr>
+                </a:solidFill>
+                <a:prstDash val="solid"/>
+              </a:ln>
+              <a:effectLst>
+                <a:outerShdw blurRad="40000" dist="20000" dir="5400000" rotWithShape="0">
+                  <a:srgbClr val="000000">
+                    <a:alpha val="38000"/>
+                  </a:srgbClr>
+                </a:outerShdw>
+              </a:effectLst>
+            </p:spPr>
+            <p:txBody>
+              <a:bodyPr wrap="square" lIns="69945" tIns="34973" rIns="69945" bIns="34973">
+                <a:spAutoFit/>
+              </a:bodyPr>
+              <a:lstStyle/>
+              <a:p>
+                <a:pPr marL="0" marR="0" lvl="0" indent="0" algn="ctr" defTabSz="699447" eaLnBrk="1" fontAlgn="auto" latinLnBrk="0" hangingPunct="1">
+                  <a:lnSpc>
+                    <a:spcPct val="100000"/>
+                  </a:lnSpc>
+                  <a:spcBef>
+                    <a:spcPts val="0"/>
+                  </a:spcBef>
+                  <a:spcAft>
+                    <a:spcPts val="0"/>
+                  </a:spcAft>
+                  <a:buClrTx/>
+                  <a:buSzTx/>
+                  <a:buFontTx/>
+                  <a:buNone/>
+                  <a:tabLst/>
+                  <a:defRPr/>
+                </a:pPr>
+                <a:r>
+                  <a:rPr kumimoji="0" lang="en-US" sz="1224" b="1" i="0" u="none" strike="noStrike" kern="0" cap="none" spc="0" normalizeH="0" baseline="0" noProof="0" dirty="0">
+                    <a:ln w="1905"/>
+                    <a:solidFill>
+                      <a:srgbClr val="1F497D">
+                        <a:lumMod val="75000"/>
+                      </a:srgbClr>
+                    </a:solidFill>
+                    <a:effectLst>
+                      <a:innerShdw blurRad="69850" dist="43180" dir="5400000">
+                        <a:srgbClr val="000000">
+                          <a:alpha val="65000"/>
+                        </a:srgbClr>
+                      </a:innerShdw>
+                    </a:effectLst>
+                    <a:uLnTx/>
+                    <a:uFillTx/>
+                    <a:latin typeface="Calibri" panose="020F0502020204030204" pitchFamily="34" charset="0"/>
+                    <a:ea typeface="+mn-ea"/>
+                    <a:cs typeface="+mn-cs"/>
+                  </a:rPr>
+                  <a:t>Data Row</a:t>
+                </a:r>
+                <a:endParaRPr kumimoji="0" lang="en-US" sz="1224" b="1" i="0" u="none" strike="noStrike" kern="0" cap="none" spc="0" normalizeH="0" baseline="0" noProof="0" dirty="0">
+                  <a:ln w="1905"/>
+                  <a:solidFill>
+                    <a:srgbClr val="1F497D">
+                      <a:lumMod val="60000"/>
+                      <a:lumOff val="40000"/>
+                    </a:srgbClr>
+                  </a:solidFill>
+                  <a:effectLst>
+                    <a:innerShdw blurRad="69850" dist="43180" dir="5400000">
+                      <a:srgbClr val="000000">
+                        <a:alpha val="65000"/>
+                      </a:srgbClr>
+                    </a:innerShdw>
+                  </a:effectLst>
+                  <a:uLnTx/>
+                  <a:uFillTx/>
+                  <a:latin typeface="Calibri" panose="020F0502020204030204" pitchFamily="34" charset="0"/>
+                  <a:ea typeface="+mn-ea"/>
+                  <a:cs typeface="+mn-cs"/>
+                </a:endParaRPr>
+              </a:p>
+            </p:txBody>
+          </p:sp>
+          <p:sp>
+            <p:nvSpPr>
+              <p:cNvPr id="81" name="Rectangle 80">
+                <a:extLst>
+                  <a:ext uri="{FF2B5EF4-FFF2-40B4-BE49-F238E27FC236}">
+                    <a16:creationId xmlns:a16="http://schemas.microsoft.com/office/drawing/2014/main" id="{F09267E1-87D9-41CA-8423-8692D22DA1C8}"/>
+                  </a:ext>
+                </a:extLst>
+              </p:cNvPr>
+              <p:cNvSpPr/>
+              <p:nvPr/>
+            </p:nvSpPr>
+            <p:spPr>
+              <a:xfrm>
+                <a:off x="4434210" y="5807319"/>
+                <a:ext cx="850605" cy="257635"/>
+              </a:xfrm>
+              <a:prstGeom prst="rect">
+                <a:avLst/>
+              </a:prstGeom>
+              <a:solidFill>
+                <a:srgbClr val="2098D5">
+                  <a:lumMod val="20000"/>
+                  <a:lumOff val="80000"/>
+                </a:srgbClr>
+              </a:solidFill>
+              <a:ln w="9525" cap="flat" cmpd="sng" algn="ctr">
+                <a:solidFill>
+                  <a:srgbClr val="424CA0">
+                    <a:shade val="95000"/>
+                    <a:satMod val="105000"/>
+                  </a:srgbClr>
+                </a:solidFill>
+                <a:prstDash val="solid"/>
+              </a:ln>
+              <a:effectLst>
+                <a:outerShdw blurRad="40000" dist="20000" dir="5400000" rotWithShape="0">
+                  <a:srgbClr val="000000">
+                    <a:alpha val="38000"/>
+                  </a:srgbClr>
+                </a:outerShdw>
+              </a:effectLst>
+            </p:spPr>
+            <p:txBody>
+              <a:bodyPr wrap="square" lIns="69945" tIns="34973" rIns="69945" bIns="34973">
+                <a:spAutoFit/>
+              </a:bodyPr>
+              <a:lstStyle/>
+              <a:p>
+                <a:pPr marL="0" marR="0" lvl="0" indent="0" algn="ctr" defTabSz="699447" eaLnBrk="1" fontAlgn="auto" latinLnBrk="0" hangingPunct="1">
+                  <a:lnSpc>
+                    <a:spcPct val="100000"/>
+                  </a:lnSpc>
+                  <a:spcBef>
+                    <a:spcPts val="0"/>
+                  </a:spcBef>
+                  <a:spcAft>
+                    <a:spcPts val="0"/>
+                  </a:spcAft>
+                  <a:buClrTx/>
+                  <a:buSzTx/>
+                  <a:buFontTx/>
+                  <a:buNone/>
+                  <a:tabLst/>
+                  <a:defRPr/>
+                </a:pPr>
+                <a:r>
+                  <a:rPr kumimoji="0" lang="en-US" sz="1224" b="1" i="0" u="none" strike="noStrike" kern="0" cap="none" spc="0" normalizeH="0" baseline="0" noProof="0" dirty="0">
+                    <a:ln w="1905"/>
+                    <a:solidFill>
+                      <a:srgbClr val="1F497D">
+                        <a:lumMod val="75000"/>
+                      </a:srgbClr>
+                    </a:solidFill>
+                    <a:effectLst>
+                      <a:innerShdw blurRad="69850" dist="43180" dir="5400000">
+                        <a:srgbClr val="000000">
+                          <a:alpha val="65000"/>
+                        </a:srgbClr>
+                      </a:innerShdw>
+                    </a:effectLst>
+                    <a:uLnTx/>
+                    <a:uFillTx/>
+                    <a:latin typeface="Calibri" panose="020F0502020204030204" pitchFamily="34" charset="0"/>
+                    <a:ea typeface="+mn-ea"/>
+                    <a:cs typeface="+mn-cs"/>
+                  </a:rPr>
+                  <a:t>Free Space</a:t>
+                </a:r>
+                <a:endParaRPr kumimoji="0" lang="en-US" sz="1224" b="1" i="0" u="none" strike="noStrike" kern="0" cap="none" spc="0" normalizeH="0" baseline="0" noProof="0" dirty="0">
+                  <a:ln w="1905"/>
+                  <a:solidFill>
+                    <a:srgbClr val="1F497D">
+                      <a:lumMod val="60000"/>
+                      <a:lumOff val="40000"/>
+                    </a:srgbClr>
+                  </a:solidFill>
+                  <a:effectLst>
+                    <a:innerShdw blurRad="69850" dist="43180" dir="5400000">
+                      <a:srgbClr val="000000">
+                        <a:alpha val="65000"/>
+                      </a:srgbClr>
+                    </a:innerShdw>
+                  </a:effectLst>
+                  <a:uLnTx/>
+                  <a:uFillTx/>
+                  <a:latin typeface="Calibri" panose="020F0502020204030204" pitchFamily="34" charset="0"/>
+                  <a:ea typeface="+mn-ea"/>
+                  <a:cs typeface="+mn-cs"/>
+                </a:endParaRPr>
+              </a:p>
+            </p:txBody>
+          </p:sp>
+          <p:sp>
+            <p:nvSpPr>
+              <p:cNvPr id="82" name="Rectangle 81">
+                <a:extLst>
+                  <a:ext uri="{FF2B5EF4-FFF2-40B4-BE49-F238E27FC236}">
+                    <a16:creationId xmlns:a16="http://schemas.microsoft.com/office/drawing/2014/main" id="{8D682FCE-252C-403B-B6C8-D491C250137F}"/>
+                  </a:ext>
+                </a:extLst>
+              </p:cNvPr>
+              <p:cNvSpPr/>
+              <p:nvPr/>
+            </p:nvSpPr>
+            <p:spPr>
+              <a:xfrm>
+                <a:off x="4434210" y="5525384"/>
+                <a:ext cx="850605" cy="257635"/>
+              </a:xfrm>
+              <a:prstGeom prst="rect">
+                <a:avLst/>
+              </a:prstGeom>
+              <a:solidFill>
+                <a:srgbClr val="2098D5">
+                  <a:lumMod val="20000"/>
+                  <a:lumOff val="80000"/>
+                </a:srgbClr>
+              </a:solidFill>
+              <a:ln w="9525" cap="flat" cmpd="sng" algn="ctr">
+                <a:solidFill>
+                  <a:srgbClr val="424CA0">
+                    <a:shade val="95000"/>
+                    <a:satMod val="105000"/>
+                  </a:srgbClr>
+                </a:solidFill>
+                <a:prstDash val="solid"/>
+              </a:ln>
+              <a:effectLst>
+                <a:outerShdw blurRad="40000" dist="20000" dir="5400000" rotWithShape="0">
+                  <a:srgbClr val="000000">
+                    <a:alpha val="38000"/>
+                  </a:srgbClr>
+                </a:outerShdw>
+              </a:effectLst>
+            </p:spPr>
+            <p:txBody>
+              <a:bodyPr wrap="square" lIns="69945" tIns="34973" rIns="69945" bIns="34973">
+                <a:spAutoFit/>
+              </a:bodyPr>
+              <a:lstStyle/>
+              <a:p>
+                <a:pPr marL="0" marR="0" lvl="0" indent="0" algn="ctr" defTabSz="699447" eaLnBrk="1" fontAlgn="auto" latinLnBrk="0" hangingPunct="1">
+                  <a:lnSpc>
+                    <a:spcPct val="100000"/>
+                  </a:lnSpc>
+                  <a:spcBef>
+                    <a:spcPts val="0"/>
+                  </a:spcBef>
+                  <a:spcAft>
+                    <a:spcPts val="0"/>
+                  </a:spcAft>
+                  <a:buClrTx/>
+                  <a:buSzTx/>
+                  <a:buFontTx/>
+                  <a:buNone/>
+                  <a:tabLst/>
+                  <a:defRPr/>
+                </a:pPr>
+                <a:r>
+                  <a:rPr kumimoji="0" lang="en-US" sz="1224" b="1" i="0" u="none" strike="noStrike" kern="0" cap="none" spc="0" normalizeH="0" baseline="0" noProof="0" dirty="0">
+                    <a:ln w="1905"/>
+                    <a:solidFill>
+                      <a:srgbClr val="1F497D">
+                        <a:lumMod val="75000"/>
+                      </a:srgbClr>
+                    </a:solidFill>
+                    <a:effectLst>
+                      <a:innerShdw blurRad="69850" dist="43180" dir="5400000">
+                        <a:srgbClr val="000000">
+                          <a:alpha val="65000"/>
+                        </a:srgbClr>
+                      </a:innerShdw>
+                    </a:effectLst>
+                    <a:uLnTx/>
+                    <a:uFillTx/>
+                    <a:latin typeface="Calibri" panose="020F0502020204030204" pitchFamily="34" charset="0"/>
+                    <a:ea typeface="+mn-ea"/>
+                    <a:cs typeface="+mn-cs"/>
+                  </a:rPr>
+                  <a:t>Data Row</a:t>
+                </a:r>
+                <a:endParaRPr kumimoji="0" lang="en-US" sz="1224" b="1" i="0" u="none" strike="noStrike" kern="0" cap="none" spc="0" normalizeH="0" baseline="0" noProof="0" dirty="0">
+                  <a:ln w="1905"/>
+                  <a:solidFill>
+                    <a:srgbClr val="1F497D">
+                      <a:lumMod val="60000"/>
+                      <a:lumOff val="40000"/>
+                    </a:srgbClr>
+                  </a:solidFill>
+                  <a:effectLst>
+                    <a:innerShdw blurRad="69850" dist="43180" dir="5400000">
+                      <a:srgbClr val="000000">
+                        <a:alpha val="65000"/>
+                      </a:srgbClr>
+                    </a:innerShdw>
+                  </a:effectLst>
+                  <a:uLnTx/>
+                  <a:uFillTx/>
+                  <a:latin typeface="Calibri" panose="020F0502020204030204" pitchFamily="34" charset="0"/>
+                  <a:ea typeface="+mn-ea"/>
+                  <a:cs typeface="+mn-cs"/>
+                </a:endParaRPr>
+              </a:p>
+            </p:txBody>
+          </p:sp>
+          <p:sp>
+            <p:nvSpPr>
+              <p:cNvPr id="83" name="TextBox 82">
+                <a:extLst>
+                  <a:ext uri="{FF2B5EF4-FFF2-40B4-BE49-F238E27FC236}">
+                    <a16:creationId xmlns:a16="http://schemas.microsoft.com/office/drawing/2014/main" id="{BD456F7D-3D0C-4DDE-ACCB-182C57104F6E}"/>
+                  </a:ext>
+                </a:extLst>
+              </p:cNvPr>
+              <p:cNvSpPr txBox="1"/>
+              <p:nvPr/>
+            </p:nvSpPr>
+            <p:spPr>
+              <a:xfrm>
+                <a:off x="4495466" y="4719957"/>
+                <a:ext cx="810607" cy="249299"/>
+              </a:xfrm>
+              <a:prstGeom prst="rect">
+                <a:avLst/>
+              </a:prstGeom>
+              <a:noFill/>
+            </p:spPr>
+            <p:txBody>
+              <a:bodyPr wrap="square" rtlCol="0">
+                <a:spAutoFit/>
+              </a:bodyPr>
+              <a:lstStyle/>
+              <a:p>
+                <a:pPr marL="0" marR="0" lvl="0" indent="0" defTabSz="932597" eaLnBrk="1" fontAlgn="auto" latinLnBrk="0" hangingPunct="1">
+                  <a:lnSpc>
+                    <a:spcPct val="100000"/>
+                  </a:lnSpc>
+                  <a:spcBef>
+                    <a:spcPts val="0"/>
+                  </a:spcBef>
+                  <a:spcAft>
+                    <a:spcPts val="0"/>
+                  </a:spcAft>
+                  <a:buClrTx/>
+                  <a:buSzTx/>
+                  <a:buFontTx/>
+                  <a:buNone/>
+                  <a:tabLst/>
+                  <a:defRPr/>
+                </a:pPr>
+                <a:r>
+                  <a:rPr kumimoji="0" lang="en-US" sz="1020" b="0" i="0" u="none" strike="noStrike" kern="0" cap="none" spc="0" normalizeH="0" baseline="0" noProof="0" dirty="0">
+                    <a:ln>
+                      <a:noFill/>
+                    </a:ln>
+                    <a:solidFill>
+                      <a:prstClr val="white"/>
+                    </a:solidFill>
+                    <a:effectLst/>
+                    <a:uLnTx/>
+                    <a:uFillTx/>
+                  </a:rPr>
+                  <a:t>Data Page</a:t>
+                </a:r>
+              </a:p>
+            </p:txBody>
+          </p:sp>
+        </p:grpSp>
+      </p:grpSp>
+      <p:cxnSp>
+        <p:nvCxnSpPr>
+          <p:cNvPr id="90" name="Straight Arrow Connector 89">
+            <a:extLst>
+              <a:ext uri="{FF2B5EF4-FFF2-40B4-BE49-F238E27FC236}">
+                <a16:creationId xmlns:a16="http://schemas.microsoft.com/office/drawing/2014/main" id="{ED37A208-DEF5-4CCF-A1DB-C15E58CD4D1D}"/>
+              </a:ext>
+            </a:extLst>
+          </p:cNvPr>
+          <p:cNvCxnSpPr>
+            <a:cxnSpLocks/>
+          </p:cNvCxnSpPr>
+          <p:nvPr/>
+        </p:nvCxnSpPr>
+        <p:spPr>
+          <a:xfrm>
+            <a:off x="4980132" y="2968249"/>
+            <a:ext cx="0" cy="1098729"/>
+          </a:xfrm>
+          <a:prstGeom prst="straightConnector1">
+            <a:avLst/>
+          </a:prstGeom>
+          <a:noFill/>
+          <a:ln w="57150" cap="flat" cmpd="sng" algn="ctr">
+            <a:solidFill>
+              <a:srgbClr val="EF3B24"/>
+            </a:solidFill>
+            <a:prstDash val="solid"/>
+            <a:tailEnd type="triangle"/>
+          </a:ln>
+          <a:effectLst/>
+        </p:spPr>
+      </p:cxnSp>
+      <p:grpSp>
+        <p:nvGrpSpPr>
+          <p:cNvPr id="92" name="Group 91">
+            <a:extLst>
+              <a:ext uri="{FF2B5EF4-FFF2-40B4-BE49-F238E27FC236}">
+                <a16:creationId xmlns:a16="http://schemas.microsoft.com/office/drawing/2014/main" id="{7189497B-C7D4-4E1E-90CE-3336FF67D444}"/>
+              </a:ext>
+            </a:extLst>
+          </p:cNvPr>
+          <p:cNvGrpSpPr/>
+          <p:nvPr/>
+        </p:nvGrpSpPr>
+        <p:grpSpPr>
+          <a:xfrm>
+            <a:off x="4750459" y="4102532"/>
+            <a:ext cx="685800" cy="496005"/>
+            <a:chOff x="3505200" y="3999839"/>
+            <a:chExt cx="685800" cy="496005"/>
+          </a:xfrm>
+        </p:grpSpPr>
+        <p:sp>
+          <p:nvSpPr>
+            <p:cNvPr id="93" name="Rectangle 92">
+              <a:extLst>
+                <a:ext uri="{FF2B5EF4-FFF2-40B4-BE49-F238E27FC236}">
+                  <a16:creationId xmlns:a16="http://schemas.microsoft.com/office/drawing/2014/main" id="{36731D01-3078-4C2A-9601-4241E6BB07E7}"/>
+                </a:ext>
+              </a:extLst>
+            </p:cNvPr>
+            <p:cNvSpPr/>
+            <p:nvPr/>
+          </p:nvSpPr>
+          <p:spPr>
+            <a:xfrm>
+              <a:off x="3505200" y="4008876"/>
+              <a:ext cx="685800" cy="486968"/>
+            </a:xfrm>
+            <a:prstGeom prst="rect">
+              <a:avLst/>
+            </a:prstGeom>
+            <a:solidFill>
+              <a:srgbClr val="129038">
+                <a:lumMod val="40000"/>
+                <a:lumOff val="60000"/>
+              </a:srgbClr>
+            </a:solidFill>
+            <a:ln w="25400" cap="flat" cmpd="sng" algn="ctr">
+              <a:solidFill>
+                <a:srgbClr val="129038"/>
+              </a:solidFill>
+              <a:prstDash val="solid"/>
+            </a:ln>
+            <a:effectLst/>
+          </p:spPr>
+          <p:txBody>
+            <a:bodyPr rtlCol="0" anchor="ctr"/>
+            <a:lstStyle/>
+            <a:p>
+              <a:pPr marL="228600" marR="0" lvl="0" indent="-228600" algn="ctr" defTabSz="457200" eaLnBrk="0" fontAlgn="base" latinLnBrk="0" hangingPunct="0">
+                <a:lnSpc>
+                  <a:spcPct val="100000"/>
+                </a:lnSpc>
+                <a:spcBef>
+                  <a:spcPct val="0"/>
+                </a:spcBef>
+                <a:spcAft>
+                  <a:spcPct val="0"/>
+                </a:spcAft>
+                <a:buClrTx/>
+                <a:buSzTx/>
+                <a:buFontTx/>
+                <a:buBlip>
+                  <a:blip r:embed="rId4"/>
+                </a:buBlip>
+                <a:tabLst/>
+                <a:defRPr/>
+              </a:pPr>
+              <a:endParaRPr kumimoji="0" lang="en-US" sz="1800" b="0" i="0" u="none" strike="noStrike" kern="0" cap="none" spc="0" normalizeH="0" baseline="0" noProof="0" dirty="0">
+                <a:ln>
+                  <a:noFill/>
+                </a:ln>
+                <a:solidFill>
+                  <a:srgbClr val="000000"/>
+                </a:solidFill>
+                <a:effectLst/>
+                <a:uLnTx/>
+                <a:uFillTx/>
+                <a:latin typeface="Segoe UI Light" panose="020B0502040204020203" pitchFamily="34" charset="0"/>
+                <a:ea typeface="+mn-ea"/>
+                <a:cs typeface="Segoe UI Light" panose="020B0502040204020203" pitchFamily="34" charset="0"/>
+              </a:endParaRPr>
+            </a:p>
+          </p:txBody>
+        </p:sp>
+        <p:cxnSp>
+          <p:nvCxnSpPr>
+            <p:cNvPr id="94" name="Straight Connector 93">
+              <a:extLst>
+                <a:ext uri="{FF2B5EF4-FFF2-40B4-BE49-F238E27FC236}">
+                  <a16:creationId xmlns:a16="http://schemas.microsoft.com/office/drawing/2014/main" id="{B2C6D08D-40CC-4CD1-8CAC-D0318037282E}"/>
+                </a:ext>
+              </a:extLst>
+            </p:cNvPr>
+            <p:cNvCxnSpPr>
+              <a:stCxn id="93" idx="0"/>
+              <a:endCxn id="93" idx="2"/>
+            </p:cNvCxnSpPr>
+            <p:nvPr/>
+          </p:nvCxnSpPr>
+          <p:spPr>
+            <a:xfrm>
+              <a:off x="3848100" y="4008876"/>
+              <a:ext cx="0" cy="486968"/>
+            </a:xfrm>
+            <a:prstGeom prst="line">
+              <a:avLst/>
+            </a:prstGeom>
+            <a:noFill/>
+            <a:ln w="25400" cap="flat" cmpd="sng" algn="ctr">
+              <a:solidFill>
+                <a:srgbClr val="129038"/>
+              </a:solidFill>
+              <a:prstDash val="solid"/>
+            </a:ln>
+            <a:effectLst/>
+          </p:spPr>
+        </p:cxnSp>
+        <p:cxnSp>
+          <p:nvCxnSpPr>
+            <p:cNvPr id="95" name="Straight Connector 94">
+              <a:extLst>
+                <a:ext uri="{FF2B5EF4-FFF2-40B4-BE49-F238E27FC236}">
+                  <a16:creationId xmlns:a16="http://schemas.microsoft.com/office/drawing/2014/main" id="{1CE5DDB3-416F-446D-8B51-D0417188532F}"/>
+                </a:ext>
+              </a:extLst>
+            </p:cNvPr>
+            <p:cNvCxnSpPr/>
+            <p:nvPr/>
+          </p:nvCxnSpPr>
+          <p:spPr>
+            <a:xfrm>
+              <a:off x="4027714" y="3999839"/>
+              <a:ext cx="0" cy="496005"/>
+            </a:xfrm>
+            <a:prstGeom prst="line">
+              <a:avLst/>
+            </a:prstGeom>
+            <a:noFill/>
+            <a:ln w="25400" cap="flat" cmpd="sng" algn="ctr">
+              <a:solidFill>
+                <a:srgbClr val="129038"/>
+              </a:solidFill>
+              <a:prstDash val="solid"/>
+            </a:ln>
+            <a:effectLst/>
+          </p:spPr>
+        </p:cxnSp>
+        <p:cxnSp>
+          <p:nvCxnSpPr>
+            <p:cNvPr id="96" name="Straight Connector 95">
+              <a:extLst>
+                <a:ext uri="{FF2B5EF4-FFF2-40B4-BE49-F238E27FC236}">
+                  <a16:creationId xmlns:a16="http://schemas.microsoft.com/office/drawing/2014/main" id="{F4E91FAF-AFAF-4A15-AC58-E5904EA8C872}"/>
+                </a:ext>
+              </a:extLst>
+            </p:cNvPr>
+            <p:cNvCxnSpPr/>
+            <p:nvPr/>
+          </p:nvCxnSpPr>
+          <p:spPr>
+            <a:xfrm>
+              <a:off x="3669475" y="4008876"/>
+              <a:ext cx="0" cy="486968"/>
+            </a:xfrm>
+            <a:prstGeom prst="line">
+              <a:avLst/>
+            </a:prstGeom>
+            <a:noFill/>
+            <a:ln w="25400" cap="flat" cmpd="sng" algn="ctr">
+              <a:solidFill>
+                <a:srgbClr val="129038"/>
+              </a:solidFill>
+              <a:prstDash val="solid"/>
+            </a:ln>
+            <a:effectLst/>
+          </p:spPr>
+        </p:cxnSp>
+        <p:cxnSp>
+          <p:nvCxnSpPr>
+            <p:cNvPr id="97" name="Straight Connector 96">
+              <a:extLst>
+                <a:ext uri="{FF2B5EF4-FFF2-40B4-BE49-F238E27FC236}">
+                  <a16:creationId xmlns:a16="http://schemas.microsoft.com/office/drawing/2014/main" id="{583B0D9D-D269-43E8-9113-06756222B3D3}"/>
+                </a:ext>
+              </a:extLst>
+            </p:cNvPr>
+            <p:cNvCxnSpPr/>
+            <p:nvPr/>
+          </p:nvCxnSpPr>
+          <p:spPr>
+            <a:xfrm>
+              <a:off x="3505200" y="4343400"/>
+              <a:ext cx="685800" cy="0"/>
+            </a:xfrm>
+            <a:prstGeom prst="line">
+              <a:avLst/>
+            </a:prstGeom>
+            <a:noFill/>
+            <a:ln w="25400" cap="flat" cmpd="sng" algn="ctr">
+              <a:solidFill>
+                <a:srgbClr val="129038"/>
+              </a:solidFill>
+              <a:prstDash val="solid"/>
+            </a:ln>
+            <a:effectLst/>
+          </p:spPr>
+        </p:cxnSp>
+        <p:cxnSp>
+          <p:nvCxnSpPr>
+            <p:cNvPr id="98" name="Straight Connector 97">
+              <a:extLst>
+                <a:ext uri="{FF2B5EF4-FFF2-40B4-BE49-F238E27FC236}">
+                  <a16:creationId xmlns:a16="http://schemas.microsoft.com/office/drawing/2014/main" id="{B8DFD1EC-52D3-407E-9F9E-EB3FDC483294}"/>
+                </a:ext>
+              </a:extLst>
+            </p:cNvPr>
+            <p:cNvCxnSpPr/>
+            <p:nvPr/>
+          </p:nvCxnSpPr>
+          <p:spPr>
+            <a:xfrm>
+              <a:off x="3505200" y="4191000"/>
+              <a:ext cx="685800" cy="0"/>
+            </a:xfrm>
+            <a:prstGeom prst="line">
+              <a:avLst/>
+            </a:prstGeom>
+            <a:noFill/>
+            <a:ln w="25400" cap="flat" cmpd="sng" algn="ctr">
+              <a:solidFill>
+                <a:srgbClr val="129038"/>
+              </a:solidFill>
+              <a:prstDash val="solid"/>
+            </a:ln>
+            <a:effectLst/>
+          </p:spPr>
+        </p:cxnSp>
+        <p:sp>
+          <p:nvSpPr>
+            <p:cNvPr id="99" name="Rectangle 98">
+              <a:extLst>
+                <a:ext uri="{FF2B5EF4-FFF2-40B4-BE49-F238E27FC236}">
+                  <a16:creationId xmlns:a16="http://schemas.microsoft.com/office/drawing/2014/main" id="{6B6B4222-2BA4-4B95-A26A-9A795BD4988A}"/>
+                </a:ext>
+              </a:extLst>
+            </p:cNvPr>
+            <p:cNvSpPr/>
+            <p:nvPr/>
+          </p:nvSpPr>
+          <p:spPr>
+            <a:xfrm>
+              <a:off x="3669475" y="4008876"/>
+              <a:ext cx="178625" cy="182124"/>
+            </a:xfrm>
+            <a:prstGeom prst="rect">
+              <a:avLst/>
+            </a:prstGeom>
+            <a:solidFill>
+              <a:srgbClr val="129038">
+                <a:lumMod val="75000"/>
+              </a:srgbClr>
+            </a:solidFill>
+            <a:ln w="25400" cap="flat" cmpd="sng" algn="ctr">
+              <a:solidFill>
+                <a:srgbClr val="129038"/>
+              </a:solidFill>
+              <a:prstDash val="solid"/>
+            </a:ln>
+            <a:effectLst/>
+          </p:spPr>
+          <p:txBody>
+            <a:bodyPr rtlCol="0" anchor="ctr"/>
+            <a:lstStyle/>
+            <a:p>
+              <a:pPr marL="228600" marR="0" lvl="0" indent="-228600" algn="ctr" defTabSz="457200" eaLnBrk="0" fontAlgn="base" latinLnBrk="0" hangingPunct="0">
+                <a:lnSpc>
+                  <a:spcPct val="100000"/>
+                </a:lnSpc>
+                <a:spcBef>
+                  <a:spcPct val="0"/>
+                </a:spcBef>
+                <a:spcAft>
+                  <a:spcPct val="0"/>
+                </a:spcAft>
+                <a:buClrTx/>
+                <a:buSzTx/>
+                <a:buFontTx/>
+                <a:buBlip>
+                  <a:blip r:embed="rId4"/>
+                </a:buBlip>
+                <a:tabLst/>
+                <a:defRPr/>
+              </a:pPr>
+              <a:endParaRPr kumimoji="0" lang="en-US" sz="1800" b="0" i="0" u="none" strike="noStrike" kern="0" cap="none" spc="0" normalizeH="0" baseline="0" noProof="0" dirty="0">
+                <a:ln>
+                  <a:noFill/>
+                </a:ln>
+                <a:solidFill>
+                  <a:srgbClr val="000000"/>
+                </a:solidFill>
+                <a:effectLst/>
+                <a:uLnTx/>
+                <a:uFillTx/>
+                <a:latin typeface="Segoe UI Light" panose="020B0502040204020203" pitchFamily="34" charset="0"/>
+                <a:ea typeface="+mn-ea"/>
+                <a:cs typeface="Segoe UI Light" panose="020B0502040204020203" pitchFamily="34" charset="0"/>
+              </a:endParaRPr>
+            </a:p>
+          </p:txBody>
+        </p:sp>
+      </p:grpSp>
+    </p:spTree>
+    <p:extLst>
+      <p:ext uri="{BB962C8B-B14F-4D97-AF65-F5344CB8AC3E}">
+        <p14:creationId xmlns:p14="http://schemas.microsoft.com/office/powerpoint/2010/main" val="3235270007"/>
+      </p:ext>
+    </p:extLst>
+  </p:cSld>
+  <p:clrMapOvr>
+    <a:masterClrMapping/>
+  </p:clrMapOvr>
+</p:sld>
+</file>
+
+<file path=ppt/slides/slide8.xml><?xml version="1.0" encoding="utf-8"?>
 <p:sld xmlns:a="http://schemas.openxmlformats.org/drawingml/2006/main" xmlns:r="http://schemas.openxmlformats.org/officeDocument/2006/relationships" xmlns:p="http://schemas.openxmlformats.org/presentationml/2006/main">
   <p:cSld>
     <p:spTree>
@@ -12616,7 +15302,7 @@
 </p:sld>
 </file>
 
-<file path=ppt/slides/slide7.xml><?xml version="1.0" encoding="utf-8"?>
+<file path=ppt/slides/slide9.xml><?xml version="1.0" encoding="utf-8"?>
 <p:sld xmlns:a="http://schemas.openxmlformats.org/drawingml/2006/main" xmlns:r="http://schemas.openxmlformats.org/officeDocument/2006/relationships" xmlns:p="http://schemas.openxmlformats.org/presentationml/2006/main">
   <p:cSld>
     <p:spTree>
@@ -13262,1332 +15948,6 @@
     <p:extLst>
       <p:ext uri="{BB962C8B-B14F-4D97-AF65-F5344CB8AC3E}">
         <p14:creationId xmlns:p14="http://schemas.microsoft.com/office/powerpoint/2010/main" val="715046013"/>
-      </p:ext>
-    </p:extLst>
-  </p:cSld>
-  <p:clrMapOvr>
-    <a:masterClrMapping/>
-  </p:clrMapOvr>
-  <mc:AlternateContent xmlns:mc="http://schemas.openxmlformats.org/markup-compatibility/2006" xmlns:p14="http://schemas.microsoft.com/office/powerpoint/2010/main">
-    <mc:Choice Requires="p14">
-      <p:transition p14:dur="0"/>
-    </mc:Choice>
-    <mc:Fallback xmlns="">
-      <p:transition/>
-    </mc:Fallback>
-  </mc:AlternateContent>
-</p:sld>
-</file>
-
-<file path=ppt/slides/slide8.xml><?xml version="1.0" encoding="utf-8"?>
-<p:sld xmlns:a="http://schemas.openxmlformats.org/drawingml/2006/main" xmlns:r="http://schemas.openxmlformats.org/officeDocument/2006/relationships" xmlns:p="http://schemas.openxmlformats.org/presentationml/2006/main">
-  <p:cSld>
-    <p:spTree>
-      <p:nvGrpSpPr>
-        <p:cNvPr id="1" name=""/>
-        <p:cNvGrpSpPr/>
-        <p:nvPr/>
-      </p:nvGrpSpPr>
-      <p:grpSpPr>
-        <a:xfrm>
-          <a:off x="0" y="0"/>
-          <a:ext cx="0" cy="0"/>
-          <a:chOff x="0" y="0"/>
-          <a:chExt cx="0" cy="0"/>
-        </a:xfrm>
-      </p:grpSpPr>
-      <p:sp>
-        <p:nvSpPr>
-          <p:cNvPr id="13" name="Title 3">
-            <a:extLst>
-              <a:ext uri="{FF2B5EF4-FFF2-40B4-BE49-F238E27FC236}">
-                <a16:creationId xmlns:a16="http://schemas.microsoft.com/office/drawing/2014/main" id="{801D87DF-ECCF-413F-857F-FA7562D70F05}"/>
-              </a:ext>
-            </a:extLst>
-          </p:cNvPr>
-          <p:cNvSpPr txBox="1">
-            <a:spLocks/>
-          </p:cNvSpPr>
-          <p:nvPr/>
-        </p:nvSpPr>
-        <p:spPr>
-          <a:xfrm>
-            <a:off x="283545" y="216812"/>
-            <a:ext cx="11655840" cy="899537"/>
-          </a:xfrm>
-          <a:prstGeom prst="rect">
-            <a:avLst/>
-          </a:prstGeom>
-        </p:spPr>
-        <p:txBody>
-          <a:bodyPr vert="horz" wrap="square" lIns="143428" tIns="89642" rIns="143428" bIns="89642" rtlCol="0" anchor="t">
-            <a:noAutofit/>
-          </a:bodyPr>
-          <a:lstStyle>
-            <a:lvl1pPr algn="l" defTabSz="932742" rtl="0" eaLnBrk="1" latinLnBrk="0" hangingPunct="1">
-              <a:lnSpc>
-                <a:spcPct val="90000"/>
-              </a:lnSpc>
-              <a:spcBef>
-                <a:spcPct val="0"/>
-              </a:spcBef>
-              <a:buNone/>
-              <a:defRPr lang="en-US" sz="4800" b="0" kern="1200" cap="none" spc="-102" baseline="0" dirty="0" smtClean="0">
-                <a:ln w="3175">
-                  <a:noFill/>
-                </a:ln>
-                <a:solidFill>
-                  <a:srgbClr val="0078D7"/>
-                </a:solidFill>
-                <a:effectLst/>
-                <a:latin typeface="+mj-lt"/>
-                <a:ea typeface="+mn-ea"/>
-                <a:cs typeface="Segoe UI" pitchFamily="34" charset="0"/>
-              </a:defRPr>
-            </a:lvl1pPr>
-          </a:lstStyle>
-          <a:p>
-            <a:pPr defTabSz="914367">
-              <a:defRPr/>
-            </a:pPr>
-            <a:r>
-              <a:rPr lang="en-US" sz="3600" spc="0" dirty="0">
-                <a:ln>
-                  <a:noFill/>
-                </a:ln>
-                <a:solidFill>
-                  <a:schemeClr val="accent4">
-                    <a:lumMod val="75000"/>
-                  </a:schemeClr>
-                </a:solidFill>
-                <a:ea typeface="+mj-ea"/>
-                <a:cs typeface="Segoe UI Light"/>
-              </a:rPr>
-              <a:t>Explicit Transactions without Error Handling</a:t>
-            </a:r>
-          </a:p>
-        </p:txBody>
-      </p:sp>
-      <p:sp>
-        <p:nvSpPr>
-          <p:cNvPr id="23" name="Rounded Rectangle 4">
-            <a:extLst>
-              <a:ext uri="{FF2B5EF4-FFF2-40B4-BE49-F238E27FC236}">
-                <a16:creationId xmlns:a16="http://schemas.microsoft.com/office/drawing/2014/main" id="{6045F979-96E8-465C-9089-0AB4E5C7480A}"/>
-              </a:ext>
-            </a:extLst>
-          </p:cNvPr>
-          <p:cNvSpPr/>
-          <p:nvPr/>
-        </p:nvSpPr>
-        <p:spPr>
-          <a:xfrm>
-            <a:off x="2016957" y="1252200"/>
-            <a:ext cx="3875888" cy="4760893"/>
-          </a:xfrm>
-          <a:prstGeom prst="roundRect">
-            <a:avLst/>
-          </a:prstGeom>
-          <a:solidFill>
-            <a:schemeClr val="bg1"/>
-          </a:solidFill>
-        </p:spPr>
-        <p:style>
-          <a:lnRef idx="2">
-            <a:schemeClr val="accent1">
-              <a:shade val="50000"/>
-            </a:schemeClr>
-          </a:lnRef>
-          <a:fillRef idx="1">
-            <a:schemeClr val="accent1"/>
-          </a:fillRef>
-          <a:effectRef idx="0">
-            <a:schemeClr val="accent1"/>
-          </a:effectRef>
-          <a:fontRef idx="minor">
-            <a:schemeClr val="lt1"/>
-          </a:fontRef>
-        </p:style>
-        <p:txBody>
-          <a:bodyPr rtlCol="0" anchor="ctr"/>
-          <a:lstStyle/>
-          <a:p>
-            <a:pPr algn="ctr" defTabSz="896386">
-              <a:defRPr/>
-            </a:pPr>
-            <a:endParaRPr lang="en-US" sz="1765" kern="0">
-              <a:solidFill>
-                <a:prstClr val="white"/>
-              </a:solidFill>
-            </a:endParaRPr>
-          </a:p>
-        </p:txBody>
-      </p:sp>
-      <p:cxnSp>
-        <p:nvCxnSpPr>
-          <p:cNvPr id="24" name="Straight Connector 23">
-            <a:extLst>
-              <a:ext uri="{FF2B5EF4-FFF2-40B4-BE49-F238E27FC236}">
-                <a16:creationId xmlns:a16="http://schemas.microsoft.com/office/drawing/2014/main" id="{AA08B2FC-AD99-412A-8B99-13BFB6B1FFB7}"/>
-              </a:ext>
-            </a:extLst>
-          </p:cNvPr>
-          <p:cNvCxnSpPr/>
-          <p:nvPr/>
-        </p:nvCxnSpPr>
-        <p:spPr>
-          <a:xfrm>
-            <a:off x="2025576" y="4086044"/>
-            <a:ext cx="3875888" cy="0"/>
-          </a:xfrm>
-          <a:prstGeom prst="line">
-            <a:avLst/>
-          </a:prstGeom>
-        </p:spPr>
-        <p:style>
-          <a:lnRef idx="1">
-            <a:schemeClr val="accent1"/>
-          </a:lnRef>
-          <a:fillRef idx="0">
-            <a:schemeClr val="accent1"/>
-          </a:fillRef>
-          <a:effectRef idx="0">
-            <a:schemeClr val="accent1"/>
-          </a:effectRef>
-          <a:fontRef idx="minor">
-            <a:schemeClr val="tx1"/>
-          </a:fontRef>
-        </p:style>
-      </p:cxnSp>
-      <p:sp>
-        <p:nvSpPr>
-          <p:cNvPr id="25" name="TextBox 24">
-            <a:extLst>
-              <a:ext uri="{FF2B5EF4-FFF2-40B4-BE49-F238E27FC236}">
-                <a16:creationId xmlns:a16="http://schemas.microsoft.com/office/drawing/2014/main" id="{13CE9517-9D9B-4EF9-9956-A4D3CCF5DF4E}"/>
-              </a:ext>
-            </a:extLst>
-          </p:cNvPr>
-          <p:cNvSpPr txBox="1"/>
-          <p:nvPr/>
-        </p:nvSpPr>
-        <p:spPr>
-          <a:xfrm>
-            <a:off x="3286891" y="4016176"/>
-            <a:ext cx="2241062" cy="362072"/>
-          </a:xfrm>
-          <a:prstGeom prst="rect">
-            <a:avLst/>
-          </a:prstGeom>
-          <a:noFill/>
-        </p:spPr>
-        <p:txBody>
-          <a:bodyPr wrap="square" rtlCol="0">
-            <a:spAutoFit/>
-          </a:bodyPr>
-          <a:lstStyle/>
-          <a:p>
-            <a:pPr defTabSz="896386">
-              <a:defRPr/>
-            </a:pPr>
-            <a:r>
-              <a:rPr lang="en-US" sz="1765" kern="0" dirty="0">
-                <a:solidFill>
-                  <a:prstClr val="black"/>
-                </a:solidFill>
-              </a:rPr>
-              <a:t>Checkpoint</a:t>
-            </a:r>
-          </a:p>
-        </p:txBody>
-      </p:sp>
-      <p:pic>
-        <p:nvPicPr>
-          <p:cNvPr id="26" name="Picture 25">
-            <a:extLst>
-              <a:ext uri="{FF2B5EF4-FFF2-40B4-BE49-F238E27FC236}">
-                <a16:creationId xmlns:a16="http://schemas.microsoft.com/office/drawing/2014/main" id="{E76CE5DE-9175-4A0D-AA13-DFC75ABEA540}"/>
-              </a:ext>
-            </a:extLst>
-          </p:cNvPr>
-          <p:cNvPicPr>
-            <a:picLocks noChangeAspect="1"/>
-          </p:cNvPicPr>
-          <p:nvPr/>
-        </p:nvPicPr>
-        <p:blipFill>
-          <a:blip r:embed="rId2">
-            <a:extLst>
-              <a:ext uri="{28A0092B-C50C-407E-A947-70E740481C1C}">
-                <a14:useLocalDpi xmlns:a14="http://schemas.microsoft.com/office/drawing/2010/main" val="0"/>
-              </a:ext>
-            </a:extLst>
-          </a:blip>
-          <a:stretch>
-            <a:fillRect/>
-          </a:stretch>
-        </p:blipFill>
-        <p:spPr>
-          <a:xfrm>
-            <a:off x="2293268" y="1580652"/>
-            <a:ext cx="3458792" cy="2316720"/>
-          </a:xfrm>
-          <a:prstGeom prst="rect">
-            <a:avLst/>
-          </a:prstGeom>
-        </p:spPr>
-      </p:pic>
-      <p:cxnSp>
-        <p:nvCxnSpPr>
-          <p:cNvPr id="27" name="Straight Arrow Connector 26">
-            <a:extLst>
-              <a:ext uri="{FF2B5EF4-FFF2-40B4-BE49-F238E27FC236}">
-                <a16:creationId xmlns:a16="http://schemas.microsoft.com/office/drawing/2014/main" id="{1E3083D0-3652-41DB-8012-AE72C2E85BE4}"/>
-              </a:ext>
-            </a:extLst>
-          </p:cNvPr>
-          <p:cNvCxnSpPr>
-            <a:cxnSpLocks/>
-          </p:cNvCxnSpPr>
-          <p:nvPr/>
-        </p:nvCxnSpPr>
-        <p:spPr>
-          <a:xfrm flipH="1">
-            <a:off x="6033630" y="3362080"/>
-            <a:ext cx="1129150" cy="665028"/>
-          </a:xfrm>
-          <a:prstGeom prst="straightConnector1">
-            <a:avLst/>
-          </a:prstGeom>
-          <a:ln w="57150">
-            <a:solidFill>
-              <a:schemeClr val="accent3"/>
-            </a:solidFill>
-            <a:tailEnd type="triangle"/>
-          </a:ln>
-        </p:spPr>
-        <p:style>
-          <a:lnRef idx="1">
-            <a:schemeClr val="accent1"/>
-          </a:lnRef>
-          <a:fillRef idx="0">
-            <a:schemeClr val="accent1"/>
-          </a:fillRef>
-          <a:effectRef idx="0">
-            <a:schemeClr val="accent1"/>
-          </a:effectRef>
-          <a:fontRef idx="minor">
-            <a:schemeClr val="tx1"/>
-          </a:fontRef>
-        </p:style>
-      </p:cxnSp>
-      <p:sp>
-        <p:nvSpPr>
-          <p:cNvPr id="28" name="TextBox 27">
-            <a:extLst>
-              <a:ext uri="{FF2B5EF4-FFF2-40B4-BE49-F238E27FC236}">
-                <a16:creationId xmlns:a16="http://schemas.microsoft.com/office/drawing/2014/main" id="{960248DA-60BE-4045-A469-93936EC3CE52}"/>
-              </a:ext>
-            </a:extLst>
-          </p:cNvPr>
-          <p:cNvSpPr txBox="1"/>
-          <p:nvPr/>
-        </p:nvSpPr>
-        <p:spPr>
-          <a:xfrm rot="16200000">
-            <a:off x="576562" y="3306024"/>
-            <a:ext cx="2407725" cy="362072"/>
-          </a:xfrm>
-          <a:prstGeom prst="rect">
-            <a:avLst/>
-          </a:prstGeom>
-          <a:noFill/>
-        </p:spPr>
-        <p:txBody>
-          <a:bodyPr wrap="square" rtlCol="0">
-            <a:spAutoFit/>
-          </a:bodyPr>
-          <a:lstStyle/>
-          <a:p>
-            <a:pPr defTabSz="896386">
-              <a:defRPr/>
-            </a:pPr>
-            <a:r>
-              <a:rPr lang="en-US" sz="1765" kern="0" dirty="0">
-                <a:solidFill>
-                  <a:prstClr val="black"/>
-                </a:solidFill>
-              </a:rPr>
-              <a:t>AdventureWorks.ldf</a:t>
-            </a:r>
-          </a:p>
-        </p:txBody>
-      </p:sp>
-      <p:sp>
-        <p:nvSpPr>
-          <p:cNvPr id="29" name="Rounded Rectangle 11">
-            <a:extLst>
-              <a:ext uri="{FF2B5EF4-FFF2-40B4-BE49-F238E27FC236}">
-                <a16:creationId xmlns:a16="http://schemas.microsoft.com/office/drawing/2014/main" id="{EE8E66C1-EDF1-43B9-918A-702C5E358934}"/>
-              </a:ext>
-            </a:extLst>
-          </p:cNvPr>
-          <p:cNvSpPr/>
-          <p:nvPr/>
-        </p:nvSpPr>
-        <p:spPr>
-          <a:xfrm>
-            <a:off x="7291012" y="1814378"/>
-            <a:ext cx="2838679" cy="2983249"/>
-          </a:xfrm>
-          <a:prstGeom prst="roundRect">
-            <a:avLst/>
-          </a:prstGeom>
-          <a:solidFill>
-            <a:schemeClr val="bg1"/>
-          </a:solidFill>
-        </p:spPr>
-        <p:style>
-          <a:lnRef idx="2">
-            <a:schemeClr val="accent1">
-              <a:shade val="50000"/>
-            </a:schemeClr>
-          </a:lnRef>
-          <a:fillRef idx="1">
-            <a:schemeClr val="accent1"/>
-          </a:fillRef>
-          <a:effectRef idx="0">
-            <a:schemeClr val="accent1"/>
-          </a:effectRef>
-          <a:fontRef idx="minor">
-            <a:schemeClr val="lt1"/>
-          </a:fontRef>
-        </p:style>
-        <p:txBody>
-          <a:bodyPr rtlCol="0" anchor="ctr"/>
-          <a:lstStyle/>
-          <a:p>
-            <a:pPr algn="ctr" defTabSz="896386">
-              <a:defRPr/>
-            </a:pPr>
-            <a:endParaRPr lang="en-US" sz="1765" kern="0">
-              <a:solidFill>
-                <a:prstClr val="white"/>
-              </a:solidFill>
-            </a:endParaRPr>
-          </a:p>
-        </p:txBody>
-      </p:sp>
-      <p:sp>
-        <p:nvSpPr>
-          <p:cNvPr id="30" name="TextBox 29">
-            <a:extLst>
-              <a:ext uri="{FF2B5EF4-FFF2-40B4-BE49-F238E27FC236}">
-                <a16:creationId xmlns:a16="http://schemas.microsoft.com/office/drawing/2014/main" id="{AA0C2E33-AB69-48DF-AB3F-D30642E63B5E}"/>
-              </a:ext>
-            </a:extLst>
-          </p:cNvPr>
-          <p:cNvSpPr txBox="1"/>
-          <p:nvPr/>
-        </p:nvSpPr>
-        <p:spPr>
-          <a:xfrm>
-            <a:off x="7562150" y="4234399"/>
-            <a:ext cx="2301294" cy="362072"/>
-          </a:xfrm>
-          <a:prstGeom prst="rect">
-            <a:avLst/>
-          </a:prstGeom>
-          <a:noFill/>
-        </p:spPr>
-        <p:txBody>
-          <a:bodyPr wrap="square" rtlCol="0">
-            <a:spAutoFit/>
-          </a:bodyPr>
-          <a:lstStyle/>
-          <a:p>
-            <a:pPr defTabSz="896386">
-              <a:defRPr/>
-            </a:pPr>
-            <a:r>
-              <a:rPr lang="en-US" sz="1765" kern="0" dirty="0">
-                <a:solidFill>
-                  <a:sysClr val="windowText" lastClr="000000"/>
-                </a:solidFill>
-              </a:rPr>
-              <a:t>AdventureWorks.mdf</a:t>
-            </a:r>
-          </a:p>
-        </p:txBody>
-      </p:sp>
-      <p:grpSp>
-        <p:nvGrpSpPr>
-          <p:cNvPr id="31" name="Group 30">
-            <a:extLst>
-              <a:ext uri="{FF2B5EF4-FFF2-40B4-BE49-F238E27FC236}">
-                <a16:creationId xmlns:a16="http://schemas.microsoft.com/office/drawing/2014/main" id="{892413F9-B350-4720-BAE9-DAE3642D5853}"/>
-              </a:ext>
-            </a:extLst>
-          </p:cNvPr>
-          <p:cNvGrpSpPr/>
-          <p:nvPr/>
-        </p:nvGrpSpPr>
-        <p:grpSpPr>
-          <a:xfrm>
-            <a:off x="7851278" y="2100939"/>
-            <a:ext cx="1718148" cy="2030645"/>
-            <a:chOff x="4963829" y="4298078"/>
-            <a:chExt cx="1393773" cy="1547244"/>
-          </a:xfrm>
-        </p:grpSpPr>
-        <p:sp>
-          <p:nvSpPr>
-            <p:cNvPr id="32" name="Cylinder 31">
-              <a:extLst>
-                <a:ext uri="{FF2B5EF4-FFF2-40B4-BE49-F238E27FC236}">
-                  <a16:creationId xmlns:a16="http://schemas.microsoft.com/office/drawing/2014/main" id="{70715B26-39A4-4BBF-AA9D-76070428DF44}"/>
-                </a:ext>
-              </a:extLst>
-            </p:cNvPr>
-            <p:cNvSpPr/>
-            <p:nvPr/>
-          </p:nvSpPr>
-          <p:spPr>
-            <a:xfrm>
-              <a:off x="4963829" y="5232674"/>
-              <a:ext cx="1393771" cy="612648"/>
-            </a:xfrm>
-            <a:prstGeom prst="can">
-              <a:avLst>
-                <a:gd name="adj" fmla="val 30417"/>
-              </a:avLst>
-            </a:prstGeom>
-            <a:solidFill>
-              <a:schemeClr val="accent4">
-                <a:lumMod val="75000"/>
-              </a:schemeClr>
-            </a:solidFill>
-            <a:ln>
-              <a:solidFill>
-                <a:schemeClr val="accent4">
-                  <a:lumMod val="50000"/>
-                </a:schemeClr>
-              </a:solidFill>
-            </a:ln>
-          </p:spPr>
-          <p:style>
-            <a:lnRef idx="2">
-              <a:schemeClr val="accent1">
-                <a:shade val="50000"/>
-              </a:schemeClr>
-            </a:lnRef>
-            <a:fillRef idx="1">
-              <a:schemeClr val="accent1"/>
-            </a:fillRef>
-            <a:effectRef idx="0">
-              <a:schemeClr val="accent1"/>
-            </a:effectRef>
-            <a:fontRef idx="minor">
-              <a:schemeClr val="lt1"/>
-            </a:fontRef>
-          </p:style>
-          <p:txBody>
-            <a:bodyPr rtlCol="0" anchor="ctr"/>
-            <a:lstStyle/>
-            <a:p>
-              <a:pPr algn="ctr"/>
-              <a:endParaRPr lang="en-US" sz="1765"/>
-            </a:p>
-          </p:txBody>
-        </p:sp>
-        <p:sp>
-          <p:nvSpPr>
-            <p:cNvPr id="33" name="Cylinder 32">
-              <a:extLst>
-                <a:ext uri="{FF2B5EF4-FFF2-40B4-BE49-F238E27FC236}">
-                  <a16:creationId xmlns:a16="http://schemas.microsoft.com/office/drawing/2014/main" id="{D22BFC22-C55F-4DDB-99DA-A129C648A7CA}"/>
-                </a:ext>
-              </a:extLst>
-            </p:cNvPr>
-            <p:cNvSpPr/>
-            <p:nvPr/>
-          </p:nvSpPr>
-          <p:spPr>
-            <a:xfrm>
-              <a:off x="4963830" y="4763793"/>
-              <a:ext cx="1393771" cy="612648"/>
-            </a:xfrm>
-            <a:prstGeom prst="can">
-              <a:avLst>
-                <a:gd name="adj" fmla="val 30417"/>
-              </a:avLst>
-            </a:prstGeom>
-            <a:solidFill>
-              <a:schemeClr val="accent4">
-                <a:lumMod val="75000"/>
-              </a:schemeClr>
-            </a:solidFill>
-            <a:ln>
-              <a:solidFill>
-                <a:schemeClr val="accent4">
-                  <a:lumMod val="50000"/>
-                </a:schemeClr>
-              </a:solidFill>
-            </a:ln>
-          </p:spPr>
-          <p:style>
-            <a:lnRef idx="2">
-              <a:schemeClr val="accent1">
-                <a:shade val="50000"/>
-              </a:schemeClr>
-            </a:lnRef>
-            <a:fillRef idx="1">
-              <a:schemeClr val="accent1"/>
-            </a:fillRef>
-            <a:effectRef idx="0">
-              <a:schemeClr val="accent1"/>
-            </a:effectRef>
-            <a:fontRef idx="minor">
-              <a:schemeClr val="lt1"/>
-            </a:fontRef>
-          </p:style>
-          <p:txBody>
-            <a:bodyPr rtlCol="0" anchor="ctr"/>
-            <a:lstStyle/>
-            <a:p>
-              <a:pPr algn="ctr"/>
-              <a:endParaRPr lang="en-US" sz="1765"/>
-            </a:p>
-          </p:txBody>
-        </p:sp>
-        <p:sp>
-          <p:nvSpPr>
-            <p:cNvPr id="34" name="Cylinder 33">
-              <a:extLst>
-                <a:ext uri="{FF2B5EF4-FFF2-40B4-BE49-F238E27FC236}">
-                  <a16:creationId xmlns:a16="http://schemas.microsoft.com/office/drawing/2014/main" id="{8400CF7C-4CCF-406F-9DFC-8F21141D4CBB}"/>
-                </a:ext>
-              </a:extLst>
-            </p:cNvPr>
-            <p:cNvSpPr/>
-            <p:nvPr/>
-          </p:nvSpPr>
-          <p:spPr>
-            <a:xfrm>
-              <a:off x="4963831" y="4298078"/>
-              <a:ext cx="1393771" cy="612648"/>
-            </a:xfrm>
-            <a:prstGeom prst="can">
-              <a:avLst>
-                <a:gd name="adj" fmla="val 30417"/>
-              </a:avLst>
-            </a:prstGeom>
-            <a:solidFill>
-              <a:schemeClr val="accent4">
-                <a:lumMod val="75000"/>
-              </a:schemeClr>
-            </a:solidFill>
-            <a:ln>
-              <a:solidFill>
-                <a:schemeClr val="accent4">
-                  <a:lumMod val="50000"/>
-                </a:schemeClr>
-              </a:solidFill>
-            </a:ln>
-          </p:spPr>
-          <p:style>
-            <a:lnRef idx="2">
-              <a:schemeClr val="accent1">
-                <a:shade val="50000"/>
-              </a:schemeClr>
-            </a:lnRef>
-            <a:fillRef idx="1">
-              <a:schemeClr val="accent1"/>
-            </a:fillRef>
-            <a:effectRef idx="0">
-              <a:schemeClr val="accent1"/>
-            </a:effectRef>
-            <a:fontRef idx="minor">
-              <a:schemeClr val="lt1"/>
-            </a:fontRef>
-          </p:style>
-          <p:txBody>
-            <a:bodyPr rtlCol="0" anchor="ctr"/>
-            <a:lstStyle/>
-            <a:p>
-              <a:pPr algn="ctr"/>
-              <a:endParaRPr lang="en-US" sz="1765"/>
-            </a:p>
-          </p:txBody>
-        </p:sp>
-      </p:grpSp>
-    </p:spTree>
-    <p:extLst>
-      <p:ext uri="{BB962C8B-B14F-4D97-AF65-F5344CB8AC3E}">
-        <p14:creationId xmlns:p14="http://schemas.microsoft.com/office/powerpoint/2010/main" val="3720537775"/>
-      </p:ext>
-    </p:extLst>
-  </p:cSld>
-  <p:clrMapOvr>
-    <a:masterClrMapping/>
-  </p:clrMapOvr>
-  <mc:AlternateContent xmlns:mc="http://schemas.openxmlformats.org/markup-compatibility/2006" xmlns:p14="http://schemas.microsoft.com/office/powerpoint/2010/main">
-    <mc:Choice Requires="p14">
-      <p:transition p14:dur="0"/>
-    </mc:Choice>
-    <mc:Fallback xmlns="">
-      <p:transition/>
-    </mc:Fallback>
-  </mc:AlternateContent>
-</p:sld>
-</file>
-
-<file path=ppt/slides/slide9.xml><?xml version="1.0" encoding="utf-8"?>
-<p:sld xmlns:a="http://schemas.openxmlformats.org/drawingml/2006/main" xmlns:r="http://schemas.openxmlformats.org/officeDocument/2006/relationships" xmlns:p="http://schemas.openxmlformats.org/presentationml/2006/main">
-  <p:cSld>
-    <p:spTree>
-      <p:nvGrpSpPr>
-        <p:cNvPr id="1" name=""/>
-        <p:cNvGrpSpPr/>
-        <p:nvPr/>
-      </p:nvGrpSpPr>
-      <p:grpSpPr>
-        <a:xfrm>
-          <a:off x="0" y="0"/>
-          <a:ext cx="0" cy="0"/>
-          <a:chOff x="0" y="0"/>
-          <a:chExt cx="0" cy="0"/>
-        </a:xfrm>
-      </p:grpSpPr>
-      <p:sp>
-        <p:nvSpPr>
-          <p:cNvPr id="13" name="Title 3">
-            <a:extLst>
-              <a:ext uri="{FF2B5EF4-FFF2-40B4-BE49-F238E27FC236}">
-                <a16:creationId xmlns:a16="http://schemas.microsoft.com/office/drawing/2014/main" id="{801D87DF-ECCF-413F-857F-FA7562D70F05}"/>
-              </a:ext>
-            </a:extLst>
-          </p:cNvPr>
-          <p:cNvSpPr txBox="1">
-            <a:spLocks/>
-          </p:cNvSpPr>
-          <p:nvPr/>
-        </p:nvSpPr>
-        <p:spPr>
-          <a:xfrm>
-            <a:off x="283545" y="216812"/>
-            <a:ext cx="11655840" cy="899537"/>
-          </a:xfrm>
-          <a:prstGeom prst="rect">
-            <a:avLst/>
-          </a:prstGeom>
-        </p:spPr>
-        <p:txBody>
-          <a:bodyPr vert="horz" wrap="square" lIns="143428" tIns="89642" rIns="143428" bIns="89642" rtlCol="0" anchor="t">
-            <a:noAutofit/>
-          </a:bodyPr>
-          <a:lstStyle>
-            <a:lvl1pPr algn="l" defTabSz="932742" rtl="0" eaLnBrk="1" latinLnBrk="0" hangingPunct="1">
-              <a:lnSpc>
-                <a:spcPct val="90000"/>
-              </a:lnSpc>
-              <a:spcBef>
-                <a:spcPct val="0"/>
-              </a:spcBef>
-              <a:buNone/>
-              <a:defRPr lang="en-US" sz="4800" b="0" kern="1200" cap="none" spc="-102" baseline="0" dirty="0" smtClean="0">
-                <a:ln w="3175">
-                  <a:noFill/>
-                </a:ln>
-                <a:solidFill>
-                  <a:srgbClr val="0078D7"/>
-                </a:solidFill>
-                <a:effectLst/>
-                <a:latin typeface="+mj-lt"/>
-                <a:ea typeface="+mn-ea"/>
-                <a:cs typeface="Segoe UI" pitchFamily="34" charset="0"/>
-              </a:defRPr>
-            </a:lvl1pPr>
-          </a:lstStyle>
-          <a:p>
-            <a:pPr defTabSz="914367">
-              <a:defRPr/>
-            </a:pPr>
-            <a:r>
-              <a:rPr lang="en-US" sz="3600" spc="0" dirty="0">
-                <a:ln>
-                  <a:noFill/>
-                </a:ln>
-                <a:solidFill>
-                  <a:schemeClr val="accent4">
-                    <a:lumMod val="75000"/>
-                  </a:schemeClr>
-                </a:solidFill>
-                <a:ea typeface="+mj-ea"/>
-                <a:cs typeface="Segoe UI Light"/>
-              </a:rPr>
-              <a:t>Explicit Transactions with Error Handling</a:t>
-            </a:r>
-          </a:p>
-        </p:txBody>
-      </p:sp>
-      <p:sp>
-        <p:nvSpPr>
-          <p:cNvPr id="15" name="Rounded Rectangle 4">
-            <a:extLst>
-              <a:ext uri="{FF2B5EF4-FFF2-40B4-BE49-F238E27FC236}">
-                <a16:creationId xmlns:a16="http://schemas.microsoft.com/office/drawing/2014/main" id="{5CBFC64E-AA2D-4C83-B8F4-063840E4C7B4}"/>
-              </a:ext>
-            </a:extLst>
-          </p:cNvPr>
-          <p:cNvSpPr/>
-          <p:nvPr/>
-        </p:nvSpPr>
-        <p:spPr>
-          <a:xfrm>
-            <a:off x="2016957" y="1230336"/>
-            <a:ext cx="3875888" cy="4881145"/>
-          </a:xfrm>
-          <a:prstGeom prst="roundRect">
-            <a:avLst/>
-          </a:prstGeom>
-          <a:solidFill>
-            <a:schemeClr val="bg1"/>
-          </a:solidFill>
-        </p:spPr>
-        <p:style>
-          <a:lnRef idx="2">
-            <a:schemeClr val="accent1">
-              <a:shade val="50000"/>
-            </a:schemeClr>
-          </a:lnRef>
-          <a:fillRef idx="1">
-            <a:schemeClr val="accent1"/>
-          </a:fillRef>
-          <a:effectRef idx="0">
-            <a:schemeClr val="accent1"/>
-          </a:effectRef>
-          <a:fontRef idx="minor">
-            <a:schemeClr val="lt1"/>
-          </a:fontRef>
-        </p:style>
-        <p:txBody>
-          <a:bodyPr rtlCol="0" anchor="ctr"/>
-          <a:lstStyle/>
-          <a:p>
-            <a:pPr algn="ctr" defTabSz="896386">
-              <a:defRPr/>
-            </a:pPr>
-            <a:endParaRPr lang="en-US" sz="1765" kern="0">
-              <a:solidFill>
-                <a:prstClr val="white"/>
-              </a:solidFill>
-            </a:endParaRPr>
-          </a:p>
-        </p:txBody>
-      </p:sp>
-      <p:cxnSp>
-        <p:nvCxnSpPr>
-          <p:cNvPr id="16" name="Straight Connector 15">
-            <a:extLst>
-              <a:ext uri="{FF2B5EF4-FFF2-40B4-BE49-F238E27FC236}">
-                <a16:creationId xmlns:a16="http://schemas.microsoft.com/office/drawing/2014/main" id="{0A13EF78-4ACE-4182-AB7A-B9D61F359F9D}"/>
-              </a:ext>
-            </a:extLst>
-          </p:cNvPr>
-          <p:cNvCxnSpPr/>
-          <p:nvPr/>
-        </p:nvCxnSpPr>
-        <p:spPr>
-          <a:xfrm>
-            <a:off x="2025576" y="5046746"/>
-            <a:ext cx="3875888" cy="0"/>
-          </a:xfrm>
-          <a:prstGeom prst="line">
-            <a:avLst/>
-          </a:prstGeom>
-        </p:spPr>
-        <p:style>
-          <a:lnRef idx="1">
-            <a:schemeClr val="accent1"/>
-          </a:lnRef>
-          <a:fillRef idx="0">
-            <a:schemeClr val="accent1"/>
-          </a:fillRef>
-          <a:effectRef idx="0">
-            <a:schemeClr val="accent1"/>
-          </a:effectRef>
-          <a:fontRef idx="minor">
-            <a:schemeClr val="tx1"/>
-          </a:fontRef>
-        </p:style>
-      </p:cxnSp>
-      <p:sp>
-        <p:nvSpPr>
-          <p:cNvPr id="17" name="TextBox 16">
-            <a:extLst>
-              <a:ext uri="{FF2B5EF4-FFF2-40B4-BE49-F238E27FC236}">
-                <a16:creationId xmlns:a16="http://schemas.microsoft.com/office/drawing/2014/main" id="{946E1395-1842-4A73-915D-186B719CAE94}"/>
-              </a:ext>
-            </a:extLst>
-          </p:cNvPr>
-          <p:cNvSpPr txBox="1"/>
-          <p:nvPr/>
-        </p:nvSpPr>
-        <p:spPr>
-          <a:xfrm>
-            <a:off x="3286891" y="4976878"/>
-            <a:ext cx="2241062" cy="362072"/>
-          </a:xfrm>
-          <a:prstGeom prst="rect">
-            <a:avLst/>
-          </a:prstGeom>
-          <a:noFill/>
-        </p:spPr>
-        <p:txBody>
-          <a:bodyPr wrap="square" rtlCol="0">
-            <a:spAutoFit/>
-          </a:bodyPr>
-          <a:lstStyle/>
-          <a:p>
-            <a:pPr defTabSz="896386">
-              <a:defRPr/>
-            </a:pPr>
-            <a:r>
-              <a:rPr lang="en-US" sz="1765" kern="0" dirty="0">
-                <a:solidFill>
-                  <a:prstClr val="black"/>
-                </a:solidFill>
-              </a:rPr>
-              <a:t>Checkpoint</a:t>
-            </a:r>
-          </a:p>
-        </p:txBody>
-      </p:sp>
-      <p:pic>
-        <p:nvPicPr>
-          <p:cNvPr id="18" name="Picture 17">
-            <a:extLst>
-              <a:ext uri="{FF2B5EF4-FFF2-40B4-BE49-F238E27FC236}">
-                <a16:creationId xmlns:a16="http://schemas.microsoft.com/office/drawing/2014/main" id="{C8EC7E8B-0ACE-404D-B2C7-440F47255E20}"/>
-              </a:ext>
-            </a:extLst>
-          </p:cNvPr>
-          <p:cNvPicPr>
-            <a:picLocks noChangeAspect="1"/>
-          </p:cNvPicPr>
-          <p:nvPr/>
-        </p:nvPicPr>
-        <p:blipFill>
-          <a:blip r:embed="rId2" cstate="print">
-            <a:extLst>
-              <a:ext uri="{28A0092B-C50C-407E-A947-70E740481C1C}">
-                <a14:useLocalDpi xmlns:a14="http://schemas.microsoft.com/office/drawing/2010/main" val="0"/>
-              </a:ext>
-            </a:extLst>
-          </a:blip>
-          <a:stretch>
-            <a:fillRect/>
-          </a:stretch>
-        </p:blipFill>
-        <p:spPr>
-          <a:xfrm>
-            <a:off x="2166362" y="1510907"/>
-            <a:ext cx="3603854" cy="3366700"/>
-          </a:xfrm>
-          <a:prstGeom prst="rect">
-            <a:avLst/>
-          </a:prstGeom>
-        </p:spPr>
-      </p:pic>
-      <p:sp>
-        <p:nvSpPr>
-          <p:cNvPr id="19" name="Rounded Rectangle 11">
-            <a:extLst>
-              <a:ext uri="{FF2B5EF4-FFF2-40B4-BE49-F238E27FC236}">
-                <a16:creationId xmlns:a16="http://schemas.microsoft.com/office/drawing/2014/main" id="{EBC3280F-83D3-4C68-9AEA-4CBC71910C7A}"/>
-              </a:ext>
-            </a:extLst>
-          </p:cNvPr>
-          <p:cNvSpPr/>
-          <p:nvPr/>
-        </p:nvSpPr>
-        <p:spPr>
-          <a:xfrm>
-            <a:off x="7291012" y="1814378"/>
-            <a:ext cx="2838679" cy="2983249"/>
-          </a:xfrm>
-          <a:prstGeom prst="roundRect">
-            <a:avLst/>
-          </a:prstGeom>
-          <a:solidFill>
-            <a:schemeClr val="bg1"/>
-          </a:solidFill>
-        </p:spPr>
-        <p:style>
-          <a:lnRef idx="2">
-            <a:schemeClr val="accent1">
-              <a:shade val="50000"/>
-            </a:schemeClr>
-          </a:lnRef>
-          <a:fillRef idx="1">
-            <a:schemeClr val="accent1"/>
-          </a:fillRef>
-          <a:effectRef idx="0">
-            <a:schemeClr val="accent1"/>
-          </a:effectRef>
-          <a:fontRef idx="minor">
-            <a:schemeClr val="lt1"/>
-          </a:fontRef>
-        </p:style>
-        <p:txBody>
-          <a:bodyPr rtlCol="0" anchor="ctr"/>
-          <a:lstStyle/>
-          <a:p>
-            <a:pPr algn="ctr" defTabSz="896386">
-              <a:defRPr/>
-            </a:pPr>
-            <a:endParaRPr lang="en-US" sz="1765" kern="0">
-              <a:solidFill>
-                <a:prstClr val="white"/>
-              </a:solidFill>
-            </a:endParaRPr>
-          </a:p>
-        </p:txBody>
-      </p:sp>
-      <p:cxnSp>
-        <p:nvCxnSpPr>
-          <p:cNvPr id="20" name="Straight Arrow Connector 19">
-            <a:extLst>
-              <a:ext uri="{FF2B5EF4-FFF2-40B4-BE49-F238E27FC236}">
-                <a16:creationId xmlns:a16="http://schemas.microsoft.com/office/drawing/2014/main" id="{0FF5237F-921F-4C9C-8DE2-EC36DABA549B}"/>
-              </a:ext>
-            </a:extLst>
-          </p:cNvPr>
-          <p:cNvCxnSpPr>
-            <a:cxnSpLocks/>
-          </p:cNvCxnSpPr>
-          <p:nvPr/>
-        </p:nvCxnSpPr>
-        <p:spPr>
-          <a:xfrm flipH="1">
-            <a:off x="6041353" y="4311850"/>
-            <a:ext cx="1129150" cy="665028"/>
-          </a:xfrm>
-          <a:prstGeom prst="straightConnector1">
-            <a:avLst/>
-          </a:prstGeom>
-          <a:ln w="57150">
-            <a:solidFill>
-              <a:schemeClr val="accent3"/>
-            </a:solidFill>
-            <a:tailEnd type="triangle"/>
-          </a:ln>
-        </p:spPr>
-        <p:style>
-          <a:lnRef idx="1">
-            <a:schemeClr val="accent1"/>
-          </a:lnRef>
-          <a:fillRef idx="0">
-            <a:schemeClr val="accent1"/>
-          </a:fillRef>
-          <a:effectRef idx="0">
-            <a:schemeClr val="accent1"/>
-          </a:effectRef>
-          <a:fontRef idx="minor">
-            <a:schemeClr val="tx1"/>
-          </a:fontRef>
-        </p:style>
-      </p:cxnSp>
-      <p:sp>
-        <p:nvSpPr>
-          <p:cNvPr id="21" name="TextBox 20">
-            <a:extLst>
-              <a:ext uri="{FF2B5EF4-FFF2-40B4-BE49-F238E27FC236}">
-                <a16:creationId xmlns:a16="http://schemas.microsoft.com/office/drawing/2014/main" id="{89D248C8-40BD-4390-92DC-BC785206730F}"/>
-              </a:ext>
-            </a:extLst>
-          </p:cNvPr>
-          <p:cNvSpPr txBox="1"/>
-          <p:nvPr/>
-        </p:nvSpPr>
-        <p:spPr>
-          <a:xfrm rot="16200000">
-            <a:off x="576562" y="3306024"/>
-            <a:ext cx="2407725" cy="362072"/>
-          </a:xfrm>
-          <a:prstGeom prst="rect">
-            <a:avLst/>
-          </a:prstGeom>
-          <a:noFill/>
-        </p:spPr>
-        <p:txBody>
-          <a:bodyPr wrap="square" rtlCol="0">
-            <a:spAutoFit/>
-          </a:bodyPr>
-          <a:lstStyle/>
-          <a:p>
-            <a:pPr defTabSz="896386">
-              <a:defRPr/>
-            </a:pPr>
-            <a:r>
-              <a:rPr lang="en-US" sz="1765" kern="0" dirty="0">
-                <a:solidFill>
-                  <a:prstClr val="black"/>
-                </a:solidFill>
-              </a:rPr>
-              <a:t>AdventureWorks.ldf</a:t>
-            </a:r>
-          </a:p>
-        </p:txBody>
-      </p:sp>
-      <p:sp>
-        <p:nvSpPr>
-          <p:cNvPr id="22" name="TextBox 21">
-            <a:extLst>
-              <a:ext uri="{FF2B5EF4-FFF2-40B4-BE49-F238E27FC236}">
-                <a16:creationId xmlns:a16="http://schemas.microsoft.com/office/drawing/2014/main" id="{477EFC1C-2721-4D15-A926-55543A11F849}"/>
-              </a:ext>
-            </a:extLst>
-          </p:cNvPr>
-          <p:cNvSpPr txBox="1"/>
-          <p:nvPr/>
-        </p:nvSpPr>
-        <p:spPr>
-          <a:xfrm>
-            <a:off x="7562150" y="4234399"/>
-            <a:ext cx="2301294" cy="362072"/>
-          </a:xfrm>
-          <a:prstGeom prst="rect">
-            <a:avLst/>
-          </a:prstGeom>
-          <a:noFill/>
-        </p:spPr>
-        <p:txBody>
-          <a:bodyPr wrap="square" rtlCol="0">
-            <a:spAutoFit/>
-          </a:bodyPr>
-          <a:lstStyle/>
-          <a:p>
-            <a:pPr defTabSz="896386">
-              <a:defRPr/>
-            </a:pPr>
-            <a:r>
-              <a:rPr lang="en-US" sz="1765" kern="0" dirty="0">
-                <a:solidFill>
-                  <a:sysClr val="windowText" lastClr="000000"/>
-                </a:solidFill>
-              </a:rPr>
-              <a:t>AdventureWorks.mdf</a:t>
-            </a:r>
-          </a:p>
-        </p:txBody>
-      </p:sp>
-      <p:grpSp>
-        <p:nvGrpSpPr>
-          <p:cNvPr id="35" name="Group 34">
-            <a:extLst>
-              <a:ext uri="{FF2B5EF4-FFF2-40B4-BE49-F238E27FC236}">
-                <a16:creationId xmlns:a16="http://schemas.microsoft.com/office/drawing/2014/main" id="{E2BBC193-B27E-4118-B456-720A69DD5435}"/>
-              </a:ext>
-            </a:extLst>
-          </p:cNvPr>
-          <p:cNvGrpSpPr/>
-          <p:nvPr/>
-        </p:nvGrpSpPr>
-        <p:grpSpPr>
-          <a:xfrm>
-            <a:off x="7851278" y="2100939"/>
-            <a:ext cx="1718148" cy="2030645"/>
-            <a:chOff x="4963829" y="4298078"/>
-            <a:chExt cx="1393773" cy="1547244"/>
-          </a:xfrm>
-        </p:grpSpPr>
-        <p:sp>
-          <p:nvSpPr>
-            <p:cNvPr id="36" name="Cylinder 35">
-              <a:extLst>
-                <a:ext uri="{FF2B5EF4-FFF2-40B4-BE49-F238E27FC236}">
-                  <a16:creationId xmlns:a16="http://schemas.microsoft.com/office/drawing/2014/main" id="{62638C69-627F-4B5B-8188-56879E44F19D}"/>
-                </a:ext>
-              </a:extLst>
-            </p:cNvPr>
-            <p:cNvSpPr/>
-            <p:nvPr/>
-          </p:nvSpPr>
-          <p:spPr>
-            <a:xfrm>
-              <a:off x="4963829" y="5232674"/>
-              <a:ext cx="1393771" cy="612648"/>
-            </a:xfrm>
-            <a:prstGeom prst="can">
-              <a:avLst>
-                <a:gd name="adj" fmla="val 30417"/>
-              </a:avLst>
-            </a:prstGeom>
-            <a:solidFill>
-              <a:schemeClr val="accent4">
-                <a:lumMod val="75000"/>
-              </a:schemeClr>
-            </a:solidFill>
-            <a:ln>
-              <a:solidFill>
-                <a:schemeClr val="accent4">
-                  <a:lumMod val="50000"/>
-                </a:schemeClr>
-              </a:solidFill>
-            </a:ln>
-          </p:spPr>
-          <p:style>
-            <a:lnRef idx="2">
-              <a:schemeClr val="accent1">
-                <a:shade val="50000"/>
-              </a:schemeClr>
-            </a:lnRef>
-            <a:fillRef idx="1">
-              <a:schemeClr val="accent1"/>
-            </a:fillRef>
-            <a:effectRef idx="0">
-              <a:schemeClr val="accent1"/>
-            </a:effectRef>
-            <a:fontRef idx="minor">
-              <a:schemeClr val="lt1"/>
-            </a:fontRef>
-          </p:style>
-          <p:txBody>
-            <a:bodyPr rtlCol="0" anchor="ctr"/>
-            <a:lstStyle/>
-            <a:p>
-              <a:pPr algn="ctr"/>
-              <a:endParaRPr lang="en-US" sz="1765"/>
-            </a:p>
-          </p:txBody>
-        </p:sp>
-        <p:sp>
-          <p:nvSpPr>
-            <p:cNvPr id="37" name="Cylinder 36">
-              <a:extLst>
-                <a:ext uri="{FF2B5EF4-FFF2-40B4-BE49-F238E27FC236}">
-                  <a16:creationId xmlns:a16="http://schemas.microsoft.com/office/drawing/2014/main" id="{5893E6CA-A0CE-455C-8F27-AE7F6BE5DF04}"/>
-                </a:ext>
-              </a:extLst>
-            </p:cNvPr>
-            <p:cNvSpPr/>
-            <p:nvPr/>
-          </p:nvSpPr>
-          <p:spPr>
-            <a:xfrm>
-              <a:off x="4963830" y="4763793"/>
-              <a:ext cx="1393771" cy="612648"/>
-            </a:xfrm>
-            <a:prstGeom prst="can">
-              <a:avLst>
-                <a:gd name="adj" fmla="val 30417"/>
-              </a:avLst>
-            </a:prstGeom>
-            <a:solidFill>
-              <a:schemeClr val="accent4">
-                <a:lumMod val="75000"/>
-              </a:schemeClr>
-            </a:solidFill>
-            <a:ln>
-              <a:solidFill>
-                <a:schemeClr val="accent4">
-                  <a:lumMod val="50000"/>
-                </a:schemeClr>
-              </a:solidFill>
-            </a:ln>
-          </p:spPr>
-          <p:style>
-            <a:lnRef idx="2">
-              <a:schemeClr val="accent1">
-                <a:shade val="50000"/>
-              </a:schemeClr>
-            </a:lnRef>
-            <a:fillRef idx="1">
-              <a:schemeClr val="accent1"/>
-            </a:fillRef>
-            <a:effectRef idx="0">
-              <a:schemeClr val="accent1"/>
-            </a:effectRef>
-            <a:fontRef idx="minor">
-              <a:schemeClr val="lt1"/>
-            </a:fontRef>
-          </p:style>
-          <p:txBody>
-            <a:bodyPr rtlCol="0" anchor="ctr"/>
-            <a:lstStyle/>
-            <a:p>
-              <a:pPr algn="ctr"/>
-              <a:endParaRPr lang="en-US" sz="1765"/>
-            </a:p>
-          </p:txBody>
-        </p:sp>
-        <p:sp>
-          <p:nvSpPr>
-            <p:cNvPr id="38" name="Cylinder 37">
-              <a:extLst>
-                <a:ext uri="{FF2B5EF4-FFF2-40B4-BE49-F238E27FC236}">
-                  <a16:creationId xmlns:a16="http://schemas.microsoft.com/office/drawing/2014/main" id="{5F751915-1B41-431F-9E80-EFDE3E32F50E}"/>
-                </a:ext>
-              </a:extLst>
-            </p:cNvPr>
-            <p:cNvSpPr/>
-            <p:nvPr/>
-          </p:nvSpPr>
-          <p:spPr>
-            <a:xfrm>
-              <a:off x="4963831" y="4298078"/>
-              <a:ext cx="1393771" cy="612648"/>
-            </a:xfrm>
-            <a:prstGeom prst="can">
-              <a:avLst>
-                <a:gd name="adj" fmla="val 30417"/>
-              </a:avLst>
-            </a:prstGeom>
-            <a:solidFill>
-              <a:schemeClr val="accent4">
-                <a:lumMod val="75000"/>
-              </a:schemeClr>
-            </a:solidFill>
-            <a:ln>
-              <a:solidFill>
-                <a:schemeClr val="accent4">
-                  <a:lumMod val="50000"/>
-                </a:schemeClr>
-              </a:solidFill>
-            </a:ln>
-          </p:spPr>
-          <p:style>
-            <a:lnRef idx="2">
-              <a:schemeClr val="accent1">
-                <a:shade val="50000"/>
-              </a:schemeClr>
-            </a:lnRef>
-            <a:fillRef idx="1">
-              <a:schemeClr val="accent1"/>
-            </a:fillRef>
-            <a:effectRef idx="0">
-              <a:schemeClr val="accent1"/>
-            </a:effectRef>
-            <a:fontRef idx="minor">
-              <a:schemeClr val="lt1"/>
-            </a:fontRef>
-          </p:style>
-          <p:txBody>
-            <a:bodyPr rtlCol="0" anchor="ctr"/>
-            <a:lstStyle/>
-            <a:p>
-              <a:pPr algn="ctr"/>
-              <a:endParaRPr lang="en-US" sz="1765"/>
-            </a:p>
-          </p:txBody>
-        </p:sp>
-      </p:grpSp>
-    </p:spTree>
-    <p:extLst>
-      <p:ext uri="{BB962C8B-B14F-4D97-AF65-F5344CB8AC3E}">
-        <p14:creationId xmlns:p14="http://schemas.microsoft.com/office/powerpoint/2010/main" val="656543458"/>
       </p:ext>
     </p:extLst>
   </p:cSld>
@@ -15131,5 +16491,7 @@
 </file>
 
 <file path=docMetadata/LabelInfo.xml><?xml version="1.0" encoding="utf-8"?>
-<clbl:labelList xmlns:clbl="http://schemas.microsoft.com/office/2020/mipLabelMetadata"/>
+<clbl:labelList xmlns:clbl="http://schemas.microsoft.com/office/2020/mipLabelMetadata">
+  <clbl:label id="{f42aa342-8706-4288-bd11-ebb85995028c}" enabled="1" method="Privileged" siteId="{72f988bf-86f1-41af-91ab-2d7cd011db47}" removed="0"/>
+</clbl:labelList>
 </file>